--- a/docs/tutorials/img/vae-gmm-mlda-mm/vae-gmm-mlda-mm.pptx
+++ b/docs/tutorials/img/vae-gmm-mlda-mm/vae-gmm-mlda-mm.pptx
@@ -2,12 +2,12 @@
 <file path=ppt/presentation.xml><?xml version="1.0" encoding="utf-8"?>
 <p:presentation xmlns:a="http://schemas.openxmlformats.org/drawingml/2006/main" xmlns:r="http://schemas.openxmlformats.org/officeDocument/2006/relationships" xmlns:p="http://schemas.openxmlformats.org/presentationml/2006/main" saveSubsetFonts="1">
   <p:sldMasterIdLst>
-    <p:sldMasterId id="2147483984" r:id="rId1"/>
+    <p:sldMasterId id="2147484020" r:id="rId1"/>
   </p:sldMasterIdLst>
   <p:sldIdLst>
     <p:sldId id="256" r:id="rId2"/>
   </p:sldIdLst>
-  <p:sldSz cx="9539288" cy="5400675"/>
+  <p:sldSz cx="14400213" cy="5400675"/>
   <p:notesSz cx="6858000" cy="9144000"/>
   <p:defaultTextStyle>
     <a:defPPr>
@@ -112,7 +112,7 @@
             <a:srgbClr val="A4A3A4"/>
           </p15:clr>
         </p15:guide>
-        <p15:guide id="2" pos="3005" userDrawn="1">
+        <p15:guide id="2" pos="4536" userDrawn="1">
           <p15:clr>
             <a:srgbClr val="A4A3A4"/>
           </p15:clr>
@@ -152,15 +152,15 @@
         </p:nvSpPr>
         <p:spPr>
           <a:xfrm>
-            <a:off x="1192411" y="883861"/>
-            <a:ext cx="7154466" cy="1880235"/>
+            <a:off x="1800027" y="883861"/>
+            <a:ext cx="10800160" cy="1880235"/>
           </a:xfrm>
         </p:spPr>
         <p:txBody>
           <a:bodyPr anchor="b"/>
           <a:lstStyle>
             <a:lvl1pPr algn="ctr">
-              <a:defRPr sz="4694"/>
+              <a:defRPr sz="4725"/>
             </a:lvl1pPr>
           </a:lstStyle>
           <a:p>
@@ -184,8 +184,8 @@
         </p:nvSpPr>
         <p:spPr>
           <a:xfrm>
-            <a:off x="1192411" y="2836605"/>
-            <a:ext cx="7154466" cy="1303913"/>
+            <a:off x="1800027" y="2836605"/>
+            <a:ext cx="10800160" cy="1303913"/>
           </a:xfrm>
         </p:spPr>
         <p:txBody>
@@ -193,39 +193,39 @@
           <a:lstStyle>
             <a:lvl1pPr marL="0" indent="0" algn="ctr">
               <a:buNone/>
-              <a:defRPr sz="1878"/>
+              <a:defRPr sz="1890"/>
             </a:lvl1pPr>
-            <a:lvl2pPr marL="357713" indent="0" algn="ctr">
-              <a:buNone/>
-              <a:defRPr sz="1565"/>
+            <a:lvl2pPr marL="360045" indent="0" algn="ctr">
+              <a:buNone/>
+              <a:defRPr sz="1575"/>
             </a:lvl2pPr>
-            <a:lvl3pPr marL="715427" indent="0" algn="ctr">
-              <a:buNone/>
-              <a:defRPr sz="1408"/>
+            <a:lvl3pPr marL="720090" indent="0" algn="ctr">
+              <a:buNone/>
+              <a:defRPr sz="1418"/>
             </a:lvl3pPr>
-            <a:lvl4pPr marL="1073140" indent="0" algn="ctr">
-              <a:buNone/>
-              <a:defRPr sz="1252"/>
+            <a:lvl4pPr marL="1080135" indent="0" algn="ctr">
+              <a:buNone/>
+              <a:defRPr sz="1260"/>
             </a:lvl4pPr>
-            <a:lvl5pPr marL="1430853" indent="0" algn="ctr">
-              <a:buNone/>
-              <a:defRPr sz="1252"/>
+            <a:lvl5pPr marL="1440180" indent="0" algn="ctr">
+              <a:buNone/>
+              <a:defRPr sz="1260"/>
             </a:lvl5pPr>
-            <a:lvl6pPr marL="1788566" indent="0" algn="ctr">
-              <a:buNone/>
-              <a:defRPr sz="1252"/>
+            <a:lvl6pPr marL="1800225" indent="0" algn="ctr">
+              <a:buNone/>
+              <a:defRPr sz="1260"/>
             </a:lvl6pPr>
-            <a:lvl7pPr marL="2146280" indent="0" algn="ctr">
-              <a:buNone/>
-              <a:defRPr sz="1252"/>
+            <a:lvl7pPr marL="2160270" indent="0" algn="ctr">
+              <a:buNone/>
+              <a:defRPr sz="1260"/>
             </a:lvl7pPr>
-            <a:lvl8pPr marL="2503993" indent="0" algn="ctr">
-              <a:buNone/>
-              <a:defRPr sz="1252"/>
+            <a:lvl8pPr marL="2520315" indent="0" algn="ctr">
+              <a:buNone/>
+              <a:defRPr sz="1260"/>
             </a:lvl8pPr>
-            <a:lvl9pPr marL="2861706" indent="0" algn="ctr">
-              <a:buNone/>
-              <a:defRPr sz="1252"/>
+            <a:lvl9pPr marL="2880360" indent="0" algn="ctr">
+              <a:buNone/>
+              <a:defRPr sz="1260"/>
             </a:lvl9pPr>
           </a:lstStyle>
           <a:p>
@@ -254,7 +254,7 @@
           <a:p>
             <a:fld id="{9B3F4528-C138-4BF2-B6A0-94131316515C}" type="datetimeFigureOut">
               <a:rPr kumimoji="1" lang="ja-JP" altLang="en-US" smtClean="0"/>
-              <a:t>2018/12/4</a:t>
+              <a:t>2018/12/6</a:t>
             </a:fld>
             <a:endParaRPr kumimoji="1" lang="ja-JP" altLang="en-US"/>
           </a:p>
@@ -305,7 +305,7 @@
     </p:spTree>
     <p:extLst>
       <p:ext uri="{BB962C8B-B14F-4D97-AF65-F5344CB8AC3E}">
-        <p14:creationId xmlns:p14="http://schemas.microsoft.com/office/powerpoint/2010/main" val="766718737"/>
+        <p14:creationId xmlns:p14="http://schemas.microsoft.com/office/powerpoint/2010/main" val="2486477785"/>
       </p:ext>
     </p:extLst>
   </p:cSld>
@@ -456,7 +456,7 @@
           <a:p>
             <a:fld id="{9B3F4528-C138-4BF2-B6A0-94131316515C}" type="datetimeFigureOut">
               <a:rPr kumimoji="1" lang="ja-JP" altLang="en-US" smtClean="0"/>
-              <a:t>2018/12/4</a:t>
+              <a:t>2018/12/6</a:t>
             </a:fld>
             <a:endParaRPr kumimoji="1" lang="ja-JP" altLang="en-US"/>
           </a:p>
@@ -507,7 +507,7 @@
     </p:spTree>
     <p:extLst>
       <p:ext uri="{BB962C8B-B14F-4D97-AF65-F5344CB8AC3E}">
-        <p14:creationId xmlns:p14="http://schemas.microsoft.com/office/powerpoint/2010/main" val="1227734999"/>
+        <p14:creationId xmlns:p14="http://schemas.microsoft.com/office/powerpoint/2010/main" val="1261570100"/>
       </p:ext>
     </p:extLst>
   </p:cSld>
@@ -546,8 +546,8 @@
         </p:nvSpPr>
         <p:spPr>
           <a:xfrm>
-            <a:off x="6826553" y="287536"/>
-            <a:ext cx="2056909" cy="4576822"/>
+            <a:off x="10305152" y="287536"/>
+            <a:ext cx="3105046" cy="4576822"/>
           </a:xfrm>
         </p:spPr>
         <p:txBody>
@@ -574,8 +574,8 @@
         </p:nvSpPr>
         <p:spPr>
           <a:xfrm>
-            <a:off x="655826" y="287536"/>
-            <a:ext cx="6051486" cy="4576822"/>
+            <a:off x="990015" y="287536"/>
+            <a:ext cx="9135135" cy="4576822"/>
           </a:xfrm>
         </p:spPr>
         <p:txBody>
@@ -668,7 +668,7 @@
           <a:p>
             <a:fld id="{9B3F4528-C138-4BF2-B6A0-94131316515C}" type="datetimeFigureOut">
               <a:rPr kumimoji="1" lang="ja-JP" altLang="en-US" smtClean="0"/>
-              <a:t>2018/12/4</a:t>
+              <a:t>2018/12/6</a:t>
             </a:fld>
             <a:endParaRPr kumimoji="1" lang="ja-JP" altLang="en-US"/>
           </a:p>
@@ -719,7 +719,7 @@
     </p:spTree>
     <p:extLst>
       <p:ext uri="{BB962C8B-B14F-4D97-AF65-F5344CB8AC3E}">
-        <p14:creationId xmlns:p14="http://schemas.microsoft.com/office/powerpoint/2010/main" val="2839802021"/>
+        <p14:creationId xmlns:p14="http://schemas.microsoft.com/office/powerpoint/2010/main" val="2505567383"/>
       </p:ext>
     </p:extLst>
   </p:cSld>
@@ -870,7 +870,7 @@
           <a:p>
             <a:fld id="{9B3F4528-C138-4BF2-B6A0-94131316515C}" type="datetimeFigureOut">
               <a:rPr kumimoji="1" lang="ja-JP" altLang="en-US" smtClean="0"/>
-              <a:t>2018/12/4</a:t>
+              <a:t>2018/12/6</a:t>
             </a:fld>
             <a:endParaRPr kumimoji="1" lang="ja-JP" altLang="en-US"/>
           </a:p>
@@ -921,7 +921,7 @@
     </p:spTree>
     <p:extLst>
       <p:ext uri="{BB962C8B-B14F-4D97-AF65-F5344CB8AC3E}">
-        <p14:creationId xmlns:p14="http://schemas.microsoft.com/office/powerpoint/2010/main" val="2773086605"/>
+        <p14:creationId xmlns:p14="http://schemas.microsoft.com/office/powerpoint/2010/main" val="3895386687"/>
       </p:ext>
     </p:extLst>
   </p:cSld>
@@ -960,15 +960,15 @@
         </p:nvSpPr>
         <p:spPr>
           <a:xfrm>
-            <a:off x="650858" y="1346419"/>
-            <a:ext cx="8227636" cy="2246530"/>
+            <a:off x="982514" y="1346419"/>
+            <a:ext cx="12420184" cy="2246530"/>
           </a:xfrm>
         </p:spPr>
         <p:txBody>
           <a:bodyPr anchor="b"/>
           <a:lstStyle>
             <a:lvl1pPr>
-              <a:defRPr sz="4694"/>
+              <a:defRPr sz="4725"/>
             </a:lvl1pPr>
           </a:lstStyle>
           <a:p>
@@ -992,8 +992,8 @@
         </p:nvSpPr>
         <p:spPr>
           <a:xfrm>
-            <a:off x="650858" y="3614203"/>
-            <a:ext cx="8227636" cy="1181397"/>
+            <a:off x="982514" y="3614203"/>
+            <a:ext cx="12420184" cy="1181397"/>
           </a:xfrm>
         </p:spPr>
         <p:txBody>
@@ -1001,7 +1001,7 @@
           <a:lstStyle>
             <a:lvl1pPr marL="0" indent="0">
               <a:buNone/>
-              <a:defRPr sz="1878">
+              <a:defRPr sz="1890">
                 <a:solidFill>
                   <a:schemeClr val="tx1">
                     <a:tint val="75000"/>
@@ -1009,9 +1009,9 @@
                 </a:solidFill>
               </a:defRPr>
             </a:lvl1pPr>
-            <a:lvl2pPr marL="357713" indent="0">
-              <a:buNone/>
-              <a:defRPr sz="1565">
+            <a:lvl2pPr marL="360045" indent="0">
+              <a:buNone/>
+              <a:defRPr sz="1575">
                 <a:solidFill>
                   <a:schemeClr val="tx1">
                     <a:tint val="75000"/>
@@ -1019,9 +1019,9 @@
                 </a:solidFill>
               </a:defRPr>
             </a:lvl2pPr>
-            <a:lvl3pPr marL="715427" indent="0">
-              <a:buNone/>
-              <a:defRPr sz="1408">
+            <a:lvl3pPr marL="720090" indent="0">
+              <a:buNone/>
+              <a:defRPr sz="1418">
                 <a:solidFill>
                   <a:schemeClr val="tx1">
                     <a:tint val="75000"/>
@@ -1029,9 +1029,9 @@
                 </a:solidFill>
               </a:defRPr>
             </a:lvl3pPr>
-            <a:lvl4pPr marL="1073140" indent="0">
-              <a:buNone/>
-              <a:defRPr sz="1252">
+            <a:lvl4pPr marL="1080135" indent="0">
+              <a:buNone/>
+              <a:defRPr sz="1260">
                 <a:solidFill>
                   <a:schemeClr val="tx1">
                     <a:tint val="75000"/>
@@ -1039,9 +1039,9 @@
                 </a:solidFill>
               </a:defRPr>
             </a:lvl4pPr>
-            <a:lvl5pPr marL="1430853" indent="0">
-              <a:buNone/>
-              <a:defRPr sz="1252">
+            <a:lvl5pPr marL="1440180" indent="0">
+              <a:buNone/>
+              <a:defRPr sz="1260">
                 <a:solidFill>
                   <a:schemeClr val="tx1">
                     <a:tint val="75000"/>
@@ -1049,9 +1049,9 @@
                 </a:solidFill>
               </a:defRPr>
             </a:lvl5pPr>
-            <a:lvl6pPr marL="1788566" indent="0">
-              <a:buNone/>
-              <a:defRPr sz="1252">
+            <a:lvl6pPr marL="1800225" indent="0">
+              <a:buNone/>
+              <a:defRPr sz="1260">
                 <a:solidFill>
                   <a:schemeClr val="tx1">
                     <a:tint val="75000"/>
@@ -1059,9 +1059,9 @@
                 </a:solidFill>
               </a:defRPr>
             </a:lvl6pPr>
-            <a:lvl7pPr marL="2146280" indent="0">
-              <a:buNone/>
-              <a:defRPr sz="1252">
+            <a:lvl7pPr marL="2160270" indent="0">
+              <a:buNone/>
+              <a:defRPr sz="1260">
                 <a:solidFill>
                   <a:schemeClr val="tx1">
                     <a:tint val="75000"/>
@@ -1069,9 +1069,9 @@
                 </a:solidFill>
               </a:defRPr>
             </a:lvl7pPr>
-            <a:lvl8pPr marL="2503993" indent="0">
-              <a:buNone/>
-              <a:defRPr sz="1252">
+            <a:lvl8pPr marL="2520315" indent="0">
+              <a:buNone/>
+              <a:defRPr sz="1260">
                 <a:solidFill>
                   <a:schemeClr val="tx1">
                     <a:tint val="75000"/>
@@ -1079,9 +1079,9 @@
                 </a:solidFill>
               </a:defRPr>
             </a:lvl8pPr>
-            <a:lvl9pPr marL="2861706" indent="0">
-              <a:buNone/>
-              <a:defRPr sz="1252">
+            <a:lvl9pPr marL="2880360" indent="0">
+              <a:buNone/>
+              <a:defRPr sz="1260">
                 <a:solidFill>
                   <a:schemeClr val="tx1">
                     <a:tint val="75000"/>
@@ -1116,7 +1116,7 @@
           <a:p>
             <a:fld id="{9B3F4528-C138-4BF2-B6A0-94131316515C}" type="datetimeFigureOut">
               <a:rPr kumimoji="1" lang="ja-JP" altLang="en-US" smtClean="0"/>
-              <a:t>2018/12/4</a:t>
+              <a:t>2018/12/6</a:t>
             </a:fld>
             <a:endParaRPr kumimoji="1" lang="ja-JP" altLang="en-US"/>
           </a:p>
@@ -1167,7 +1167,7 @@
     </p:spTree>
     <p:extLst>
       <p:ext uri="{BB962C8B-B14F-4D97-AF65-F5344CB8AC3E}">
-        <p14:creationId xmlns:p14="http://schemas.microsoft.com/office/powerpoint/2010/main" val="3573153680"/>
+        <p14:creationId xmlns:p14="http://schemas.microsoft.com/office/powerpoint/2010/main" val="1605043089"/>
       </p:ext>
     </p:extLst>
   </p:cSld>
@@ -1229,8 +1229,8 @@
         </p:nvSpPr>
         <p:spPr>
           <a:xfrm>
-            <a:off x="655826" y="1437680"/>
-            <a:ext cx="4054197" cy="3426679"/>
+            <a:off x="990014" y="1437680"/>
+            <a:ext cx="6120091" cy="3426679"/>
           </a:xfrm>
         </p:spPr>
         <p:txBody>
@@ -1318,8 +1318,8 @@
         </p:nvSpPr>
         <p:spPr>
           <a:xfrm>
-            <a:off x="4829265" y="1437680"/>
-            <a:ext cx="4054197" cy="3426679"/>
+            <a:off x="7290108" y="1437680"/>
+            <a:ext cx="6120091" cy="3426679"/>
           </a:xfrm>
         </p:spPr>
         <p:txBody>
@@ -1412,7 +1412,7 @@
           <a:p>
             <a:fld id="{9B3F4528-C138-4BF2-B6A0-94131316515C}" type="datetimeFigureOut">
               <a:rPr kumimoji="1" lang="ja-JP" altLang="en-US" smtClean="0"/>
-              <a:t>2018/12/4</a:t>
+              <a:t>2018/12/6</a:t>
             </a:fld>
             <a:endParaRPr kumimoji="1" lang="ja-JP" altLang="en-US"/>
           </a:p>
@@ -1463,7 +1463,7 @@
     </p:spTree>
     <p:extLst>
       <p:ext uri="{BB962C8B-B14F-4D97-AF65-F5344CB8AC3E}">
-        <p14:creationId xmlns:p14="http://schemas.microsoft.com/office/powerpoint/2010/main" val="3068646512"/>
+        <p14:creationId xmlns:p14="http://schemas.microsoft.com/office/powerpoint/2010/main" val="3634982740"/>
       </p:ext>
     </p:extLst>
   </p:cSld>
@@ -1502,8 +1502,8 @@
         </p:nvSpPr>
         <p:spPr>
           <a:xfrm>
-            <a:off x="657068" y="287536"/>
-            <a:ext cx="8227636" cy="1043881"/>
+            <a:off x="991890" y="287536"/>
+            <a:ext cx="12420184" cy="1043881"/>
           </a:xfrm>
         </p:spPr>
         <p:txBody>
@@ -1530,8 +1530,8 @@
         </p:nvSpPr>
         <p:spPr>
           <a:xfrm>
-            <a:off x="657069" y="1323916"/>
-            <a:ext cx="4035566" cy="648831"/>
+            <a:off x="991891" y="1323916"/>
+            <a:ext cx="6091965" cy="648831"/>
           </a:xfrm>
         </p:spPr>
         <p:txBody>
@@ -1539,39 +1539,39 @@
           <a:lstStyle>
             <a:lvl1pPr marL="0" indent="0">
               <a:buNone/>
-              <a:defRPr sz="1878" b="1"/>
+              <a:defRPr sz="1890" b="1"/>
             </a:lvl1pPr>
-            <a:lvl2pPr marL="357713" indent="0">
-              <a:buNone/>
-              <a:defRPr sz="1565" b="1"/>
+            <a:lvl2pPr marL="360045" indent="0">
+              <a:buNone/>
+              <a:defRPr sz="1575" b="1"/>
             </a:lvl2pPr>
-            <a:lvl3pPr marL="715427" indent="0">
-              <a:buNone/>
-              <a:defRPr sz="1408" b="1"/>
+            <a:lvl3pPr marL="720090" indent="0">
+              <a:buNone/>
+              <a:defRPr sz="1418" b="1"/>
             </a:lvl3pPr>
-            <a:lvl4pPr marL="1073140" indent="0">
-              <a:buNone/>
-              <a:defRPr sz="1252" b="1"/>
+            <a:lvl4pPr marL="1080135" indent="0">
+              <a:buNone/>
+              <a:defRPr sz="1260" b="1"/>
             </a:lvl4pPr>
-            <a:lvl5pPr marL="1430853" indent="0">
-              <a:buNone/>
-              <a:defRPr sz="1252" b="1"/>
+            <a:lvl5pPr marL="1440180" indent="0">
+              <a:buNone/>
+              <a:defRPr sz="1260" b="1"/>
             </a:lvl5pPr>
-            <a:lvl6pPr marL="1788566" indent="0">
-              <a:buNone/>
-              <a:defRPr sz="1252" b="1"/>
+            <a:lvl6pPr marL="1800225" indent="0">
+              <a:buNone/>
+              <a:defRPr sz="1260" b="1"/>
             </a:lvl6pPr>
-            <a:lvl7pPr marL="2146280" indent="0">
-              <a:buNone/>
-              <a:defRPr sz="1252" b="1"/>
+            <a:lvl7pPr marL="2160270" indent="0">
+              <a:buNone/>
+              <a:defRPr sz="1260" b="1"/>
             </a:lvl7pPr>
-            <a:lvl8pPr marL="2503993" indent="0">
-              <a:buNone/>
-              <a:defRPr sz="1252" b="1"/>
+            <a:lvl8pPr marL="2520315" indent="0">
+              <a:buNone/>
+              <a:defRPr sz="1260" b="1"/>
             </a:lvl8pPr>
-            <a:lvl9pPr marL="2861706" indent="0">
-              <a:buNone/>
-              <a:defRPr sz="1252" b="1"/>
+            <a:lvl9pPr marL="2880360" indent="0">
+              <a:buNone/>
+              <a:defRPr sz="1260" b="1"/>
             </a:lvl9pPr>
           </a:lstStyle>
           <a:p>
@@ -1595,8 +1595,8 @@
         </p:nvSpPr>
         <p:spPr>
           <a:xfrm>
-            <a:off x="657069" y="1972747"/>
-            <a:ext cx="4035566" cy="2901613"/>
+            <a:off x="991891" y="1972747"/>
+            <a:ext cx="6091965" cy="2901613"/>
           </a:xfrm>
         </p:spPr>
         <p:txBody>
@@ -1684,8 +1684,8 @@
         </p:nvSpPr>
         <p:spPr>
           <a:xfrm>
-            <a:off x="4829264" y="1323916"/>
-            <a:ext cx="4055440" cy="648831"/>
+            <a:off x="7290108" y="1323916"/>
+            <a:ext cx="6121966" cy="648831"/>
           </a:xfrm>
         </p:spPr>
         <p:txBody>
@@ -1693,39 +1693,39 @@
           <a:lstStyle>
             <a:lvl1pPr marL="0" indent="0">
               <a:buNone/>
-              <a:defRPr sz="1878" b="1"/>
+              <a:defRPr sz="1890" b="1"/>
             </a:lvl1pPr>
-            <a:lvl2pPr marL="357713" indent="0">
-              <a:buNone/>
-              <a:defRPr sz="1565" b="1"/>
+            <a:lvl2pPr marL="360045" indent="0">
+              <a:buNone/>
+              <a:defRPr sz="1575" b="1"/>
             </a:lvl2pPr>
-            <a:lvl3pPr marL="715427" indent="0">
-              <a:buNone/>
-              <a:defRPr sz="1408" b="1"/>
+            <a:lvl3pPr marL="720090" indent="0">
+              <a:buNone/>
+              <a:defRPr sz="1418" b="1"/>
             </a:lvl3pPr>
-            <a:lvl4pPr marL="1073140" indent="0">
-              <a:buNone/>
-              <a:defRPr sz="1252" b="1"/>
+            <a:lvl4pPr marL="1080135" indent="0">
+              <a:buNone/>
+              <a:defRPr sz="1260" b="1"/>
             </a:lvl4pPr>
-            <a:lvl5pPr marL="1430853" indent="0">
-              <a:buNone/>
-              <a:defRPr sz="1252" b="1"/>
+            <a:lvl5pPr marL="1440180" indent="0">
+              <a:buNone/>
+              <a:defRPr sz="1260" b="1"/>
             </a:lvl5pPr>
-            <a:lvl6pPr marL="1788566" indent="0">
-              <a:buNone/>
-              <a:defRPr sz="1252" b="1"/>
+            <a:lvl6pPr marL="1800225" indent="0">
+              <a:buNone/>
+              <a:defRPr sz="1260" b="1"/>
             </a:lvl6pPr>
-            <a:lvl7pPr marL="2146280" indent="0">
-              <a:buNone/>
-              <a:defRPr sz="1252" b="1"/>
+            <a:lvl7pPr marL="2160270" indent="0">
+              <a:buNone/>
+              <a:defRPr sz="1260" b="1"/>
             </a:lvl7pPr>
-            <a:lvl8pPr marL="2503993" indent="0">
-              <a:buNone/>
-              <a:defRPr sz="1252" b="1"/>
+            <a:lvl8pPr marL="2520315" indent="0">
+              <a:buNone/>
+              <a:defRPr sz="1260" b="1"/>
             </a:lvl8pPr>
-            <a:lvl9pPr marL="2861706" indent="0">
-              <a:buNone/>
-              <a:defRPr sz="1252" b="1"/>
+            <a:lvl9pPr marL="2880360" indent="0">
+              <a:buNone/>
+              <a:defRPr sz="1260" b="1"/>
             </a:lvl9pPr>
           </a:lstStyle>
           <a:p>
@@ -1749,8 +1749,8 @@
         </p:nvSpPr>
         <p:spPr>
           <a:xfrm>
-            <a:off x="4829264" y="1972747"/>
-            <a:ext cx="4055440" cy="2901613"/>
+            <a:off x="7290108" y="1972747"/>
+            <a:ext cx="6121966" cy="2901613"/>
           </a:xfrm>
         </p:spPr>
         <p:txBody>
@@ -1843,7 +1843,7 @@
           <a:p>
             <a:fld id="{9B3F4528-C138-4BF2-B6A0-94131316515C}" type="datetimeFigureOut">
               <a:rPr kumimoji="1" lang="ja-JP" altLang="en-US" smtClean="0"/>
-              <a:t>2018/12/4</a:t>
+              <a:t>2018/12/6</a:t>
             </a:fld>
             <a:endParaRPr kumimoji="1" lang="ja-JP" altLang="en-US"/>
           </a:p>
@@ -1894,7 +1894,7 @@
     </p:spTree>
     <p:extLst>
       <p:ext uri="{BB962C8B-B14F-4D97-AF65-F5344CB8AC3E}">
-        <p14:creationId xmlns:p14="http://schemas.microsoft.com/office/powerpoint/2010/main" val="2550645742"/>
+        <p14:creationId xmlns:p14="http://schemas.microsoft.com/office/powerpoint/2010/main" val="1453483810"/>
       </p:ext>
     </p:extLst>
   </p:cSld>
@@ -1961,7 +1961,7 @@
           <a:p>
             <a:fld id="{9B3F4528-C138-4BF2-B6A0-94131316515C}" type="datetimeFigureOut">
               <a:rPr kumimoji="1" lang="ja-JP" altLang="en-US" smtClean="0"/>
-              <a:t>2018/12/4</a:t>
+              <a:t>2018/12/6</a:t>
             </a:fld>
             <a:endParaRPr kumimoji="1" lang="ja-JP" altLang="en-US"/>
           </a:p>
@@ -2012,7 +2012,7 @@
     </p:spTree>
     <p:extLst>
       <p:ext uri="{BB962C8B-B14F-4D97-AF65-F5344CB8AC3E}">
-        <p14:creationId xmlns:p14="http://schemas.microsoft.com/office/powerpoint/2010/main" val="2858767135"/>
+        <p14:creationId xmlns:p14="http://schemas.microsoft.com/office/powerpoint/2010/main" val="813266889"/>
       </p:ext>
     </p:extLst>
   </p:cSld>
@@ -2056,7 +2056,7 @@
           <a:p>
             <a:fld id="{9B3F4528-C138-4BF2-B6A0-94131316515C}" type="datetimeFigureOut">
               <a:rPr kumimoji="1" lang="ja-JP" altLang="en-US" smtClean="0"/>
-              <a:t>2018/12/4</a:t>
+              <a:t>2018/12/6</a:t>
             </a:fld>
             <a:endParaRPr kumimoji="1" lang="ja-JP" altLang="en-US"/>
           </a:p>
@@ -2107,7 +2107,7 @@
     </p:spTree>
     <p:extLst>
       <p:ext uri="{BB962C8B-B14F-4D97-AF65-F5344CB8AC3E}">
-        <p14:creationId xmlns:p14="http://schemas.microsoft.com/office/powerpoint/2010/main" val="2939248234"/>
+        <p14:creationId xmlns:p14="http://schemas.microsoft.com/office/powerpoint/2010/main" val="1596514776"/>
       </p:ext>
     </p:extLst>
   </p:cSld>
@@ -2146,15 +2146,15 @@
         </p:nvSpPr>
         <p:spPr>
           <a:xfrm>
-            <a:off x="657069" y="360045"/>
-            <a:ext cx="3076668" cy="1260158"/>
+            <a:off x="991891" y="360045"/>
+            <a:ext cx="4644443" cy="1260158"/>
           </a:xfrm>
         </p:spPr>
         <p:txBody>
           <a:bodyPr anchor="b"/>
           <a:lstStyle>
             <a:lvl1pPr>
-              <a:defRPr sz="2504"/>
+              <a:defRPr sz="2520"/>
             </a:lvl1pPr>
           </a:lstStyle>
           <a:p>
@@ -2178,39 +2178,39 @@
         </p:nvSpPr>
         <p:spPr>
           <a:xfrm>
-            <a:off x="4055440" y="777597"/>
-            <a:ext cx="4829265" cy="3837980"/>
+            <a:off x="6121966" y="777597"/>
+            <a:ext cx="7290108" cy="3837980"/>
           </a:xfrm>
         </p:spPr>
         <p:txBody>
           <a:bodyPr/>
           <a:lstStyle>
             <a:lvl1pPr>
-              <a:defRPr sz="2504"/>
+              <a:defRPr sz="2520"/>
             </a:lvl1pPr>
             <a:lvl2pPr>
-              <a:defRPr sz="2191"/>
+              <a:defRPr sz="2205"/>
             </a:lvl2pPr>
             <a:lvl3pPr>
-              <a:defRPr sz="1878"/>
+              <a:defRPr sz="1890"/>
             </a:lvl3pPr>
             <a:lvl4pPr>
-              <a:defRPr sz="1565"/>
+              <a:defRPr sz="1575"/>
             </a:lvl4pPr>
             <a:lvl5pPr>
-              <a:defRPr sz="1565"/>
+              <a:defRPr sz="1575"/>
             </a:lvl5pPr>
             <a:lvl6pPr>
-              <a:defRPr sz="1565"/>
+              <a:defRPr sz="1575"/>
             </a:lvl6pPr>
             <a:lvl7pPr>
-              <a:defRPr sz="1565"/>
+              <a:defRPr sz="1575"/>
             </a:lvl7pPr>
             <a:lvl8pPr>
-              <a:defRPr sz="1565"/>
+              <a:defRPr sz="1575"/>
             </a:lvl8pPr>
             <a:lvl9pPr>
-              <a:defRPr sz="1565"/>
+              <a:defRPr sz="1575"/>
             </a:lvl9pPr>
           </a:lstStyle>
           <a:p>
@@ -2295,8 +2295,8 @@
         </p:nvSpPr>
         <p:spPr>
           <a:xfrm>
-            <a:off x="657069" y="1620202"/>
-            <a:ext cx="3076668" cy="3001626"/>
+            <a:off x="991891" y="1620202"/>
+            <a:ext cx="4644443" cy="3001626"/>
           </a:xfrm>
         </p:spPr>
         <p:txBody>
@@ -2304,39 +2304,39 @@
           <a:lstStyle>
             <a:lvl1pPr marL="0" indent="0">
               <a:buNone/>
-              <a:defRPr sz="1252"/>
+              <a:defRPr sz="1260"/>
             </a:lvl1pPr>
-            <a:lvl2pPr marL="357713" indent="0">
-              <a:buNone/>
-              <a:defRPr sz="1095"/>
+            <a:lvl2pPr marL="360045" indent="0">
+              <a:buNone/>
+              <a:defRPr sz="1103"/>
             </a:lvl2pPr>
-            <a:lvl3pPr marL="715427" indent="0">
-              <a:buNone/>
-              <a:defRPr sz="939"/>
+            <a:lvl3pPr marL="720090" indent="0">
+              <a:buNone/>
+              <a:defRPr sz="945"/>
             </a:lvl3pPr>
-            <a:lvl4pPr marL="1073140" indent="0">
-              <a:buNone/>
-              <a:defRPr sz="782"/>
+            <a:lvl4pPr marL="1080135" indent="0">
+              <a:buNone/>
+              <a:defRPr sz="788"/>
             </a:lvl4pPr>
-            <a:lvl5pPr marL="1430853" indent="0">
-              <a:buNone/>
-              <a:defRPr sz="782"/>
+            <a:lvl5pPr marL="1440180" indent="0">
+              <a:buNone/>
+              <a:defRPr sz="788"/>
             </a:lvl5pPr>
-            <a:lvl6pPr marL="1788566" indent="0">
-              <a:buNone/>
-              <a:defRPr sz="782"/>
+            <a:lvl6pPr marL="1800225" indent="0">
+              <a:buNone/>
+              <a:defRPr sz="788"/>
             </a:lvl6pPr>
-            <a:lvl7pPr marL="2146280" indent="0">
-              <a:buNone/>
-              <a:defRPr sz="782"/>
+            <a:lvl7pPr marL="2160270" indent="0">
+              <a:buNone/>
+              <a:defRPr sz="788"/>
             </a:lvl7pPr>
-            <a:lvl8pPr marL="2503993" indent="0">
-              <a:buNone/>
-              <a:defRPr sz="782"/>
+            <a:lvl8pPr marL="2520315" indent="0">
+              <a:buNone/>
+              <a:defRPr sz="788"/>
             </a:lvl8pPr>
-            <a:lvl9pPr marL="2861706" indent="0">
-              <a:buNone/>
-              <a:defRPr sz="782"/>
+            <a:lvl9pPr marL="2880360" indent="0">
+              <a:buNone/>
+              <a:defRPr sz="788"/>
             </a:lvl9pPr>
           </a:lstStyle>
           <a:p>
@@ -2365,7 +2365,7 @@
           <a:p>
             <a:fld id="{9B3F4528-C138-4BF2-B6A0-94131316515C}" type="datetimeFigureOut">
               <a:rPr kumimoji="1" lang="ja-JP" altLang="en-US" smtClean="0"/>
-              <a:t>2018/12/4</a:t>
+              <a:t>2018/12/6</a:t>
             </a:fld>
             <a:endParaRPr kumimoji="1" lang="ja-JP" altLang="en-US"/>
           </a:p>
@@ -2416,7 +2416,7 @@
     </p:spTree>
     <p:extLst>
       <p:ext uri="{BB962C8B-B14F-4D97-AF65-F5344CB8AC3E}">
-        <p14:creationId xmlns:p14="http://schemas.microsoft.com/office/powerpoint/2010/main" val="558255867"/>
+        <p14:creationId xmlns:p14="http://schemas.microsoft.com/office/powerpoint/2010/main" val="3132672124"/>
       </p:ext>
     </p:extLst>
   </p:cSld>
@@ -2455,15 +2455,15 @@
         </p:nvSpPr>
         <p:spPr>
           <a:xfrm>
-            <a:off x="657069" y="360045"/>
-            <a:ext cx="3076668" cy="1260158"/>
+            <a:off x="991891" y="360045"/>
+            <a:ext cx="4644443" cy="1260158"/>
           </a:xfrm>
         </p:spPr>
         <p:txBody>
           <a:bodyPr anchor="b"/>
           <a:lstStyle>
             <a:lvl1pPr>
-              <a:defRPr sz="2504"/>
+              <a:defRPr sz="2520"/>
             </a:lvl1pPr>
           </a:lstStyle>
           <a:p>
@@ -2487,8 +2487,8 @@
         </p:nvSpPr>
         <p:spPr>
           <a:xfrm>
-            <a:off x="4055440" y="777597"/>
-            <a:ext cx="4829265" cy="3837980"/>
+            <a:off x="6121966" y="777597"/>
+            <a:ext cx="7290108" cy="3837980"/>
           </a:xfrm>
         </p:spPr>
         <p:txBody>
@@ -2496,39 +2496,39 @@
           <a:lstStyle>
             <a:lvl1pPr marL="0" indent="0">
               <a:buNone/>
-              <a:defRPr sz="2504"/>
+              <a:defRPr sz="2520"/>
             </a:lvl1pPr>
-            <a:lvl2pPr marL="357713" indent="0">
-              <a:buNone/>
-              <a:defRPr sz="2191"/>
+            <a:lvl2pPr marL="360045" indent="0">
+              <a:buNone/>
+              <a:defRPr sz="2205"/>
             </a:lvl2pPr>
-            <a:lvl3pPr marL="715427" indent="0">
-              <a:buNone/>
-              <a:defRPr sz="1878"/>
+            <a:lvl3pPr marL="720090" indent="0">
+              <a:buNone/>
+              <a:defRPr sz="1890"/>
             </a:lvl3pPr>
-            <a:lvl4pPr marL="1073140" indent="0">
-              <a:buNone/>
-              <a:defRPr sz="1565"/>
+            <a:lvl4pPr marL="1080135" indent="0">
+              <a:buNone/>
+              <a:defRPr sz="1575"/>
             </a:lvl4pPr>
-            <a:lvl5pPr marL="1430853" indent="0">
-              <a:buNone/>
-              <a:defRPr sz="1565"/>
+            <a:lvl5pPr marL="1440180" indent="0">
+              <a:buNone/>
+              <a:defRPr sz="1575"/>
             </a:lvl5pPr>
-            <a:lvl6pPr marL="1788566" indent="0">
-              <a:buNone/>
-              <a:defRPr sz="1565"/>
+            <a:lvl6pPr marL="1800225" indent="0">
+              <a:buNone/>
+              <a:defRPr sz="1575"/>
             </a:lvl6pPr>
-            <a:lvl7pPr marL="2146280" indent="0">
-              <a:buNone/>
-              <a:defRPr sz="1565"/>
+            <a:lvl7pPr marL="2160270" indent="0">
+              <a:buNone/>
+              <a:defRPr sz="1575"/>
             </a:lvl7pPr>
-            <a:lvl8pPr marL="2503993" indent="0">
-              <a:buNone/>
-              <a:defRPr sz="1565"/>
+            <a:lvl8pPr marL="2520315" indent="0">
+              <a:buNone/>
+              <a:defRPr sz="1575"/>
             </a:lvl8pPr>
-            <a:lvl9pPr marL="2861706" indent="0">
-              <a:buNone/>
-              <a:defRPr sz="1565"/>
+            <a:lvl9pPr marL="2880360" indent="0">
+              <a:buNone/>
+              <a:defRPr sz="1575"/>
             </a:lvl9pPr>
           </a:lstStyle>
           <a:p>
@@ -2552,8 +2552,8 @@
         </p:nvSpPr>
         <p:spPr>
           <a:xfrm>
-            <a:off x="657069" y="1620202"/>
-            <a:ext cx="3076668" cy="3001626"/>
+            <a:off x="991891" y="1620202"/>
+            <a:ext cx="4644443" cy="3001626"/>
           </a:xfrm>
         </p:spPr>
         <p:txBody>
@@ -2561,39 +2561,39 @@
           <a:lstStyle>
             <a:lvl1pPr marL="0" indent="0">
               <a:buNone/>
-              <a:defRPr sz="1252"/>
+              <a:defRPr sz="1260"/>
             </a:lvl1pPr>
-            <a:lvl2pPr marL="357713" indent="0">
-              <a:buNone/>
-              <a:defRPr sz="1095"/>
+            <a:lvl2pPr marL="360045" indent="0">
+              <a:buNone/>
+              <a:defRPr sz="1103"/>
             </a:lvl2pPr>
-            <a:lvl3pPr marL="715427" indent="0">
-              <a:buNone/>
-              <a:defRPr sz="939"/>
+            <a:lvl3pPr marL="720090" indent="0">
+              <a:buNone/>
+              <a:defRPr sz="945"/>
             </a:lvl3pPr>
-            <a:lvl4pPr marL="1073140" indent="0">
-              <a:buNone/>
-              <a:defRPr sz="782"/>
+            <a:lvl4pPr marL="1080135" indent="0">
+              <a:buNone/>
+              <a:defRPr sz="788"/>
             </a:lvl4pPr>
-            <a:lvl5pPr marL="1430853" indent="0">
-              <a:buNone/>
-              <a:defRPr sz="782"/>
+            <a:lvl5pPr marL="1440180" indent="0">
+              <a:buNone/>
+              <a:defRPr sz="788"/>
             </a:lvl5pPr>
-            <a:lvl6pPr marL="1788566" indent="0">
-              <a:buNone/>
-              <a:defRPr sz="782"/>
+            <a:lvl6pPr marL="1800225" indent="0">
+              <a:buNone/>
+              <a:defRPr sz="788"/>
             </a:lvl6pPr>
-            <a:lvl7pPr marL="2146280" indent="0">
-              <a:buNone/>
-              <a:defRPr sz="782"/>
+            <a:lvl7pPr marL="2160270" indent="0">
+              <a:buNone/>
+              <a:defRPr sz="788"/>
             </a:lvl7pPr>
-            <a:lvl8pPr marL="2503993" indent="0">
-              <a:buNone/>
-              <a:defRPr sz="782"/>
+            <a:lvl8pPr marL="2520315" indent="0">
+              <a:buNone/>
+              <a:defRPr sz="788"/>
             </a:lvl8pPr>
-            <a:lvl9pPr marL="2861706" indent="0">
-              <a:buNone/>
-              <a:defRPr sz="782"/>
+            <a:lvl9pPr marL="2880360" indent="0">
+              <a:buNone/>
+              <a:defRPr sz="788"/>
             </a:lvl9pPr>
           </a:lstStyle>
           <a:p>
@@ -2622,7 +2622,7 @@
           <a:p>
             <a:fld id="{9B3F4528-C138-4BF2-B6A0-94131316515C}" type="datetimeFigureOut">
               <a:rPr kumimoji="1" lang="ja-JP" altLang="en-US" smtClean="0"/>
-              <a:t>2018/12/4</a:t>
+              <a:t>2018/12/6</a:t>
             </a:fld>
             <a:endParaRPr kumimoji="1" lang="ja-JP" altLang="en-US"/>
           </a:p>
@@ -2673,7 +2673,7 @@
     </p:spTree>
     <p:extLst>
       <p:ext uri="{BB962C8B-B14F-4D97-AF65-F5344CB8AC3E}">
-        <p14:creationId xmlns:p14="http://schemas.microsoft.com/office/powerpoint/2010/main" val="476960371"/>
+        <p14:creationId xmlns:p14="http://schemas.microsoft.com/office/powerpoint/2010/main" val="289713430"/>
       </p:ext>
     </p:extLst>
   </p:cSld>
@@ -2717,8 +2717,8 @@
         </p:nvSpPr>
         <p:spPr>
           <a:xfrm>
-            <a:off x="655826" y="287536"/>
-            <a:ext cx="8227636" cy="1043881"/>
+            <a:off x="990015" y="287536"/>
+            <a:ext cx="12420184" cy="1043881"/>
           </a:xfrm>
           <a:prstGeom prst="rect">
             <a:avLst/>
@@ -2750,8 +2750,8 @@
         </p:nvSpPr>
         <p:spPr>
           <a:xfrm>
-            <a:off x="655826" y="1437680"/>
-            <a:ext cx="8227636" cy="3426679"/>
+            <a:off x="990015" y="1437680"/>
+            <a:ext cx="12420184" cy="3426679"/>
           </a:xfrm>
           <a:prstGeom prst="rect">
             <a:avLst/>
@@ -2844,8 +2844,8 @@
         </p:nvSpPr>
         <p:spPr>
           <a:xfrm>
-            <a:off x="655826" y="5005626"/>
-            <a:ext cx="2146340" cy="287536"/>
+            <a:off x="990015" y="5005626"/>
+            <a:ext cx="3240048" cy="287536"/>
           </a:xfrm>
           <a:prstGeom prst="rect">
             <a:avLst/>
@@ -2855,7 +2855,7 @@
           <a:bodyPr vert="horz" lIns="91440" tIns="45720" rIns="91440" bIns="45720" rtlCol="0" anchor="ctr"/>
           <a:lstStyle>
             <a:lvl1pPr algn="l">
-              <a:defRPr sz="939">
+              <a:defRPr sz="945">
                 <a:solidFill>
                   <a:schemeClr val="tx1">
                     <a:tint val="75000"/>
@@ -2867,7 +2867,7 @@
           <a:p>
             <a:fld id="{9B3F4528-C138-4BF2-B6A0-94131316515C}" type="datetimeFigureOut">
               <a:rPr kumimoji="1" lang="ja-JP" altLang="en-US" smtClean="0"/>
-              <a:t>2018/12/4</a:t>
+              <a:t>2018/12/6</a:t>
             </a:fld>
             <a:endParaRPr kumimoji="1" lang="ja-JP" altLang="en-US"/>
           </a:p>
@@ -2885,8 +2885,8 @@
         </p:nvSpPr>
         <p:spPr>
           <a:xfrm>
-            <a:off x="3159889" y="5005626"/>
-            <a:ext cx="3219510" cy="287536"/>
+            <a:off x="4770071" y="5005626"/>
+            <a:ext cx="4860072" cy="287536"/>
           </a:xfrm>
           <a:prstGeom prst="rect">
             <a:avLst/>
@@ -2896,7 +2896,7 @@
           <a:bodyPr vert="horz" lIns="91440" tIns="45720" rIns="91440" bIns="45720" rtlCol="0" anchor="ctr"/>
           <a:lstStyle>
             <a:lvl1pPr algn="ctr">
-              <a:defRPr sz="939">
+              <a:defRPr sz="945">
                 <a:solidFill>
                   <a:schemeClr val="tx1">
                     <a:tint val="75000"/>
@@ -2922,8 +2922,8 @@
         </p:nvSpPr>
         <p:spPr>
           <a:xfrm>
-            <a:off x="6737122" y="5005626"/>
-            <a:ext cx="2146340" cy="287536"/>
+            <a:off x="10170150" y="5005626"/>
+            <a:ext cx="3240048" cy="287536"/>
           </a:xfrm>
           <a:prstGeom prst="rect">
             <a:avLst/>
@@ -2933,7 +2933,7 @@
           <a:bodyPr vert="horz" lIns="91440" tIns="45720" rIns="91440" bIns="45720" rtlCol="0" anchor="ctr"/>
           <a:lstStyle>
             <a:lvl1pPr algn="r">
-              <a:defRPr sz="939">
+              <a:defRPr sz="945">
                 <a:solidFill>
                   <a:schemeClr val="tx1">
                     <a:tint val="75000"/>
@@ -2954,27 +2954,27 @@
     </p:spTree>
     <p:extLst>
       <p:ext uri="{BB962C8B-B14F-4D97-AF65-F5344CB8AC3E}">
-        <p14:creationId xmlns:p14="http://schemas.microsoft.com/office/powerpoint/2010/main" val="398049109"/>
+        <p14:creationId xmlns:p14="http://schemas.microsoft.com/office/powerpoint/2010/main" val="609595029"/>
       </p:ext>
     </p:extLst>
   </p:cSld>
   <p:clrMap bg1="lt1" tx1="dk1" bg2="lt2" tx2="dk2" accent1="accent1" accent2="accent2" accent3="accent3" accent4="accent4" accent5="accent5" accent6="accent6" hlink="hlink" folHlink="folHlink"/>
   <p:sldLayoutIdLst>
-    <p:sldLayoutId id="2147483985" r:id="rId1"/>
-    <p:sldLayoutId id="2147483986" r:id="rId2"/>
-    <p:sldLayoutId id="2147483987" r:id="rId3"/>
-    <p:sldLayoutId id="2147483988" r:id="rId4"/>
-    <p:sldLayoutId id="2147483989" r:id="rId5"/>
-    <p:sldLayoutId id="2147483990" r:id="rId6"/>
-    <p:sldLayoutId id="2147483991" r:id="rId7"/>
-    <p:sldLayoutId id="2147483992" r:id="rId8"/>
-    <p:sldLayoutId id="2147483993" r:id="rId9"/>
-    <p:sldLayoutId id="2147483994" r:id="rId10"/>
-    <p:sldLayoutId id="2147483995" r:id="rId11"/>
+    <p:sldLayoutId id="2147484021" r:id="rId1"/>
+    <p:sldLayoutId id="2147484022" r:id="rId2"/>
+    <p:sldLayoutId id="2147484023" r:id="rId3"/>
+    <p:sldLayoutId id="2147484024" r:id="rId4"/>
+    <p:sldLayoutId id="2147484025" r:id="rId5"/>
+    <p:sldLayoutId id="2147484026" r:id="rId6"/>
+    <p:sldLayoutId id="2147484027" r:id="rId7"/>
+    <p:sldLayoutId id="2147484028" r:id="rId8"/>
+    <p:sldLayoutId id="2147484029" r:id="rId9"/>
+    <p:sldLayoutId id="2147484030" r:id="rId10"/>
+    <p:sldLayoutId id="2147484031" r:id="rId11"/>
   </p:sldLayoutIdLst>
   <p:txStyles>
     <p:titleStyle>
-      <a:lvl1pPr algn="l" defTabSz="715427" rtl="0" eaLnBrk="1" latinLnBrk="0" hangingPunct="1">
+      <a:lvl1pPr algn="l" defTabSz="720090" rtl="0" eaLnBrk="1" latinLnBrk="0" hangingPunct="1">
         <a:lnSpc>
           <a:spcPct val="90000"/>
         </a:lnSpc>
@@ -2982,7 +2982,7 @@
           <a:spcPct val="0"/>
         </a:spcBef>
         <a:buNone/>
-        <a:defRPr kumimoji="1" sz="3443" kern="1200">
+        <a:defRPr kumimoji="1" sz="3465" kern="1200">
           <a:solidFill>
             <a:schemeClr val="tx1"/>
           </a:solidFill>
@@ -2993,16 +2993,16 @@
       </a:lvl1pPr>
     </p:titleStyle>
     <p:bodyStyle>
-      <a:lvl1pPr marL="178857" indent="-178857" algn="l" defTabSz="715427" rtl="0" eaLnBrk="1" latinLnBrk="0" hangingPunct="1">
+      <a:lvl1pPr marL="180023" indent="-180023" algn="l" defTabSz="720090" rtl="0" eaLnBrk="1" latinLnBrk="0" hangingPunct="1">
         <a:lnSpc>
           <a:spcPct val="90000"/>
         </a:lnSpc>
         <a:spcBef>
-          <a:spcPts val="782"/>
+          <a:spcPts val="788"/>
         </a:spcBef>
         <a:buFont typeface="Arial" panose="020B0604020202020204" pitchFamily="34" charset="0"/>
         <a:buChar char="•"/>
-        <a:defRPr kumimoji="1" sz="2191" kern="1200">
+        <a:defRPr kumimoji="1" sz="2205" kern="1200">
           <a:solidFill>
             <a:schemeClr val="tx1"/>
           </a:solidFill>
@@ -3011,16 +3011,16 @@
           <a:cs typeface="+mn-cs"/>
         </a:defRPr>
       </a:lvl1pPr>
-      <a:lvl2pPr marL="536570" indent="-178857" algn="l" defTabSz="715427" rtl="0" eaLnBrk="1" latinLnBrk="0" hangingPunct="1">
+      <a:lvl2pPr marL="540068" indent="-180023" algn="l" defTabSz="720090" rtl="0" eaLnBrk="1" latinLnBrk="0" hangingPunct="1">
         <a:lnSpc>
           <a:spcPct val="90000"/>
         </a:lnSpc>
         <a:spcBef>
-          <a:spcPts val="391"/>
+          <a:spcPts val="394"/>
         </a:spcBef>
         <a:buFont typeface="Arial" panose="020B0604020202020204" pitchFamily="34" charset="0"/>
         <a:buChar char="•"/>
-        <a:defRPr kumimoji="1" sz="1878" kern="1200">
+        <a:defRPr kumimoji="1" sz="1890" kern="1200">
           <a:solidFill>
             <a:schemeClr val="tx1"/>
           </a:solidFill>
@@ -3029,16 +3029,16 @@
           <a:cs typeface="+mn-cs"/>
         </a:defRPr>
       </a:lvl2pPr>
-      <a:lvl3pPr marL="894283" indent="-178857" algn="l" defTabSz="715427" rtl="0" eaLnBrk="1" latinLnBrk="0" hangingPunct="1">
+      <a:lvl3pPr marL="900113" indent="-180023" algn="l" defTabSz="720090" rtl="0" eaLnBrk="1" latinLnBrk="0" hangingPunct="1">
         <a:lnSpc>
           <a:spcPct val="90000"/>
         </a:lnSpc>
         <a:spcBef>
-          <a:spcPts val="391"/>
+          <a:spcPts val="394"/>
         </a:spcBef>
         <a:buFont typeface="Arial" panose="020B0604020202020204" pitchFamily="34" charset="0"/>
         <a:buChar char="•"/>
-        <a:defRPr kumimoji="1" sz="1565" kern="1200">
+        <a:defRPr kumimoji="1" sz="1575" kern="1200">
           <a:solidFill>
             <a:schemeClr val="tx1"/>
           </a:solidFill>
@@ -3047,16 +3047,16 @@
           <a:cs typeface="+mn-cs"/>
         </a:defRPr>
       </a:lvl3pPr>
-      <a:lvl4pPr marL="1251996" indent="-178857" algn="l" defTabSz="715427" rtl="0" eaLnBrk="1" latinLnBrk="0" hangingPunct="1">
+      <a:lvl4pPr marL="1260158" indent="-180023" algn="l" defTabSz="720090" rtl="0" eaLnBrk="1" latinLnBrk="0" hangingPunct="1">
         <a:lnSpc>
           <a:spcPct val="90000"/>
         </a:lnSpc>
         <a:spcBef>
-          <a:spcPts val="391"/>
+          <a:spcPts val="394"/>
         </a:spcBef>
         <a:buFont typeface="Arial" panose="020B0604020202020204" pitchFamily="34" charset="0"/>
         <a:buChar char="•"/>
-        <a:defRPr kumimoji="1" sz="1408" kern="1200">
+        <a:defRPr kumimoji="1" sz="1418" kern="1200">
           <a:solidFill>
             <a:schemeClr val="tx1"/>
           </a:solidFill>
@@ -3065,16 +3065,16 @@
           <a:cs typeface="+mn-cs"/>
         </a:defRPr>
       </a:lvl4pPr>
-      <a:lvl5pPr marL="1609710" indent="-178857" algn="l" defTabSz="715427" rtl="0" eaLnBrk="1" latinLnBrk="0" hangingPunct="1">
+      <a:lvl5pPr marL="1620203" indent="-180023" algn="l" defTabSz="720090" rtl="0" eaLnBrk="1" latinLnBrk="0" hangingPunct="1">
         <a:lnSpc>
           <a:spcPct val="90000"/>
         </a:lnSpc>
         <a:spcBef>
-          <a:spcPts val="391"/>
+          <a:spcPts val="394"/>
         </a:spcBef>
         <a:buFont typeface="Arial" panose="020B0604020202020204" pitchFamily="34" charset="0"/>
         <a:buChar char="•"/>
-        <a:defRPr kumimoji="1" sz="1408" kern="1200">
+        <a:defRPr kumimoji="1" sz="1418" kern="1200">
           <a:solidFill>
             <a:schemeClr val="tx1"/>
           </a:solidFill>
@@ -3083,16 +3083,16 @@
           <a:cs typeface="+mn-cs"/>
         </a:defRPr>
       </a:lvl5pPr>
-      <a:lvl6pPr marL="1967423" indent="-178857" algn="l" defTabSz="715427" rtl="0" eaLnBrk="1" latinLnBrk="0" hangingPunct="1">
+      <a:lvl6pPr marL="1980248" indent="-180023" algn="l" defTabSz="720090" rtl="0" eaLnBrk="1" latinLnBrk="0" hangingPunct="1">
         <a:lnSpc>
           <a:spcPct val="90000"/>
         </a:lnSpc>
         <a:spcBef>
-          <a:spcPts val="391"/>
+          <a:spcPts val="394"/>
         </a:spcBef>
         <a:buFont typeface="Arial" panose="020B0604020202020204" pitchFamily="34" charset="0"/>
         <a:buChar char="•"/>
-        <a:defRPr kumimoji="1" sz="1408" kern="1200">
+        <a:defRPr kumimoji="1" sz="1418" kern="1200">
           <a:solidFill>
             <a:schemeClr val="tx1"/>
           </a:solidFill>
@@ -3101,16 +3101,16 @@
           <a:cs typeface="+mn-cs"/>
         </a:defRPr>
       </a:lvl6pPr>
-      <a:lvl7pPr marL="2325136" indent="-178857" algn="l" defTabSz="715427" rtl="0" eaLnBrk="1" latinLnBrk="0" hangingPunct="1">
+      <a:lvl7pPr marL="2340293" indent="-180023" algn="l" defTabSz="720090" rtl="0" eaLnBrk="1" latinLnBrk="0" hangingPunct="1">
         <a:lnSpc>
           <a:spcPct val="90000"/>
         </a:lnSpc>
         <a:spcBef>
-          <a:spcPts val="391"/>
+          <a:spcPts val="394"/>
         </a:spcBef>
         <a:buFont typeface="Arial" panose="020B0604020202020204" pitchFamily="34" charset="0"/>
         <a:buChar char="•"/>
-        <a:defRPr kumimoji="1" sz="1408" kern="1200">
+        <a:defRPr kumimoji="1" sz="1418" kern="1200">
           <a:solidFill>
             <a:schemeClr val="tx1"/>
           </a:solidFill>
@@ -3119,16 +3119,16 @@
           <a:cs typeface="+mn-cs"/>
         </a:defRPr>
       </a:lvl7pPr>
-      <a:lvl8pPr marL="2682850" indent="-178857" algn="l" defTabSz="715427" rtl="0" eaLnBrk="1" latinLnBrk="0" hangingPunct="1">
+      <a:lvl8pPr marL="2700338" indent="-180023" algn="l" defTabSz="720090" rtl="0" eaLnBrk="1" latinLnBrk="0" hangingPunct="1">
         <a:lnSpc>
           <a:spcPct val="90000"/>
         </a:lnSpc>
         <a:spcBef>
-          <a:spcPts val="391"/>
+          <a:spcPts val="394"/>
         </a:spcBef>
         <a:buFont typeface="Arial" panose="020B0604020202020204" pitchFamily="34" charset="0"/>
         <a:buChar char="•"/>
-        <a:defRPr kumimoji="1" sz="1408" kern="1200">
+        <a:defRPr kumimoji="1" sz="1418" kern="1200">
           <a:solidFill>
             <a:schemeClr val="tx1"/>
           </a:solidFill>
@@ -3137,16 +3137,16 @@
           <a:cs typeface="+mn-cs"/>
         </a:defRPr>
       </a:lvl8pPr>
-      <a:lvl9pPr marL="3040563" indent="-178857" algn="l" defTabSz="715427" rtl="0" eaLnBrk="1" latinLnBrk="0" hangingPunct="1">
+      <a:lvl9pPr marL="3060383" indent="-180023" algn="l" defTabSz="720090" rtl="0" eaLnBrk="1" latinLnBrk="0" hangingPunct="1">
         <a:lnSpc>
           <a:spcPct val="90000"/>
         </a:lnSpc>
         <a:spcBef>
-          <a:spcPts val="391"/>
+          <a:spcPts val="394"/>
         </a:spcBef>
         <a:buFont typeface="Arial" panose="020B0604020202020204" pitchFamily="34" charset="0"/>
         <a:buChar char="•"/>
-        <a:defRPr kumimoji="1" sz="1408" kern="1200">
+        <a:defRPr kumimoji="1" sz="1418" kern="1200">
           <a:solidFill>
             <a:schemeClr val="tx1"/>
           </a:solidFill>
@@ -3160,8 +3160,8 @@
       <a:defPPr>
         <a:defRPr lang="en-US"/>
       </a:defPPr>
-      <a:lvl1pPr marL="0" algn="l" defTabSz="715427" rtl="0" eaLnBrk="1" latinLnBrk="0" hangingPunct="1">
-        <a:defRPr kumimoji="1" sz="1408" kern="1200">
+      <a:lvl1pPr marL="0" algn="l" defTabSz="720090" rtl="0" eaLnBrk="1" latinLnBrk="0" hangingPunct="1">
+        <a:defRPr kumimoji="1" sz="1418" kern="1200">
           <a:solidFill>
             <a:schemeClr val="tx1"/>
           </a:solidFill>
@@ -3170,8 +3170,8 @@
           <a:cs typeface="+mn-cs"/>
         </a:defRPr>
       </a:lvl1pPr>
-      <a:lvl2pPr marL="357713" algn="l" defTabSz="715427" rtl="0" eaLnBrk="1" latinLnBrk="0" hangingPunct="1">
-        <a:defRPr kumimoji="1" sz="1408" kern="1200">
+      <a:lvl2pPr marL="360045" algn="l" defTabSz="720090" rtl="0" eaLnBrk="1" latinLnBrk="0" hangingPunct="1">
+        <a:defRPr kumimoji="1" sz="1418" kern="1200">
           <a:solidFill>
             <a:schemeClr val="tx1"/>
           </a:solidFill>
@@ -3180,8 +3180,8 @@
           <a:cs typeface="+mn-cs"/>
         </a:defRPr>
       </a:lvl2pPr>
-      <a:lvl3pPr marL="715427" algn="l" defTabSz="715427" rtl="0" eaLnBrk="1" latinLnBrk="0" hangingPunct="1">
-        <a:defRPr kumimoji="1" sz="1408" kern="1200">
+      <a:lvl3pPr marL="720090" algn="l" defTabSz="720090" rtl="0" eaLnBrk="1" latinLnBrk="0" hangingPunct="1">
+        <a:defRPr kumimoji="1" sz="1418" kern="1200">
           <a:solidFill>
             <a:schemeClr val="tx1"/>
           </a:solidFill>
@@ -3190,8 +3190,8 @@
           <a:cs typeface="+mn-cs"/>
         </a:defRPr>
       </a:lvl3pPr>
-      <a:lvl4pPr marL="1073140" algn="l" defTabSz="715427" rtl="0" eaLnBrk="1" latinLnBrk="0" hangingPunct="1">
-        <a:defRPr kumimoji="1" sz="1408" kern="1200">
+      <a:lvl4pPr marL="1080135" algn="l" defTabSz="720090" rtl="0" eaLnBrk="1" latinLnBrk="0" hangingPunct="1">
+        <a:defRPr kumimoji="1" sz="1418" kern="1200">
           <a:solidFill>
             <a:schemeClr val="tx1"/>
           </a:solidFill>
@@ -3200,8 +3200,8 @@
           <a:cs typeface="+mn-cs"/>
         </a:defRPr>
       </a:lvl4pPr>
-      <a:lvl5pPr marL="1430853" algn="l" defTabSz="715427" rtl="0" eaLnBrk="1" latinLnBrk="0" hangingPunct="1">
-        <a:defRPr kumimoji="1" sz="1408" kern="1200">
+      <a:lvl5pPr marL="1440180" algn="l" defTabSz="720090" rtl="0" eaLnBrk="1" latinLnBrk="0" hangingPunct="1">
+        <a:defRPr kumimoji="1" sz="1418" kern="1200">
           <a:solidFill>
             <a:schemeClr val="tx1"/>
           </a:solidFill>
@@ -3210,8 +3210,8 @@
           <a:cs typeface="+mn-cs"/>
         </a:defRPr>
       </a:lvl5pPr>
-      <a:lvl6pPr marL="1788566" algn="l" defTabSz="715427" rtl="0" eaLnBrk="1" latinLnBrk="0" hangingPunct="1">
-        <a:defRPr kumimoji="1" sz="1408" kern="1200">
+      <a:lvl6pPr marL="1800225" algn="l" defTabSz="720090" rtl="0" eaLnBrk="1" latinLnBrk="0" hangingPunct="1">
+        <a:defRPr kumimoji="1" sz="1418" kern="1200">
           <a:solidFill>
             <a:schemeClr val="tx1"/>
           </a:solidFill>
@@ -3220,8 +3220,8 @@
           <a:cs typeface="+mn-cs"/>
         </a:defRPr>
       </a:lvl6pPr>
-      <a:lvl7pPr marL="2146280" algn="l" defTabSz="715427" rtl="0" eaLnBrk="1" latinLnBrk="0" hangingPunct="1">
-        <a:defRPr kumimoji="1" sz="1408" kern="1200">
+      <a:lvl7pPr marL="2160270" algn="l" defTabSz="720090" rtl="0" eaLnBrk="1" latinLnBrk="0" hangingPunct="1">
+        <a:defRPr kumimoji="1" sz="1418" kern="1200">
           <a:solidFill>
             <a:schemeClr val="tx1"/>
           </a:solidFill>
@@ -3230,8 +3230,8 @@
           <a:cs typeface="+mn-cs"/>
         </a:defRPr>
       </a:lvl7pPr>
-      <a:lvl8pPr marL="2503993" algn="l" defTabSz="715427" rtl="0" eaLnBrk="1" latinLnBrk="0" hangingPunct="1">
-        <a:defRPr kumimoji="1" sz="1408" kern="1200">
+      <a:lvl8pPr marL="2520315" algn="l" defTabSz="720090" rtl="0" eaLnBrk="1" latinLnBrk="0" hangingPunct="1">
+        <a:defRPr kumimoji="1" sz="1418" kern="1200">
           <a:solidFill>
             <a:schemeClr val="tx1"/>
           </a:solidFill>
@@ -3240,8 +3240,8 @@
           <a:cs typeface="+mn-cs"/>
         </a:defRPr>
       </a:lvl8pPr>
-      <a:lvl9pPr marL="2861706" algn="l" defTabSz="715427" rtl="0" eaLnBrk="1" latinLnBrk="0" hangingPunct="1">
-        <a:defRPr kumimoji="1" sz="1408" kern="1200">
+      <a:lvl9pPr marL="2880360" algn="l" defTabSz="720090" rtl="0" eaLnBrk="1" latinLnBrk="0" hangingPunct="1">
+        <a:defRPr kumimoji="1" sz="1418" kern="1200">
           <a:solidFill>
             <a:schemeClr val="tx1"/>
           </a:solidFill>
@@ -3288,7 +3288,7 @@
         </p:blipFill>
         <p:spPr>
           <a:xfrm>
-            <a:off x="852259" y="212864"/>
+            <a:off x="5668410" y="200339"/>
             <a:ext cx="6705305" cy="4888980"/>
           </a:xfrm>
           <a:prstGeom prst="rect">
@@ -3304,10 +3304,10 @@
         </p:nvGrpSpPr>
         <p:grpSpPr>
           <a:xfrm>
-            <a:off x="4834423" y="2397004"/>
+            <a:off x="9650574" y="2384477"/>
             <a:ext cx="1255665" cy="584775"/>
             <a:chOff x="420186" y="5214586"/>
-            <a:chExt cx="1255665" cy="584775"/>
+            <a:chExt cx="1255664" cy="584775"/>
           </a:xfrm>
         </p:grpSpPr>
         <p:sp>
@@ -3319,7 +3319,7 @@
           <p:spPr>
             <a:xfrm>
               <a:off x="420186" y="5214586"/>
-              <a:ext cx="1255665" cy="584775"/>
+              <a:ext cx="1255664" cy="584775"/>
             </a:xfrm>
             <a:prstGeom prst="rect">
               <a:avLst/>
@@ -3404,7 +3404,7 @@
         </p:nvGrpSpPr>
         <p:grpSpPr>
           <a:xfrm>
-            <a:off x="7497335" y="2397004"/>
+            <a:off x="12313488" y="2384478"/>
             <a:ext cx="2086725" cy="584775"/>
             <a:chOff x="4646631" y="5061726"/>
             <a:chExt cx="2086726" cy="584775"/>
@@ -3440,15 +3440,7 @@
             <a:p>
               <a:r>
                 <a:rPr lang="en-US" altLang="ja-JP" sz="1600" dirty="0"/>
-                <a:t> </a:t>
-              </a:r>
-              <a:r>
-                <a:rPr lang="en-US" altLang="ja-JP" sz="1600" dirty="0"/>
-                <a:t>distribution </a:t>
-              </a:r>
-              <a:r>
-                <a:rPr lang="en-US" altLang="ja-JP" sz="1600" dirty="0"/>
-                <a:t>of classes.</a:t>
+                <a:t> distribution of classes.</a:t>
               </a:r>
               <a:endParaRPr lang="ja-JP" altLang="en-US" sz="1600" dirty="0"/>
             </a:p>
@@ -3504,7 +3496,7 @@
         </p:nvGrpSpPr>
         <p:grpSpPr>
           <a:xfrm>
-            <a:off x="3959933" y="4959506"/>
+            <a:off x="8776080" y="4946981"/>
             <a:ext cx="1438214" cy="338554"/>
             <a:chOff x="1120777" y="2587172"/>
             <a:chExt cx="1438214" cy="338554"/>
@@ -3598,7 +3590,7 @@
         </p:nvGrpSpPr>
         <p:grpSpPr>
           <a:xfrm>
-            <a:off x="4315775" y="107947"/>
+            <a:off x="9131925" y="95422"/>
             <a:ext cx="1624163" cy="338554"/>
             <a:chOff x="4675673" y="2356003"/>
             <a:chExt cx="1624163" cy="338554"/>
@@ -3684,7 +3676,7 @@
         </p:nvSpPr>
         <p:spPr>
           <a:xfrm>
-            <a:off x="2753060" y="1921510"/>
+            <a:off x="7569208" y="1908988"/>
             <a:ext cx="1678536" cy="830997"/>
           </a:xfrm>
           <a:prstGeom prst="rect">
@@ -3700,11 +3692,7 @@
           <a:p>
             <a:r>
               <a:rPr lang="en-US" altLang="ja-JP" sz="1600" dirty="0"/>
-              <a:t>Send </a:t>
-            </a:r>
-            <a:r>
-              <a:rPr lang="en-US" altLang="ja-JP" sz="1600" dirty="0"/>
-              <a:t>probabilities</a:t>
+              <a:t>Send probabilities</a:t>
             </a:r>
           </a:p>
           <a:p>
@@ -3716,11 +3704,7 @@
           <a:p>
             <a:r>
               <a:rPr lang="en-US" altLang="ja-JP" sz="1600" dirty="0"/>
-              <a:t> transition</a:t>
-            </a:r>
-            <a:r>
-              <a:rPr lang="en-US" altLang="ja-JP" sz="1600" dirty="0"/>
-              <a:t>.</a:t>
+              <a:t> transition.</a:t>
             </a:r>
             <a:endParaRPr lang="ja-JP" altLang="en-US" sz="1600" dirty="0"/>
           </a:p>
@@ -3734,10 +3718,10 @@
         </p:nvGrpSpPr>
         <p:grpSpPr>
           <a:xfrm>
-            <a:off x="63418" y="2357717"/>
+            <a:off x="4879565" y="2345192"/>
             <a:ext cx="1577676" cy="338554"/>
             <a:chOff x="133148" y="2479749"/>
-            <a:chExt cx="1577676" cy="338554"/>
+            <a:chExt cx="1577677" cy="338554"/>
           </a:xfrm>
         </p:grpSpPr>
         <p:sp>
@@ -3749,7 +3733,7 @@
           <p:spPr>
             <a:xfrm>
               <a:off x="133148" y="2479749"/>
-              <a:ext cx="1577676" cy="338554"/>
+              <a:ext cx="1577677" cy="338554"/>
             </a:xfrm>
             <a:prstGeom prst="rect">
               <a:avLst/>
@@ -3820,6 +3804,30 @@
           </p:spPr>
         </p:pic>
       </p:grpSp>
+      <p:pic>
+        <p:nvPicPr>
+          <p:cNvPr id="3" name="図 2"/>
+          <p:cNvPicPr>
+            <a:picLocks noChangeAspect="1"/>
+          </p:cNvPicPr>
+          <p:nvPr/>
+        </p:nvPicPr>
+        <p:blipFill>
+          <a:blip r:embed="rId8"/>
+          <a:stretch>
+            <a:fillRect/>
+          </a:stretch>
+        </p:blipFill>
+        <p:spPr>
+          <a:xfrm>
+            <a:off x="68237" y="668182"/>
+            <a:ext cx="4811328" cy="4255908"/>
+          </a:xfrm>
+          <a:prstGeom prst="rect">
+            <a:avLst/>
+          </a:prstGeom>
+        </p:spPr>
+      </p:pic>
     </p:spTree>
     <p:extLst>
       <p:ext uri="{BB962C8B-B14F-4D97-AF65-F5344CB8AC3E}">

--- a/docs/tutorials/img/vae-gmm-mlda-mm/vae-gmm-mlda-mm.pptx
+++ b/docs/tutorials/img/vae-gmm-mlda-mm/vae-gmm-mlda-mm.pptx
@@ -2,12 +2,16 @@
 <file path=ppt/presentation.xml><?xml version="1.0" encoding="utf-8"?>
 <p:presentation xmlns:a="http://schemas.openxmlformats.org/drawingml/2006/main" xmlns:r="http://schemas.openxmlformats.org/officeDocument/2006/relationships" xmlns:p="http://schemas.openxmlformats.org/presentationml/2006/main" saveSubsetFonts="1">
   <p:sldMasterIdLst>
-    <p:sldMasterId id="2147484020" r:id="rId1"/>
+    <p:sldMasterId id="2147484056" r:id="rId1"/>
   </p:sldMasterIdLst>
+  <p:notesMasterIdLst>
+    <p:notesMasterId r:id="rId4"/>
+  </p:notesMasterIdLst>
   <p:sldIdLst>
     <p:sldId id="256" r:id="rId2"/>
+    <p:sldId id="257" r:id="rId3"/>
   </p:sldIdLst>
-  <p:sldSz cx="14400213" cy="5400675"/>
+  <p:sldSz cx="14760575" cy="4319588"/>
   <p:notesSz cx="6858000" cy="9144000"/>
   <p:defaultTextStyle>
     <a:defPPr>
@@ -107,12 +111,12 @@
   <p:extLst>
     <p:ext uri="{EFAFB233-063F-42B5-8137-9DF3F51BA10A}">
       <p15:sldGuideLst xmlns:p15="http://schemas.microsoft.com/office/powerpoint/2012/main">
-        <p15:guide id="1" orient="horz" pos="969" userDrawn="1">
+        <p15:guide id="1" orient="horz" pos="774" userDrawn="1">
           <p15:clr>
             <a:srgbClr val="A4A3A4"/>
           </p15:clr>
         </p15:guide>
-        <p15:guide id="2" pos="4536" userDrawn="1">
+        <p15:guide id="2" pos="4650" userDrawn="1">
           <p15:clr>
             <a:srgbClr val="A4A3A4"/>
           </p15:clr>
@@ -121,6 +125,477 @@
     </p:ext>
   </p:extLst>
 </p:presentation>
+</file>
+
+<file path=ppt/notesMasters/notesMaster1.xml><?xml version="1.0" encoding="utf-8"?>
+<p:notesMaster xmlns:a="http://schemas.openxmlformats.org/drawingml/2006/main" xmlns:r="http://schemas.openxmlformats.org/officeDocument/2006/relationships" xmlns:p="http://schemas.openxmlformats.org/presentationml/2006/main">
+  <p:cSld>
+    <p:bg>
+      <p:bgRef idx="1001">
+        <a:schemeClr val="bg1"/>
+      </p:bgRef>
+    </p:bg>
+    <p:spTree>
+      <p:nvGrpSpPr>
+        <p:cNvPr id="1" name=""/>
+        <p:cNvGrpSpPr/>
+        <p:nvPr/>
+      </p:nvGrpSpPr>
+      <p:grpSpPr>
+        <a:xfrm>
+          <a:off x="0" y="0"/>
+          <a:ext cx="0" cy="0"/>
+          <a:chOff x="0" y="0"/>
+          <a:chExt cx="0" cy="0"/>
+        </a:xfrm>
+      </p:grpSpPr>
+      <p:sp>
+        <p:nvSpPr>
+          <p:cNvPr id="2" name="ヘッダー プレースホルダー 1"/>
+          <p:cNvSpPr>
+            <a:spLocks noGrp="1"/>
+          </p:cNvSpPr>
+          <p:nvPr>
+            <p:ph type="hdr" sz="quarter"/>
+          </p:nvPr>
+        </p:nvSpPr>
+        <p:spPr>
+          <a:xfrm>
+            <a:off x="0" y="0"/>
+            <a:ext cx="2971800" cy="458788"/>
+          </a:xfrm>
+          <a:prstGeom prst="rect">
+            <a:avLst/>
+          </a:prstGeom>
+        </p:spPr>
+        <p:txBody>
+          <a:bodyPr vert="horz" lIns="91440" tIns="45720" rIns="91440" bIns="45720" rtlCol="0"/>
+          <a:lstStyle>
+            <a:lvl1pPr algn="l">
+              <a:defRPr sz="1200"/>
+            </a:lvl1pPr>
+          </a:lstStyle>
+          <a:p>
+            <a:endParaRPr kumimoji="1" lang="ja-JP" altLang="en-US"/>
+          </a:p>
+        </p:txBody>
+      </p:sp>
+      <p:sp>
+        <p:nvSpPr>
+          <p:cNvPr id="3" name="日付プレースホルダー 2"/>
+          <p:cNvSpPr>
+            <a:spLocks noGrp="1"/>
+          </p:cNvSpPr>
+          <p:nvPr>
+            <p:ph type="dt" idx="1"/>
+          </p:nvPr>
+        </p:nvSpPr>
+        <p:spPr>
+          <a:xfrm>
+            <a:off x="3884613" y="0"/>
+            <a:ext cx="2971800" cy="458788"/>
+          </a:xfrm>
+          <a:prstGeom prst="rect">
+            <a:avLst/>
+          </a:prstGeom>
+        </p:spPr>
+        <p:txBody>
+          <a:bodyPr vert="horz" lIns="91440" tIns="45720" rIns="91440" bIns="45720" rtlCol="0"/>
+          <a:lstStyle>
+            <a:lvl1pPr algn="r">
+              <a:defRPr sz="1200"/>
+            </a:lvl1pPr>
+          </a:lstStyle>
+          <a:p>
+            <a:fld id="{A8DA884A-EA7E-47AA-B437-B8E1FF50D699}" type="datetimeFigureOut">
+              <a:rPr kumimoji="1" lang="ja-JP" altLang="en-US" smtClean="0"/>
+              <a:t>2018/12/7</a:t>
+            </a:fld>
+            <a:endParaRPr kumimoji="1" lang="ja-JP" altLang="en-US"/>
+          </a:p>
+        </p:txBody>
+      </p:sp>
+      <p:sp>
+        <p:nvSpPr>
+          <p:cNvPr id="4" name="スライド イメージ プレースホルダー 3"/>
+          <p:cNvSpPr>
+            <a:spLocks noGrp="1" noRot="1" noChangeAspect="1"/>
+          </p:cNvSpPr>
+          <p:nvPr>
+            <p:ph type="sldImg" idx="2"/>
+          </p:nvPr>
+        </p:nvSpPr>
+        <p:spPr>
+          <a:xfrm>
+            <a:off x="-1843088" y="1143000"/>
+            <a:ext cx="10544176" cy="3086100"/>
+          </a:xfrm>
+          <a:prstGeom prst="rect">
+            <a:avLst/>
+          </a:prstGeom>
+          <a:noFill/>
+          <a:ln w="12700">
+            <a:solidFill>
+              <a:prstClr val="black"/>
+            </a:solidFill>
+          </a:ln>
+        </p:spPr>
+        <p:txBody>
+          <a:bodyPr vert="horz" lIns="91440" tIns="45720" rIns="91440" bIns="45720" rtlCol="0" anchor="ctr"/>
+          <a:lstStyle/>
+          <a:p>
+            <a:endParaRPr lang="ja-JP" altLang="en-US"/>
+          </a:p>
+        </p:txBody>
+      </p:sp>
+      <p:sp>
+        <p:nvSpPr>
+          <p:cNvPr id="5" name="ノート プレースホルダー 4"/>
+          <p:cNvSpPr>
+            <a:spLocks noGrp="1"/>
+          </p:cNvSpPr>
+          <p:nvPr>
+            <p:ph type="body" sz="quarter" idx="3"/>
+          </p:nvPr>
+        </p:nvSpPr>
+        <p:spPr>
+          <a:xfrm>
+            <a:off x="685800" y="4400550"/>
+            <a:ext cx="5486400" cy="3600450"/>
+          </a:xfrm>
+          <a:prstGeom prst="rect">
+            <a:avLst/>
+          </a:prstGeom>
+        </p:spPr>
+        <p:txBody>
+          <a:bodyPr vert="horz" lIns="91440" tIns="45720" rIns="91440" bIns="45720" rtlCol="0"/>
+          <a:lstStyle/>
+          <a:p>
+            <a:pPr lvl="0"/>
+            <a:r>
+              <a:rPr kumimoji="1" lang="ja-JP" altLang="en-US" smtClean="0"/>
+              <a:t>マスター テキストの書式設定</a:t>
+            </a:r>
+          </a:p>
+          <a:p>
+            <a:pPr lvl="1"/>
+            <a:r>
+              <a:rPr kumimoji="1" lang="ja-JP" altLang="en-US" smtClean="0"/>
+              <a:t>第 </a:t>
+            </a:r>
+            <a:r>
+              <a:rPr kumimoji="1" lang="en-US" altLang="ja-JP" smtClean="0"/>
+              <a:t>2 </a:t>
+            </a:r>
+            <a:r>
+              <a:rPr kumimoji="1" lang="ja-JP" altLang="en-US" smtClean="0"/>
+              <a:t>レベル</a:t>
+            </a:r>
+          </a:p>
+          <a:p>
+            <a:pPr lvl="2"/>
+            <a:r>
+              <a:rPr kumimoji="1" lang="ja-JP" altLang="en-US" smtClean="0"/>
+              <a:t>第 </a:t>
+            </a:r>
+            <a:r>
+              <a:rPr kumimoji="1" lang="en-US" altLang="ja-JP" smtClean="0"/>
+              <a:t>3 </a:t>
+            </a:r>
+            <a:r>
+              <a:rPr kumimoji="1" lang="ja-JP" altLang="en-US" smtClean="0"/>
+              <a:t>レベル</a:t>
+            </a:r>
+          </a:p>
+          <a:p>
+            <a:pPr lvl="3"/>
+            <a:r>
+              <a:rPr kumimoji="1" lang="ja-JP" altLang="en-US" smtClean="0"/>
+              <a:t>第 </a:t>
+            </a:r>
+            <a:r>
+              <a:rPr kumimoji="1" lang="en-US" altLang="ja-JP" smtClean="0"/>
+              <a:t>4 </a:t>
+            </a:r>
+            <a:r>
+              <a:rPr kumimoji="1" lang="ja-JP" altLang="en-US" smtClean="0"/>
+              <a:t>レベル</a:t>
+            </a:r>
+          </a:p>
+          <a:p>
+            <a:pPr lvl="4"/>
+            <a:r>
+              <a:rPr kumimoji="1" lang="ja-JP" altLang="en-US" smtClean="0"/>
+              <a:t>第 </a:t>
+            </a:r>
+            <a:r>
+              <a:rPr kumimoji="1" lang="en-US" altLang="ja-JP" smtClean="0"/>
+              <a:t>5 </a:t>
+            </a:r>
+            <a:r>
+              <a:rPr kumimoji="1" lang="ja-JP" altLang="en-US" smtClean="0"/>
+              <a:t>レベル</a:t>
+            </a:r>
+            <a:endParaRPr kumimoji="1" lang="ja-JP" altLang="en-US"/>
+          </a:p>
+        </p:txBody>
+      </p:sp>
+      <p:sp>
+        <p:nvSpPr>
+          <p:cNvPr id="6" name="フッター プレースホルダー 5"/>
+          <p:cNvSpPr>
+            <a:spLocks noGrp="1"/>
+          </p:cNvSpPr>
+          <p:nvPr>
+            <p:ph type="ftr" sz="quarter" idx="4"/>
+          </p:nvPr>
+        </p:nvSpPr>
+        <p:spPr>
+          <a:xfrm>
+            <a:off x="0" y="8685213"/>
+            <a:ext cx="2971800" cy="458787"/>
+          </a:xfrm>
+          <a:prstGeom prst="rect">
+            <a:avLst/>
+          </a:prstGeom>
+        </p:spPr>
+        <p:txBody>
+          <a:bodyPr vert="horz" lIns="91440" tIns="45720" rIns="91440" bIns="45720" rtlCol="0" anchor="b"/>
+          <a:lstStyle>
+            <a:lvl1pPr algn="l">
+              <a:defRPr sz="1200"/>
+            </a:lvl1pPr>
+          </a:lstStyle>
+          <a:p>
+            <a:endParaRPr kumimoji="1" lang="ja-JP" altLang="en-US"/>
+          </a:p>
+        </p:txBody>
+      </p:sp>
+      <p:sp>
+        <p:nvSpPr>
+          <p:cNvPr id="7" name="スライド番号プレースホルダー 6"/>
+          <p:cNvSpPr>
+            <a:spLocks noGrp="1"/>
+          </p:cNvSpPr>
+          <p:nvPr>
+            <p:ph type="sldNum" sz="quarter" idx="5"/>
+          </p:nvPr>
+        </p:nvSpPr>
+        <p:spPr>
+          <a:xfrm>
+            <a:off x="3884613" y="8685213"/>
+            <a:ext cx="2971800" cy="458787"/>
+          </a:xfrm>
+          <a:prstGeom prst="rect">
+            <a:avLst/>
+          </a:prstGeom>
+        </p:spPr>
+        <p:txBody>
+          <a:bodyPr vert="horz" lIns="91440" tIns="45720" rIns="91440" bIns="45720" rtlCol="0" anchor="b"/>
+          <a:lstStyle>
+            <a:lvl1pPr algn="r">
+              <a:defRPr sz="1200"/>
+            </a:lvl1pPr>
+          </a:lstStyle>
+          <a:p>
+            <a:fld id="{19DDDF48-31D8-4ACA-961B-E04AB971AAD8}" type="slidenum">
+              <a:rPr kumimoji="1" lang="ja-JP" altLang="en-US" smtClean="0"/>
+              <a:t>‹#›</a:t>
+            </a:fld>
+            <a:endParaRPr kumimoji="1" lang="ja-JP" altLang="en-US"/>
+          </a:p>
+        </p:txBody>
+      </p:sp>
+    </p:spTree>
+    <p:extLst>
+      <p:ext uri="{BB962C8B-B14F-4D97-AF65-F5344CB8AC3E}">
+        <p14:creationId xmlns:p14="http://schemas.microsoft.com/office/powerpoint/2010/main" val="1311459973"/>
+      </p:ext>
+    </p:extLst>
+  </p:cSld>
+  <p:clrMap bg1="lt1" tx1="dk1" bg2="lt2" tx2="dk2" accent1="accent1" accent2="accent2" accent3="accent3" accent4="accent4" accent5="accent5" accent6="accent6" hlink="hlink" folHlink="folHlink"/>
+  <p:notesStyle>
+    <a:lvl1pPr marL="0" algn="l" defTabSz="914400" rtl="0" eaLnBrk="1" latinLnBrk="0" hangingPunct="1">
+      <a:defRPr kumimoji="1" sz="1200" kern="1200">
+        <a:solidFill>
+          <a:schemeClr val="tx1"/>
+        </a:solidFill>
+        <a:latin typeface="+mn-lt"/>
+        <a:ea typeface="+mn-ea"/>
+        <a:cs typeface="+mn-cs"/>
+      </a:defRPr>
+    </a:lvl1pPr>
+    <a:lvl2pPr marL="457200" algn="l" defTabSz="914400" rtl="0" eaLnBrk="1" latinLnBrk="0" hangingPunct="1">
+      <a:defRPr kumimoji="1" sz="1200" kern="1200">
+        <a:solidFill>
+          <a:schemeClr val="tx1"/>
+        </a:solidFill>
+        <a:latin typeface="+mn-lt"/>
+        <a:ea typeface="+mn-ea"/>
+        <a:cs typeface="+mn-cs"/>
+      </a:defRPr>
+    </a:lvl2pPr>
+    <a:lvl3pPr marL="914400" algn="l" defTabSz="914400" rtl="0" eaLnBrk="1" latinLnBrk="0" hangingPunct="1">
+      <a:defRPr kumimoji="1" sz="1200" kern="1200">
+        <a:solidFill>
+          <a:schemeClr val="tx1"/>
+        </a:solidFill>
+        <a:latin typeface="+mn-lt"/>
+        <a:ea typeface="+mn-ea"/>
+        <a:cs typeface="+mn-cs"/>
+      </a:defRPr>
+    </a:lvl3pPr>
+    <a:lvl4pPr marL="1371600" algn="l" defTabSz="914400" rtl="0" eaLnBrk="1" latinLnBrk="0" hangingPunct="1">
+      <a:defRPr kumimoji="1" sz="1200" kern="1200">
+        <a:solidFill>
+          <a:schemeClr val="tx1"/>
+        </a:solidFill>
+        <a:latin typeface="+mn-lt"/>
+        <a:ea typeface="+mn-ea"/>
+        <a:cs typeface="+mn-cs"/>
+      </a:defRPr>
+    </a:lvl4pPr>
+    <a:lvl5pPr marL="1828800" algn="l" defTabSz="914400" rtl="0" eaLnBrk="1" latinLnBrk="0" hangingPunct="1">
+      <a:defRPr kumimoji="1" sz="1200" kern="1200">
+        <a:solidFill>
+          <a:schemeClr val="tx1"/>
+        </a:solidFill>
+        <a:latin typeface="+mn-lt"/>
+        <a:ea typeface="+mn-ea"/>
+        <a:cs typeface="+mn-cs"/>
+      </a:defRPr>
+    </a:lvl5pPr>
+    <a:lvl6pPr marL="2286000" algn="l" defTabSz="914400" rtl="0" eaLnBrk="1" latinLnBrk="0" hangingPunct="1">
+      <a:defRPr kumimoji="1" sz="1200" kern="1200">
+        <a:solidFill>
+          <a:schemeClr val="tx1"/>
+        </a:solidFill>
+        <a:latin typeface="+mn-lt"/>
+        <a:ea typeface="+mn-ea"/>
+        <a:cs typeface="+mn-cs"/>
+      </a:defRPr>
+    </a:lvl6pPr>
+    <a:lvl7pPr marL="2743200" algn="l" defTabSz="914400" rtl="0" eaLnBrk="1" latinLnBrk="0" hangingPunct="1">
+      <a:defRPr kumimoji="1" sz="1200" kern="1200">
+        <a:solidFill>
+          <a:schemeClr val="tx1"/>
+        </a:solidFill>
+        <a:latin typeface="+mn-lt"/>
+        <a:ea typeface="+mn-ea"/>
+        <a:cs typeface="+mn-cs"/>
+      </a:defRPr>
+    </a:lvl7pPr>
+    <a:lvl8pPr marL="3200400" algn="l" defTabSz="914400" rtl="0" eaLnBrk="1" latinLnBrk="0" hangingPunct="1">
+      <a:defRPr kumimoji="1" sz="1200" kern="1200">
+        <a:solidFill>
+          <a:schemeClr val="tx1"/>
+        </a:solidFill>
+        <a:latin typeface="+mn-lt"/>
+        <a:ea typeface="+mn-ea"/>
+        <a:cs typeface="+mn-cs"/>
+      </a:defRPr>
+    </a:lvl8pPr>
+    <a:lvl9pPr marL="3657600" algn="l" defTabSz="914400" rtl="0" eaLnBrk="1" latinLnBrk="0" hangingPunct="1">
+      <a:defRPr kumimoji="1" sz="1200" kern="1200">
+        <a:solidFill>
+          <a:schemeClr val="tx1"/>
+        </a:solidFill>
+        <a:latin typeface="+mn-lt"/>
+        <a:ea typeface="+mn-ea"/>
+        <a:cs typeface="+mn-cs"/>
+      </a:defRPr>
+    </a:lvl9pPr>
+  </p:notesStyle>
+</p:notesMaster>
+</file>
+
+<file path=ppt/notesSlides/notesSlide1.xml><?xml version="1.0" encoding="utf-8"?>
+<p:notes xmlns:a="http://schemas.openxmlformats.org/drawingml/2006/main" xmlns:r="http://schemas.openxmlformats.org/officeDocument/2006/relationships" xmlns:p="http://schemas.openxmlformats.org/presentationml/2006/main">
+  <p:cSld>
+    <p:spTree>
+      <p:nvGrpSpPr>
+        <p:cNvPr id="1" name=""/>
+        <p:cNvGrpSpPr/>
+        <p:nvPr/>
+      </p:nvGrpSpPr>
+      <p:grpSpPr>
+        <a:xfrm>
+          <a:off x="0" y="0"/>
+          <a:ext cx="0" cy="0"/>
+          <a:chOff x="0" y="0"/>
+          <a:chExt cx="0" cy="0"/>
+        </a:xfrm>
+      </p:grpSpPr>
+      <p:sp>
+        <p:nvSpPr>
+          <p:cNvPr id="2" name="スライド イメージ プレースホルダー 1"/>
+          <p:cNvSpPr>
+            <a:spLocks noGrp="1" noRot="1" noChangeAspect="1"/>
+          </p:cNvSpPr>
+          <p:nvPr>
+            <p:ph type="sldImg"/>
+          </p:nvPr>
+        </p:nvSpPr>
+        <p:spPr>
+          <a:xfrm>
+            <a:off x="-1843088" y="1143000"/>
+            <a:ext cx="10544176" cy="3086100"/>
+          </a:xfrm>
+        </p:spPr>
+      </p:sp>
+      <p:sp>
+        <p:nvSpPr>
+          <p:cNvPr id="3" name="ノート プレースホルダー 2"/>
+          <p:cNvSpPr>
+            <a:spLocks noGrp="1"/>
+          </p:cNvSpPr>
+          <p:nvPr>
+            <p:ph type="body" idx="1"/>
+          </p:nvPr>
+        </p:nvSpPr>
+        <p:spPr/>
+        <p:txBody>
+          <a:bodyPr/>
+          <a:lstStyle/>
+          <a:p>
+            <a:endParaRPr kumimoji="1" lang="ja-JP" altLang="en-US" dirty="0"/>
+          </a:p>
+        </p:txBody>
+      </p:sp>
+      <p:sp>
+        <p:nvSpPr>
+          <p:cNvPr id="4" name="スライド番号プレースホルダー 3"/>
+          <p:cNvSpPr>
+            <a:spLocks noGrp="1"/>
+          </p:cNvSpPr>
+          <p:nvPr>
+            <p:ph type="sldNum" sz="quarter" idx="10"/>
+          </p:nvPr>
+        </p:nvSpPr>
+        <p:spPr/>
+        <p:txBody>
+          <a:bodyPr/>
+          <a:lstStyle/>
+          <a:p>
+            <a:fld id="{19DDDF48-31D8-4ACA-961B-E04AB971AAD8}" type="slidenum">
+              <a:rPr kumimoji="1" lang="ja-JP" altLang="en-US" smtClean="0"/>
+              <a:t>2</a:t>
+            </a:fld>
+            <a:endParaRPr kumimoji="1" lang="ja-JP" altLang="en-US"/>
+          </a:p>
+        </p:txBody>
+      </p:sp>
+    </p:spTree>
+    <p:extLst>
+      <p:ext uri="{BB962C8B-B14F-4D97-AF65-F5344CB8AC3E}">
+        <p14:creationId xmlns:p14="http://schemas.microsoft.com/office/powerpoint/2010/main" val="964883367"/>
+      </p:ext>
+    </p:extLst>
+  </p:cSld>
+  <p:clrMapOvr>
+    <a:masterClrMapping/>
+  </p:clrMapOvr>
+</p:notes>
 </file>
 
 <file path=ppt/slideLayouts/slideLayout1.xml><?xml version="1.0" encoding="utf-8"?>
@@ -152,15 +627,15 @@
         </p:nvSpPr>
         <p:spPr>
           <a:xfrm>
-            <a:off x="1800027" y="883861"/>
-            <a:ext cx="10800160" cy="1880235"/>
+            <a:off x="1845072" y="706933"/>
+            <a:ext cx="11070431" cy="1503857"/>
           </a:xfrm>
         </p:spPr>
         <p:txBody>
           <a:bodyPr anchor="b"/>
           <a:lstStyle>
             <a:lvl1pPr algn="ctr">
-              <a:defRPr sz="4725"/>
+              <a:defRPr sz="3779"/>
             </a:lvl1pPr>
           </a:lstStyle>
           <a:p>
@@ -184,8 +659,8 @@
         </p:nvSpPr>
         <p:spPr>
           <a:xfrm>
-            <a:off x="1800027" y="2836605"/>
-            <a:ext cx="10800160" cy="1303913"/>
+            <a:off x="1845072" y="2268784"/>
+            <a:ext cx="11070431" cy="1042900"/>
           </a:xfrm>
         </p:spPr>
         <p:txBody>
@@ -193,39 +668,39 @@
           <a:lstStyle>
             <a:lvl1pPr marL="0" indent="0" algn="ctr">
               <a:buNone/>
-              <a:defRPr sz="1890"/>
+              <a:defRPr sz="1512"/>
             </a:lvl1pPr>
-            <a:lvl2pPr marL="360045" indent="0" algn="ctr">
-              <a:buNone/>
-              <a:defRPr sz="1575"/>
-            </a:lvl2pPr>
-            <a:lvl3pPr marL="720090" indent="0" algn="ctr">
-              <a:buNone/>
-              <a:defRPr sz="1418"/>
-            </a:lvl3pPr>
-            <a:lvl4pPr marL="1080135" indent="0" algn="ctr">
+            <a:lvl2pPr marL="287990" indent="0" algn="ctr">
               <a:buNone/>
               <a:defRPr sz="1260"/>
+            </a:lvl2pPr>
+            <a:lvl3pPr marL="575981" indent="0" algn="ctr">
+              <a:buNone/>
+              <a:defRPr sz="1134"/>
+            </a:lvl3pPr>
+            <a:lvl4pPr marL="863971" indent="0" algn="ctr">
+              <a:buNone/>
+              <a:defRPr sz="1008"/>
             </a:lvl4pPr>
-            <a:lvl5pPr marL="1440180" indent="0" algn="ctr">
+            <a:lvl5pPr marL="1151961" indent="0" algn="ctr">
               <a:buNone/>
-              <a:defRPr sz="1260"/>
+              <a:defRPr sz="1008"/>
             </a:lvl5pPr>
-            <a:lvl6pPr marL="1800225" indent="0" algn="ctr">
+            <a:lvl6pPr marL="1439951" indent="0" algn="ctr">
               <a:buNone/>
-              <a:defRPr sz="1260"/>
+              <a:defRPr sz="1008"/>
             </a:lvl6pPr>
-            <a:lvl7pPr marL="2160270" indent="0" algn="ctr">
+            <a:lvl7pPr marL="1727942" indent="0" algn="ctr">
               <a:buNone/>
-              <a:defRPr sz="1260"/>
+              <a:defRPr sz="1008"/>
             </a:lvl7pPr>
-            <a:lvl8pPr marL="2520315" indent="0" algn="ctr">
+            <a:lvl8pPr marL="2015932" indent="0" algn="ctr">
               <a:buNone/>
-              <a:defRPr sz="1260"/>
+              <a:defRPr sz="1008"/>
             </a:lvl8pPr>
-            <a:lvl9pPr marL="2880360" indent="0" algn="ctr">
+            <a:lvl9pPr marL="2303922" indent="0" algn="ctr">
               <a:buNone/>
-              <a:defRPr sz="1260"/>
+              <a:defRPr sz="1008"/>
             </a:lvl9pPr>
           </a:lstStyle>
           <a:p>
@@ -254,7 +729,7 @@
           <a:p>
             <a:fld id="{9B3F4528-C138-4BF2-B6A0-94131316515C}" type="datetimeFigureOut">
               <a:rPr kumimoji="1" lang="ja-JP" altLang="en-US" smtClean="0"/>
-              <a:t>2018/12/6</a:t>
+              <a:t>2018/12/7</a:t>
             </a:fld>
             <a:endParaRPr kumimoji="1" lang="ja-JP" altLang="en-US"/>
           </a:p>
@@ -305,7 +780,7 @@
     </p:spTree>
     <p:extLst>
       <p:ext uri="{BB962C8B-B14F-4D97-AF65-F5344CB8AC3E}">
-        <p14:creationId xmlns:p14="http://schemas.microsoft.com/office/powerpoint/2010/main" val="2486477785"/>
+        <p14:creationId xmlns:p14="http://schemas.microsoft.com/office/powerpoint/2010/main" val="1516681906"/>
       </p:ext>
     </p:extLst>
   </p:cSld>
@@ -456,7 +931,7 @@
           <a:p>
             <a:fld id="{9B3F4528-C138-4BF2-B6A0-94131316515C}" type="datetimeFigureOut">
               <a:rPr kumimoji="1" lang="ja-JP" altLang="en-US" smtClean="0"/>
-              <a:t>2018/12/6</a:t>
+              <a:t>2018/12/7</a:t>
             </a:fld>
             <a:endParaRPr kumimoji="1" lang="ja-JP" altLang="en-US"/>
           </a:p>
@@ -507,7 +982,7 @@
     </p:spTree>
     <p:extLst>
       <p:ext uri="{BB962C8B-B14F-4D97-AF65-F5344CB8AC3E}">
-        <p14:creationId xmlns:p14="http://schemas.microsoft.com/office/powerpoint/2010/main" val="1261570100"/>
+        <p14:creationId xmlns:p14="http://schemas.microsoft.com/office/powerpoint/2010/main" val="1727442182"/>
       </p:ext>
     </p:extLst>
   </p:cSld>
@@ -546,8 +1021,8 @@
         </p:nvSpPr>
         <p:spPr>
           <a:xfrm>
-            <a:off x="10305152" y="287536"/>
-            <a:ext cx="3105046" cy="4576822"/>
+            <a:off x="10563036" y="229978"/>
+            <a:ext cx="3182749" cy="3660651"/>
           </a:xfrm>
         </p:spPr>
         <p:txBody>
@@ -574,8 +1049,8 @@
         </p:nvSpPr>
         <p:spPr>
           <a:xfrm>
-            <a:off x="990015" y="287536"/>
-            <a:ext cx="9135135" cy="4576822"/>
+            <a:off x="1014789" y="229978"/>
+            <a:ext cx="9363740" cy="3660651"/>
           </a:xfrm>
         </p:spPr>
         <p:txBody>
@@ -668,7 +1143,7 @@
           <a:p>
             <a:fld id="{9B3F4528-C138-4BF2-B6A0-94131316515C}" type="datetimeFigureOut">
               <a:rPr kumimoji="1" lang="ja-JP" altLang="en-US" smtClean="0"/>
-              <a:t>2018/12/6</a:t>
+              <a:t>2018/12/7</a:t>
             </a:fld>
             <a:endParaRPr kumimoji="1" lang="ja-JP" altLang="en-US"/>
           </a:p>
@@ -719,7 +1194,7 @@
     </p:spTree>
     <p:extLst>
       <p:ext uri="{BB962C8B-B14F-4D97-AF65-F5344CB8AC3E}">
-        <p14:creationId xmlns:p14="http://schemas.microsoft.com/office/powerpoint/2010/main" val="2505567383"/>
+        <p14:creationId xmlns:p14="http://schemas.microsoft.com/office/powerpoint/2010/main" val="1137019630"/>
       </p:ext>
     </p:extLst>
   </p:cSld>
@@ -870,7 +1345,7 @@
           <a:p>
             <a:fld id="{9B3F4528-C138-4BF2-B6A0-94131316515C}" type="datetimeFigureOut">
               <a:rPr kumimoji="1" lang="ja-JP" altLang="en-US" smtClean="0"/>
-              <a:t>2018/12/6</a:t>
+              <a:t>2018/12/7</a:t>
             </a:fld>
             <a:endParaRPr kumimoji="1" lang="ja-JP" altLang="en-US"/>
           </a:p>
@@ -921,7 +1396,7 @@
     </p:spTree>
     <p:extLst>
       <p:ext uri="{BB962C8B-B14F-4D97-AF65-F5344CB8AC3E}">
-        <p14:creationId xmlns:p14="http://schemas.microsoft.com/office/powerpoint/2010/main" val="3895386687"/>
+        <p14:creationId xmlns:p14="http://schemas.microsoft.com/office/powerpoint/2010/main" val="2546426382"/>
       </p:ext>
     </p:extLst>
   </p:cSld>
@@ -960,15 +1435,15 @@
         </p:nvSpPr>
         <p:spPr>
           <a:xfrm>
-            <a:off x="982514" y="1346419"/>
-            <a:ext cx="12420184" cy="2246530"/>
+            <a:off x="1007102" y="1076898"/>
+            <a:ext cx="12730996" cy="1796828"/>
           </a:xfrm>
         </p:spPr>
         <p:txBody>
           <a:bodyPr anchor="b"/>
           <a:lstStyle>
             <a:lvl1pPr>
-              <a:defRPr sz="4725"/>
+              <a:defRPr sz="3779"/>
             </a:lvl1pPr>
           </a:lstStyle>
           <a:p>
@@ -992,8 +1467,8 @@
         </p:nvSpPr>
         <p:spPr>
           <a:xfrm>
-            <a:off x="982514" y="3614203"/>
-            <a:ext cx="12420184" cy="1181397"/>
+            <a:off x="1007102" y="2890725"/>
+            <a:ext cx="12730996" cy="944910"/>
           </a:xfrm>
         </p:spPr>
         <p:txBody>
@@ -1001,7 +1476,7 @@
           <a:lstStyle>
             <a:lvl1pPr marL="0" indent="0">
               <a:buNone/>
-              <a:defRPr sz="1890">
+              <a:defRPr sz="1512">
                 <a:solidFill>
                   <a:schemeClr val="tx1">
                     <a:tint val="75000"/>
@@ -1009,27 +1484,7 @@
                 </a:solidFill>
               </a:defRPr>
             </a:lvl1pPr>
-            <a:lvl2pPr marL="360045" indent="0">
-              <a:buNone/>
-              <a:defRPr sz="1575">
-                <a:solidFill>
-                  <a:schemeClr val="tx1">
-                    <a:tint val="75000"/>
-                  </a:schemeClr>
-                </a:solidFill>
-              </a:defRPr>
-            </a:lvl2pPr>
-            <a:lvl3pPr marL="720090" indent="0">
-              <a:buNone/>
-              <a:defRPr sz="1418">
-                <a:solidFill>
-                  <a:schemeClr val="tx1">
-                    <a:tint val="75000"/>
-                  </a:schemeClr>
-                </a:solidFill>
-              </a:defRPr>
-            </a:lvl3pPr>
-            <a:lvl4pPr marL="1080135" indent="0">
+            <a:lvl2pPr marL="287990" indent="0">
               <a:buNone/>
               <a:defRPr sz="1260">
                 <a:solidFill>
@@ -1038,10 +1493,30 @@
                   </a:schemeClr>
                 </a:solidFill>
               </a:defRPr>
+            </a:lvl2pPr>
+            <a:lvl3pPr marL="575981" indent="0">
+              <a:buNone/>
+              <a:defRPr sz="1134">
+                <a:solidFill>
+                  <a:schemeClr val="tx1">
+                    <a:tint val="75000"/>
+                  </a:schemeClr>
+                </a:solidFill>
+              </a:defRPr>
+            </a:lvl3pPr>
+            <a:lvl4pPr marL="863971" indent="0">
+              <a:buNone/>
+              <a:defRPr sz="1008">
+                <a:solidFill>
+                  <a:schemeClr val="tx1">
+                    <a:tint val="75000"/>
+                  </a:schemeClr>
+                </a:solidFill>
+              </a:defRPr>
             </a:lvl4pPr>
-            <a:lvl5pPr marL="1440180" indent="0">
+            <a:lvl5pPr marL="1151961" indent="0">
               <a:buNone/>
-              <a:defRPr sz="1260">
+              <a:defRPr sz="1008">
                 <a:solidFill>
                   <a:schemeClr val="tx1">
                     <a:tint val="75000"/>
@@ -1049,9 +1524,9 @@
                 </a:solidFill>
               </a:defRPr>
             </a:lvl5pPr>
-            <a:lvl6pPr marL="1800225" indent="0">
+            <a:lvl6pPr marL="1439951" indent="0">
               <a:buNone/>
-              <a:defRPr sz="1260">
+              <a:defRPr sz="1008">
                 <a:solidFill>
                   <a:schemeClr val="tx1">
                     <a:tint val="75000"/>
@@ -1059,9 +1534,9 @@
                 </a:solidFill>
               </a:defRPr>
             </a:lvl6pPr>
-            <a:lvl7pPr marL="2160270" indent="0">
+            <a:lvl7pPr marL="1727942" indent="0">
               <a:buNone/>
-              <a:defRPr sz="1260">
+              <a:defRPr sz="1008">
                 <a:solidFill>
                   <a:schemeClr val="tx1">
                     <a:tint val="75000"/>
@@ -1069,9 +1544,9 @@
                 </a:solidFill>
               </a:defRPr>
             </a:lvl7pPr>
-            <a:lvl8pPr marL="2520315" indent="0">
+            <a:lvl8pPr marL="2015932" indent="0">
               <a:buNone/>
-              <a:defRPr sz="1260">
+              <a:defRPr sz="1008">
                 <a:solidFill>
                   <a:schemeClr val="tx1">
                     <a:tint val="75000"/>
@@ -1079,9 +1554,9 @@
                 </a:solidFill>
               </a:defRPr>
             </a:lvl8pPr>
-            <a:lvl9pPr marL="2880360" indent="0">
+            <a:lvl9pPr marL="2303922" indent="0">
               <a:buNone/>
-              <a:defRPr sz="1260">
+              <a:defRPr sz="1008">
                 <a:solidFill>
                   <a:schemeClr val="tx1">
                     <a:tint val="75000"/>
@@ -1116,7 +1591,7 @@
           <a:p>
             <a:fld id="{9B3F4528-C138-4BF2-B6A0-94131316515C}" type="datetimeFigureOut">
               <a:rPr kumimoji="1" lang="ja-JP" altLang="en-US" smtClean="0"/>
-              <a:t>2018/12/6</a:t>
+              <a:t>2018/12/7</a:t>
             </a:fld>
             <a:endParaRPr kumimoji="1" lang="ja-JP" altLang="en-US"/>
           </a:p>
@@ -1167,7 +1642,7 @@
     </p:spTree>
     <p:extLst>
       <p:ext uri="{BB962C8B-B14F-4D97-AF65-F5344CB8AC3E}">
-        <p14:creationId xmlns:p14="http://schemas.microsoft.com/office/powerpoint/2010/main" val="1605043089"/>
+        <p14:creationId xmlns:p14="http://schemas.microsoft.com/office/powerpoint/2010/main" val="3141632028"/>
       </p:ext>
     </p:extLst>
   </p:cSld>
@@ -1229,8 +1704,8 @@
         </p:nvSpPr>
         <p:spPr>
           <a:xfrm>
-            <a:off x="990014" y="1437680"/>
-            <a:ext cx="6120091" cy="3426679"/>
+            <a:off x="1014790" y="1149890"/>
+            <a:ext cx="6273244" cy="2740739"/>
           </a:xfrm>
         </p:spPr>
         <p:txBody>
@@ -1318,8 +1793,8 @@
         </p:nvSpPr>
         <p:spPr>
           <a:xfrm>
-            <a:off x="7290108" y="1437680"/>
-            <a:ext cx="6120091" cy="3426679"/>
+            <a:off x="7472541" y="1149890"/>
+            <a:ext cx="6273244" cy="2740739"/>
           </a:xfrm>
         </p:spPr>
         <p:txBody>
@@ -1412,7 +1887,7 @@
           <a:p>
             <a:fld id="{9B3F4528-C138-4BF2-B6A0-94131316515C}" type="datetimeFigureOut">
               <a:rPr kumimoji="1" lang="ja-JP" altLang="en-US" smtClean="0"/>
-              <a:t>2018/12/6</a:t>
+              <a:t>2018/12/7</a:t>
             </a:fld>
             <a:endParaRPr kumimoji="1" lang="ja-JP" altLang="en-US"/>
           </a:p>
@@ -1463,7 +1938,7 @@
     </p:spTree>
     <p:extLst>
       <p:ext uri="{BB962C8B-B14F-4D97-AF65-F5344CB8AC3E}">
-        <p14:creationId xmlns:p14="http://schemas.microsoft.com/office/powerpoint/2010/main" val="3634982740"/>
+        <p14:creationId xmlns:p14="http://schemas.microsoft.com/office/powerpoint/2010/main" val="2852500864"/>
       </p:ext>
     </p:extLst>
   </p:cSld>
@@ -1502,8 +1977,8 @@
         </p:nvSpPr>
         <p:spPr>
           <a:xfrm>
-            <a:off x="991890" y="287536"/>
-            <a:ext cx="12420184" cy="1043881"/>
+            <a:off x="1016712" y="229978"/>
+            <a:ext cx="12730996" cy="834921"/>
           </a:xfrm>
         </p:spPr>
         <p:txBody>
@@ -1530,8 +2005,8 @@
         </p:nvSpPr>
         <p:spPr>
           <a:xfrm>
-            <a:off x="991891" y="1323916"/>
-            <a:ext cx="6091965" cy="648831"/>
+            <a:off x="1016712" y="1058899"/>
+            <a:ext cx="6244415" cy="518950"/>
           </a:xfrm>
         </p:spPr>
         <p:txBody>
@@ -1539,39 +2014,39 @@
           <a:lstStyle>
             <a:lvl1pPr marL="0" indent="0">
               <a:buNone/>
-              <a:defRPr sz="1890" b="1"/>
+              <a:defRPr sz="1512" b="1"/>
             </a:lvl1pPr>
-            <a:lvl2pPr marL="360045" indent="0">
-              <a:buNone/>
-              <a:defRPr sz="1575" b="1"/>
-            </a:lvl2pPr>
-            <a:lvl3pPr marL="720090" indent="0">
-              <a:buNone/>
-              <a:defRPr sz="1418" b="1"/>
-            </a:lvl3pPr>
-            <a:lvl4pPr marL="1080135" indent="0">
+            <a:lvl2pPr marL="287990" indent="0">
               <a:buNone/>
               <a:defRPr sz="1260" b="1"/>
+            </a:lvl2pPr>
+            <a:lvl3pPr marL="575981" indent="0">
+              <a:buNone/>
+              <a:defRPr sz="1134" b="1"/>
+            </a:lvl3pPr>
+            <a:lvl4pPr marL="863971" indent="0">
+              <a:buNone/>
+              <a:defRPr sz="1008" b="1"/>
             </a:lvl4pPr>
-            <a:lvl5pPr marL="1440180" indent="0">
+            <a:lvl5pPr marL="1151961" indent="0">
               <a:buNone/>
-              <a:defRPr sz="1260" b="1"/>
+              <a:defRPr sz="1008" b="1"/>
             </a:lvl5pPr>
-            <a:lvl6pPr marL="1800225" indent="0">
+            <a:lvl6pPr marL="1439951" indent="0">
               <a:buNone/>
-              <a:defRPr sz="1260" b="1"/>
+              <a:defRPr sz="1008" b="1"/>
             </a:lvl6pPr>
-            <a:lvl7pPr marL="2160270" indent="0">
+            <a:lvl7pPr marL="1727942" indent="0">
               <a:buNone/>
-              <a:defRPr sz="1260" b="1"/>
+              <a:defRPr sz="1008" b="1"/>
             </a:lvl7pPr>
-            <a:lvl8pPr marL="2520315" indent="0">
+            <a:lvl8pPr marL="2015932" indent="0">
               <a:buNone/>
-              <a:defRPr sz="1260" b="1"/>
+              <a:defRPr sz="1008" b="1"/>
             </a:lvl8pPr>
-            <a:lvl9pPr marL="2880360" indent="0">
+            <a:lvl9pPr marL="2303922" indent="0">
               <a:buNone/>
-              <a:defRPr sz="1260" b="1"/>
+              <a:defRPr sz="1008" b="1"/>
             </a:lvl9pPr>
           </a:lstStyle>
           <a:p>
@@ -1595,8 +2070,8 @@
         </p:nvSpPr>
         <p:spPr>
           <a:xfrm>
-            <a:off x="991891" y="1972747"/>
-            <a:ext cx="6091965" cy="2901613"/>
+            <a:off x="1016712" y="1577849"/>
+            <a:ext cx="6244415" cy="2320779"/>
           </a:xfrm>
         </p:spPr>
         <p:txBody>
@@ -1684,8 +2159,8 @@
         </p:nvSpPr>
         <p:spPr>
           <a:xfrm>
-            <a:off x="7290108" y="1323916"/>
-            <a:ext cx="6121966" cy="648831"/>
+            <a:off x="7472541" y="1058899"/>
+            <a:ext cx="6275167" cy="518950"/>
           </a:xfrm>
         </p:spPr>
         <p:txBody>
@@ -1693,39 +2168,39 @@
           <a:lstStyle>
             <a:lvl1pPr marL="0" indent="0">
               <a:buNone/>
-              <a:defRPr sz="1890" b="1"/>
+              <a:defRPr sz="1512" b="1"/>
             </a:lvl1pPr>
-            <a:lvl2pPr marL="360045" indent="0">
-              <a:buNone/>
-              <a:defRPr sz="1575" b="1"/>
-            </a:lvl2pPr>
-            <a:lvl3pPr marL="720090" indent="0">
-              <a:buNone/>
-              <a:defRPr sz="1418" b="1"/>
-            </a:lvl3pPr>
-            <a:lvl4pPr marL="1080135" indent="0">
+            <a:lvl2pPr marL="287990" indent="0">
               <a:buNone/>
               <a:defRPr sz="1260" b="1"/>
+            </a:lvl2pPr>
+            <a:lvl3pPr marL="575981" indent="0">
+              <a:buNone/>
+              <a:defRPr sz="1134" b="1"/>
+            </a:lvl3pPr>
+            <a:lvl4pPr marL="863971" indent="0">
+              <a:buNone/>
+              <a:defRPr sz="1008" b="1"/>
             </a:lvl4pPr>
-            <a:lvl5pPr marL="1440180" indent="0">
+            <a:lvl5pPr marL="1151961" indent="0">
               <a:buNone/>
-              <a:defRPr sz="1260" b="1"/>
+              <a:defRPr sz="1008" b="1"/>
             </a:lvl5pPr>
-            <a:lvl6pPr marL="1800225" indent="0">
+            <a:lvl6pPr marL="1439951" indent="0">
               <a:buNone/>
-              <a:defRPr sz="1260" b="1"/>
+              <a:defRPr sz="1008" b="1"/>
             </a:lvl6pPr>
-            <a:lvl7pPr marL="2160270" indent="0">
+            <a:lvl7pPr marL="1727942" indent="0">
               <a:buNone/>
-              <a:defRPr sz="1260" b="1"/>
+              <a:defRPr sz="1008" b="1"/>
             </a:lvl7pPr>
-            <a:lvl8pPr marL="2520315" indent="0">
+            <a:lvl8pPr marL="2015932" indent="0">
               <a:buNone/>
-              <a:defRPr sz="1260" b="1"/>
+              <a:defRPr sz="1008" b="1"/>
             </a:lvl8pPr>
-            <a:lvl9pPr marL="2880360" indent="0">
+            <a:lvl9pPr marL="2303922" indent="0">
               <a:buNone/>
-              <a:defRPr sz="1260" b="1"/>
+              <a:defRPr sz="1008" b="1"/>
             </a:lvl9pPr>
           </a:lstStyle>
           <a:p>
@@ -1749,8 +2224,8 @@
         </p:nvSpPr>
         <p:spPr>
           <a:xfrm>
-            <a:off x="7290108" y="1972747"/>
-            <a:ext cx="6121966" cy="2901613"/>
+            <a:off x="7472541" y="1577849"/>
+            <a:ext cx="6275167" cy="2320779"/>
           </a:xfrm>
         </p:spPr>
         <p:txBody>
@@ -1843,7 +2318,7 @@
           <a:p>
             <a:fld id="{9B3F4528-C138-4BF2-B6A0-94131316515C}" type="datetimeFigureOut">
               <a:rPr kumimoji="1" lang="ja-JP" altLang="en-US" smtClean="0"/>
-              <a:t>2018/12/6</a:t>
+              <a:t>2018/12/7</a:t>
             </a:fld>
             <a:endParaRPr kumimoji="1" lang="ja-JP" altLang="en-US"/>
           </a:p>
@@ -1894,7 +2369,7 @@
     </p:spTree>
     <p:extLst>
       <p:ext uri="{BB962C8B-B14F-4D97-AF65-F5344CB8AC3E}">
-        <p14:creationId xmlns:p14="http://schemas.microsoft.com/office/powerpoint/2010/main" val="1453483810"/>
+        <p14:creationId xmlns:p14="http://schemas.microsoft.com/office/powerpoint/2010/main" val="858636581"/>
       </p:ext>
     </p:extLst>
   </p:cSld>
@@ -1961,7 +2436,7 @@
           <a:p>
             <a:fld id="{9B3F4528-C138-4BF2-B6A0-94131316515C}" type="datetimeFigureOut">
               <a:rPr kumimoji="1" lang="ja-JP" altLang="en-US" smtClean="0"/>
-              <a:t>2018/12/6</a:t>
+              <a:t>2018/12/7</a:t>
             </a:fld>
             <a:endParaRPr kumimoji="1" lang="ja-JP" altLang="en-US"/>
           </a:p>
@@ -2012,7 +2487,7 @@
     </p:spTree>
     <p:extLst>
       <p:ext uri="{BB962C8B-B14F-4D97-AF65-F5344CB8AC3E}">
-        <p14:creationId xmlns:p14="http://schemas.microsoft.com/office/powerpoint/2010/main" val="813266889"/>
+        <p14:creationId xmlns:p14="http://schemas.microsoft.com/office/powerpoint/2010/main" val="4188886645"/>
       </p:ext>
     </p:extLst>
   </p:cSld>
@@ -2056,7 +2531,7 @@
           <a:p>
             <a:fld id="{9B3F4528-C138-4BF2-B6A0-94131316515C}" type="datetimeFigureOut">
               <a:rPr kumimoji="1" lang="ja-JP" altLang="en-US" smtClean="0"/>
-              <a:t>2018/12/6</a:t>
+              <a:t>2018/12/7</a:t>
             </a:fld>
             <a:endParaRPr kumimoji="1" lang="ja-JP" altLang="en-US"/>
           </a:p>
@@ -2107,7 +2582,7 @@
     </p:spTree>
     <p:extLst>
       <p:ext uri="{BB962C8B-B14F-4D97-AF65-F5344CB8AC3E}">
-        <p14:creationId xmlns:p14="http://schemas.microsoft.com/office/powerpoint/2010/main" val="1596514776"/>
+        <p14:creationId xmlns:p14="http://schemas.microsoft.com/office/powerpoint/2010/main" val="3103470374"/>
       </p:ext>
     </p:extLst>
   </p:cSld>
@@ -2146,15 +2621,15 @@
         </p:nvSpPr>
         <p:spPr>
           <a:xfrm>
-            <a:off x="991891" y="360045"/>
-            <a:ext cx="4644443" cy="1260158"/>
+            <a:off x="1016713" y="287972"/>
+            <a:ext cx="4760669" cy="1007904"/>
           </a:xfrm>
         </p:spPr>
         <p:txBody>
           <a:bodyPr anchor="b"/>
           <a:lstStyle>
             <a:lvl1pPr>
-              <a:defRPr sz="2520"/>
+              <a:defRPr sz="2016"/>
             </a:lvl1pPr>
           </a:lstStyle>
           <a:p>
@@ -2178,39 +2653,39 @@
         </p:nvSpPr>
         <p:spPr>
           <a:xfrm>
-            <a:off x="6121966" y="777597"/>
-            <a:ext cx="7290108" cy="3837980"/>
+            <a:off x="6275167" y="621941"/>
+            <a:ext cx="7472541" cy="3069707"/>
           </a:xfrm>
         </p:spPr>
         <p:txBody>
           <a:bodyPr/>
           <a:lstStyle>
             <a:lvl1pPr>
-              <a:defRPr sz="2520"/>
+              <a:defRPr sz="2016"/>
             </a:lvl1pPr>
             <a:lvl2pPr>
-              <a:defRPr sz="2205"/>
+              <a:defRPr sz="1764"/>
             </a:lvl2pPr>
             <a:lvl3pPr>
-              <a:defRPr sz="1890"/>
+              <a:defRPr sz="1512"/>
             </a:lvl3pPr>
             <a:lvl4pPr>
-              <a:defRPr sz="1575"/>
+              <a:defRPr sz="1260"/>
             </a:lvl4pPr>
             <a:lvl5pPr>
-              <a:defRPr sz="1575"/>
+              <a:defRPr sz="1260"/>
             </a:lvl5pPr>
             <a:lvl6pPr>
-              <a:defRPr sz="1575"/>
+              <a:defRPr sz="1260"/>
             </a:lvl6pPr>
             <a:lvl7pPr>
-              <a:defRPr sz="1575"/>
+              <a:defRPr sz="1260"/>
             </a:lvl7pPr>
             <a:lvl8pPr>
-              <a:defRPr sz="1575"/>
+              <a:defRPr sz="1260"/>
             </a:lvl8pPr>
             <a:lvl9pPr>
-              <a:defRPr sz="1575"/>
+              <a:defRPr sz="1260"/>
             </a:lvl9pPr>
           </a:lstStyle>
           <a:p>
@@ -2295,8 +2770,8 @@
         </p:nvSpPr>
         <p:spPr>
           <a:xfrm>
-            <a:off x="991891" y="1620202"/>
-            <a:ext cx="4644443" cy="3001626"/>
+            <a:off x="1016713" y="1295877"/>
+            <a:ext cx="4760669" cy="2400771"/>
           </a:xfrm>
         </p:spPr>
         <p:txBody>
@@ -2304,39 +2779,39 @@
           <a:lstStyle>
             <a:lvl1pPr marL="0" indent="0">
               <a:buNone/>
-              <a:defRPr sz="1260"/>
+              <a:defRPr sz="1008"/>
             </a:lvl1pPr>
-            <a:lvl2pPr marL="360045" indent="0">
+            <a:lvl2pPr marL="287990" indent="0">
               <a:buNone/>
-              <a:defRPr sz="1103"/>
+              <a:defRPr sz="882"/>
             </a:lvl2pPr>
-            <a:lvl3pPr marL="720090" indent="0">
+            <a:lvl3pPr marL="575981" indent="0">
               <a:buNone/>
-              <a:defRPr sz="945"/>
+              <a:defRPr sz="756"/>
             </a:lvl3pPr>
-            <a:lvl4pPr marL="1080135" indent="0">
+            <a:lvl4pPr marL="863971" indent="0">
               <a:buNone/>
-              <a:defRPr sz="788"/>
+              <a:defRPr sz="630"/>
             </a:lvl4pPr>
-            <a:lvl5pPr marL="1440180" indent="0">
+            <a:lvl5pPr marL="1151961" indent="0">
               <a:buNone/>
-              <a:defRPr sz="788"/>
+              <a:defRPr sz="630"/>
             </a:lvl5pPr>
-            <a:lvl6pPr marL="1800225" indent="0">
+            <a:lvl6pPr marL="1439951" indent="0">
               <a:buNone/>
-              <a:defRPr sz="788"/>
+              <a:defRPr sz="630"/>
             </a:lvl6pPr>
-            <a:lvl7pPr marL="2160270" indent="0">
+            <a:lvl7pPr marL="1727942" indent="0">
               <a:buNone/>
-              <a:defRPr sz="788"/>
+              <a:defRPr sz="630"/>
             </a:lvl7pPr>
-            <a:lvl8pPr marL="2520315" indent="0">
+            <a:lvl8pPr marL="2015932" indent="0">
               <a:buNone/>
-              <a:defRPr sz="788"/>
+              <a:defRPr sz="630"/>
             </a:lvl8pPr>
-            <a:lvl9pPr marL="2880360" indent="0">
+            <a:lvl9pPr marL="2303922" indent="0">
               <a:buNone/>
-              <a:defRPr sz="788"/>
+              <a:defRPr sz="630"/>
             </a:lvl9pPr>
           </a:lstStyle>
           <a:p>
@@ -2365,7 +2840,7 @@
           <a:p>
             <a:fld id="{9B3F4528-C138-4BF2-B6A0-94131316515C}" type="datetimeFigureOut">
               <a:rPr kumimoji="1" lang="ja-JP" altLang="en-US" smtClean="0"/>
-              <a:t>2018/12/6</a:t>
+              <a:t>2018/12/7</a:t>
             </a:fld>
             <a:endParaRPr kumimoji="1" lang="ja-JP" altLang="en-US"/>
           </a:p>
@@ -2416,7 +2891,7 @@
     </p:spTree>
     <p:extLst>
       <p:ext uri="{BB962C8B-B14F-4D97-AF65-F5344CB8AC3E}">
-        <p14:creationId xmlns:p14="http://schemas.microsoft.com/office/powerpoint/2010/main" val="3132672124"/>
+        <p14:creationId xmlns:p14="http://schemas.microsoft.com/office/powerpoint/2010/main" val="1804261288"/>
       </p:ext>
     </p:extLst>
   </p:cSld>
@@ -2455,15 +2930,15 @@
         </p:nvSpPr>
         <p:spPr>
           <a:xfrm>
-            <a:off x="991891" y="360045"/>
-            <a:ext cx="4644443" cy="1260158"/>
+            <a:off x="1016713" y="287972"/>
+            <a:ext cx="4760669" cy="1007904"/>
           </a:xfrm>
         </p:spPr>
         <p:txBody>
           <a:bodyPr anchor="b"/>
           <a:lstStyle>
             <a:lvl1pPr>
-              <a:defRPr sz="2520"/>
+              <a:defRPr sz="2016"/>
             </a:lvl1pPr>
           </a:lstStyle>
           <a:p>
@@ -2487,8 +2962,8 @@
         </p:nvSpPr>
         <p:spPr>
           <a:xfrm>
-            <a:off x="6121966" y="777597"/>
-            <a:ext cx="7290108" cy="3837980"/>
+            <a:off x="6275167" y="621941"/>
+            <a:ext cx="7472541" cy="3069707"/>
           </a:xfrm>
         </p:spPr>
         <p:txBody>
@@ -2496,39 +2971,39 @@
           <a:lstStyle>
             <a:lvl1pPr marL="0" indent="0">
               <a:buNone/>
-              <a:defRPr sz="2520"/>
+              <a:defRPr sz="2016"/>
             </a:lvl1pPr>
-            <a:lvl2pPr marL="360045" indent="0">
+            <a:lvl2pPr marL="287990" indent="0">
               <a:buNone/>
-              <a:defRPr sz="2205"/>
+              <a:defRPr sz="1764"/>
             </a:lvl2pPr>
-            <a:lvl3pPr marL="720090" indent="0">
+            <a:lvl3pPr marL="575981" indent="0">
               <a:buNone/>
-              <a:defRPr sz="1890"/>
+              <a:defRPr sz="1512"/>
             </a:lvl3pPr>
-            <a:lvl4pPr marL="1080135" indent="0">
+            <a:lvl4pPr marL="863971" indent="0">
               <a:buNone/>
-              <a:defRPr sz="1575"/>
+              <a:defRPr sz="1260"/>
             </a:lvl4pPr>
-            <a:lvl5pPr marL="1440180" indent="0">
+            <a:lvl5pPr marL="1151961" indent="0">
               <a:buNone/>
-              <a:defRPr sz="1575"/>
+              <a:defRPr sz="1260"/>
             </a:lvl5pPr>
-            <a:lvl6pPr marL="1800225" indent="0">
+            <a:lvl6pPr marL="1439951" indent="0">
               <a:buNone/>
-              <a:defRPr sz="1575"/>
+              <a:defRPr sz="1260"/>
             </a:lvl6pPr>
-            <a:lvl7pPr marL="2160270" indent="0">
+            <a:lvl7pPr marL="1727942" indent="0">
               <a:buNone/>
-              <a:defRPr sz="1575"/>
+              <a:defRPr sz="1260"/>
             </a:lvl7pPr>
-            <a:lvl8pPr marL="2520315" indent="0">
+            <a:lvl8pPr marL="2015932" indent="0">
               <a:buNone/>
-              <a:defRPr sz="1575"/>
+              <a:defRPr sz="1260"/>
             </a:lvl8pPr>
-            <a:lvl9pPr marL="2880360" indent="0">
+            <a:lvl9pPr marL="2303922" indent="0">
               <a:buNone/>
-              <a:defRPr sz="1575"/>
+              <a:defRPr sz="1260"/>
             </a:lvl9pPr>
           </a:lstStyle>
           <a:p>
@@ -2552,8 +3027,8 @@
         </p:nvSpPr>
         <p:spPr>
           <a:xfrm>
-            <a:off x="991891" y="1620202"/>
-            <a:ext cx="4644443" cy="3001626"/>
+            <a:off x="1016713" y="1295877"/>
+            <a:ext cx="4760669" cy="2400771"/>
           </a:xfrm>
         </p:spPr>
         <p:txBody>
@@ -2561,39 +3036,39 @@
           <a:lstStyle>
             <a:lvl1pPr marL="0" indent="0">
               <a:buNone/>
-              <a:defRPr sz="1260"/>
+              <a:defRPr sz="1008"/>
             </a:lvl1pPr>
-            <a:lvl2pPr marL="360045" indent="0">
+            <a:lvl2pPr marL="287990" indent="0">
               <a:buNone/>
-              <a:defRPr sz="1103"/>
+              <a:defRPr sz="882"/>
             </a:lvl2pPr>
-            <a:lvl3pPr marL="720090" indent="0">
+            <a:lvl3pPr marL="575981" indent="0">
               <a:buNone/>
-              <a:defRPr sz="945"/>
+              <a:defRPr sz="756"/>
             </a:lvl3pPr>
-            <a:lvl4pPr marL="1080135" indent="0">
+            <a:lvl4pPr marL="863971" indent="0">
               <a:buNone/>
-              <a:defRPr sz="788"/>
+              <a:defRPr sz="630"/>
             </a:lvl4pPr>
-            <a:lvl5pPr marL="1440180" indent="0">
+            <a:lvl5pPr marL="1151961" indent="0">
               <a:buNone/>
-              <a:defRPr sz="788"/>
+              <a:defRPr sz="630"/>
             </a:lvl5pPr>
-            <a:lvl6pPr marL="1800225" indent="0">
+            <a:lvl6pPr marL="1439951" indent="0">
               <a:buNone/>
-              <a:defRPr sz="788"/>
+              <a:defRPr sz="630"/>
             </a:lvl6pPr>
-            <a:lvl7pPr marL="2160270" indent="0">
+            <a:lvl7pPr marL="1727942" indent="0">
               <a:buNone/>
-              <a:defRPr sz="788"/>
+              <a:defRPr sz="630"/>
             </a:lvl7pPr>
-            <a:lvl8pPr marL="2520315" indent="0">
+            <a:lvl8pPr marL="2015932" indent="0">
               <a:buNone/>
-              <a:defRPr sz="788"/>
+              <a:defRPr sz="630"/>
             </a:lvl8pPr>
-            <a:lvl9pPr marL="2880360" indent="0">
+            <a:lvl9pPr marL="2303922" indent="0">
               <a:buNone/>
-              <a:defRPr sz="788"/>
+              <a:defRPr sz="630"/>
             </a:lvl9pPr>
           </a:lstStyle>
           <a:p>
@@ -2622,7 +3097,7 @@
           <a:p>
             <a:fld id="{9B3F4528-C138-4BF2-B6A0-94131316515C}" type="datetimeFigureOut">
               <a:rPr kumimoji="1" lang="ja-JP" altLang="en-US" smtClean="0"/>
-              <a:t>2018/12/6</a:t>
+              <a:t>2018/12/7</a:t>
             </a:fld>
             <a:endParaRPr kumimoji="1" lang="ja-JP" altLang="en-US"/>
           </a:p>
@@ -2673,7 +3148,7 @@
     </p:spTree>
     <p:extLst>
       <p:ext uri="{BB962C8B-B14F-4D97-AF65-F5344CB8AC3E}">
-        <p14:creationId xmlns:p14="http://schemas.microsoft.com/office/powerpoint/2010/main" val="289713430"/>
+        <p14:creationId xmlns:p14="http://schemas.microsoft.com/office/powerpoint/2010/main" val="3783031439"/>
       </p:ext>
     </p:extLst>
   </p:cSld>
@@ -2717,8 +3192,8 @@
         </p:nvSpPr>
         <p:spPr>
           <a:xfrm>
-            <a:off x="990015" y="287536"/>
-            <a:ext cx="12420184" cy="1043881"/>
+            <a:off x="1014790" y="229978"/>
+            <a:ext cx="12730996" cy="834921"/>
           </a:xfrm>
           <a:prstGeom prst="rect">
             <a:avLst/>
@@ -2750,8 +3225,8 @@
         </p:nvSpPr>
         <p:spPr>
           <a:xfrm>
-            <a:off x="990015" y="1437680"/>
-            <a:ext cx="12420184" cy="3426679"/>
+            <a:off x="1014790" y="1149890"/>
+            <a:ext cx="12730996" cy="2740739"/>
           </a:xfrm>
           <a:prstGeom prst="rect">
             <a:avLst/>
@@ -2844,8 +3319,8 @@
         </p:nvSpPr>
         <p:spPr>
           <a:xfrm>
-            <a:off x="990015" y="5005626"/>
-            <a:ext cx="3240048" cy="287536"/>
+            <a:off x="1014790" y="4003618"/>
+            <a:ext cx="3321129" cy="229978"/>
           </a:xfrm>
           <a:prstGeom prst="rect">
             <a:avLst/>
@@ -2855,7 +3330,7 @@
           <a:bodyPr vert="horz" lIns="91440" tIns="45720" rIns="91440" bIns="45720" rtlCol="0" anchor="ctr"/>
           <a:lstStyle>
             <a:lvl1pPr algn="l">
-              <a:defRPr sz="945">
+              <a:defRPr sz="756">
                 <a:solidFill>
                   <a:schemeClr val="tx1">
                     <a:tint val="75000"/>
@@ -2867,7 +3342,7 @@
           <a:p>
             <a:fld id="{9B3F4528-C138-4BF2-B6A0-94131316515C}" type="datetimeFigureOut">
               <a:rPr kumimoji="1" lang="ja-JP" altLang="en-US" smtClean="0"/>
-              <a:t>2018/12/6</a:t>
+              <a:t>2018/12/7</a:t>
             </a:fld>
             <a:endParaRPr kumimoji="1" lang="ja-JP" altLang="en-US"/>
           </a:p>
@@ -2885,8 +3360,8 @@
         </p:nvSpPr>
         <p:spPr>
           <a:xfrm>
-            <a:off x="4770071" y="5005626"/>
-            <a:ext cx="4860072" cy="287536"/>
+            <a:off x="4889441" y="4003618"/>
+            <a:ext cx="4981694" cy="229978"/>
           </a:xfrm>
           <a:prstGeom prst="rect">
             <a:avLst/>
@@ -2896,7 +3371,7 @@
           <a:bodyPr vert="horz" lIns="91440" tIns="45720" rIns="91440" bIns="45720" rtlCol="0" anchor="ctr"/>
           <a:lstStyle>
             <a:lvl1pPr algn="ctr">
-              <a:defRPr sz="945">
+              <a:defRPr sz="756">
                 <a:solidFill>
                   <a:schemeClr val="tx1">
                     <a:tint val="75000"/>
@@ -2922,8 +3397,8 @@
         </p:nvSpPr>
         <p:spPr>
           <a:xfrm>
-            <a:off x="10170150" y="5005626"/>
-            <a:ext cx="3240048" cy="287536"/>
+            <a:off x="10424656" y="4003618"/>
+            <a:ext cx="3321129" cy="229978"/>
           </a:xfrm>
           <a:prstGeom prst="rect">
             <a:avLst/>
@@ -2933,7 +3408,7 @@
           <a:bodyPr vert="horz" lIns="91440" tIns="45720" rIns="91440" bIns="45720" rtlCol="0" anchor="ctr"/>
           <a:lstStyle>
             <a:lvl1pPr algn="r">
-              <a:defRPr sz="945">
+              <a:defRPr sz="756">
                 <a:solidFill>
                   <a:schemeClr val="tx1">
                     <a:tint val="75000"/>
@@ -2954,27 +3429,27 @@
     </p:spTree>
     <p:extLst>
       <p:ext uri="{BB962C8B-B14F-4D97-AF65-F5344CB8AC3E}">
-        <p14:creationId xmlns:p14="http://schemas.microsoft.com/office/powerpoint/2010/main" val="609595029"/>
+        <p14:creationId xmlns:p14="http://schemas.microsoft.com/office/powerpoint/2010/main" val="3866052773"/>
       </p:ext>
     </p:extLst>
   </p:cSld>
   <p:clrMap bg1="lt1" tx1="dk1" bg2="lt2" tx2="dk2" accent1="accent1" accent2="accent2" accent3="accent3" accent4="accent4" accent5="accent5" accent6="accent6" hlink="hlink" folHlink="folHlink"/>
   <p:sldLayoutIdLst>
-    <p:sldLayoutId id="2147484021" r:id="rId1"/>
-    <p:sldLayoutId id="2147484022" r:id="rId2"/>
-    <p:sldLayoutId id="2147484023" r:id="rId3"/>
-    <p:sldLayoutId id="2147484024" r:id="rId4"/>
-    <p:sldLayoutId id="2147484025" r:id="rId5"/>
-    <p:sldLayoutId id="2147484026" r:id="rId6"/>
-    <p:sldLayoutId id="2147484027" r:id="rId7"/>
-    <p:sldLayoutId id="2147484028" r:id="rId8"/>
-    <p:sldLayoutId id="2147484029" r:id="rId9"/>
-    <p:sldLayoutId id="2147484030" r:id="rId10"/>
-    <p:sldLayoutId id="2147484031" r:id="rId11"/>
+    <p:sldLayoutId id="2147484057" r:id="rId1"/>
+    <p:sldLayoutId id="2147484058" r:id="rId2"/>
+    <p:sldLayoutId id="2147484059" r:id="rId3"/>
+    <p:sldLayoutId id="2147484060" r:id="rId4"/>
+    <p:sldLayoutId id="2147484061" r:id="rId5"/>
+    <p:sldLayoutId id="2147484062" r:id="rId6"/>
+    <p:sldLayoutId id="2147484063" r:id="rId7"/>
+    <p:sldLayoutId id="2147484064" r:id="rId8"/>
+    <p:sldLayoutId id="2147484065" r:id="rId9"/>
+    <p:sldLayoutId id="2147484066" r:id="rId10"/>
+    <p:sldLayoutId id="2147484067" r:id="rId11"/>
   </p:sldLayoutIdLst>
   <p:txStyles>
     <p:titleStyle>
-      <a:lvl1pPr algn="l" defTabSz="720090" rtl="0" eaLnBrk="1" latinLnBrk="0" hangingPunct="1">
+      <a:lvl1pPr algn="l" defTabSz="575981" rtl="0" eaLnBrk="1" latinLnBrk="0" hangingPunct="1">
         <a:lnSpc>
           <a:spcPct val="90000"/>
         </a:lnSpc>
@@ -2982,7 +3457,7 @@
           <a:spcPct val="0"/>
         </a:spcBef>
         <a:buNone/>
-        <a:defRPr kumimoji="1" sz="3465" kern="1200">
+        <a:defRPr kumimoji="1" sz="2772" kern="1200">
           <a:solidFill>
             <a:schemeClr val="tx1"/>
           </a:solidFill>
@@ -2993,16 +3468,16 @@
       </a:lvl1pPr>
     </p:titleStyle>
     <p:bodyStyle>
-      <a:lvl1pPr marL="180023" indent="-180023" algn="l" defTabSz="720090" rtl="0" eaLnBrk="1" latinLnBrk="0" hangingPunct="1">
+      <a:lvl1pPr marL="143995" indent="-143995" algn="l" defTabSz="575981" rtl="0" eaLnBrk="1" latinLnBrk="0" hangingPunct="1">
         <a:lnSpc>
           <a:spcPct val="90000"/>
         </a:lnSpc>
         <a:spcBef>
-          <a:spcPts val="788"/>
+          <a:spcPts val="630"/>
         </a:spcBef>
         <a:buFont typeface="Arial" panose="020B0604020202020204" pitchFamily="34" charset="0"/>
         <a:buChar char="•"/>
-        <a:defRPr kumimoji="1" sz="2205" kern="1200">
+        <a:defRPr kumimoji="1" sz="1764" kern="1200">
           <a:solidFill>
             <a:schemeClr val="tx1"/>
           </a:solidFill>
@@ -3011,16 +3486,16 @@
           <a:cs typeface="+mn-cs"/>
         </a:defRPr>
       </a:lvl1pPr>
-      <a:lvl2pPr marL="540068" indent="-180023" algn="l" defTabSz="720090" rtl="0" eaLnBrk="1" latinLnBrk="0" hangingPunct="1">
+      <a:lvl2pPr marL="431985" indent="-143995" algn="l" defTabSz="575981" rtl="0" eaLnBrk="1" latinLnBrk="0" hangingPunct="1">
         <a:lnSpc>
           <a:spcPct val="90000"/>
         </a:lnSpc>
         <a:spcBef>
-          <a:spcPts val="394"/>
+          <a:spcPts val="315"/>
         </a:spcBef>
         <a:buFont typeface="Arial" panose="020B0604020202020204" pitchFamily="34" charset="0"/>
         <a:buChar char="•"/>
-        <a:defRPr kumimoji="1" sz="1890" kern="1200">
+        <a:defRPr kumimoji="1" sz="1512" kern="1200">
           <a:solidFill>
             <a:schemeClr val="tx1"/>
           </a:solidFill>
@@ -3029,16 +3504,16 @@
           <a:cs typeface="+mn-cs"/>
         </a:defRPr>
       </a:lvl2pPr>
-      <a:lvl3pPr marL="900113" indent="-180023" algn="l" defTabSz="720090" rtl="0" eaLnBrk="1" latinLnBrk="0" hangingPunct="1">
+      <a:lvl3pPr marL="719976" indent="-143995" algn="l" defTabSz="575981" rtl="0" eaLnBrk="1" latinLnBrk="0" hangingPunct="1">
         <a:lnSpc>
           <a:spcPct val="90000"/>
         </a:lnSpc>
         <a:spcBef>
-          <a:spcPts val="394"/>
+          <a:spcPts val="315"/>
         </a:spcBef>
         <a:buFont typeface="Arial" panose="020B0604020202020204" pitchFamily="34" charset="0"/>
         <a:buChar char="•"/>
-        <a:defRPr kumimoji="1" sz="1575" kern="1200">
+        <a:defRPr kumimoji="1" sz="1260" kern="1200">
           <a:solidFill>
             <a:schemeClr val="tx1"/>
           </a:solidFill>
@@ -3047,16 +3522,16 @@
           <a:cs typeface="+mn-cs"/>
         </a:defRPr>
       </a:lvl3pPr>
-      <a:lvl4pPr marL="1260158" indent="-180023" algn="l" defTabSz="720090" rtl="0" eaLnBrk="1" latinLnBrk="0" hangingPunct="1">
+      <a:lvl4pPr marL="1007966" indent="-143995" algn="l" defTabSz="575981" rtl="0" eaLnBrk="1" latinLnBrk="0" hangingPunct="1">
         <a:lnSpc>
           <a:spcPct val="90000"/>
         </a:lnSpc>
         <a:spcBef>
-          <a:spcPts val="394"/>
+          <a:spcPts val="315"/>
         </a:spcBef>
         <a:buFont typeface="Arial" panose="020B0604020202020204" pitchFamily="34" charset="0"/>
         <a:buChar char="•"/>
-        <a:defRPr kumimoji="1" sz="1418" kern="1200">
+        <a:defRPr kumimoji="1" sz="1134" kern="1200">
           <a:solidFill>
             <a:schemeClr val="tx1"/>
           </a:solidFill>
@@ -3065,16 +3540,16 @@
           <a:cs typeface="+mn-cs"/>
         </a:defRPr>
       </a:lvl4pPr>
-      <a:lvl5pPr marL="1620203" indent="-180023" algn="l" defTabSz="720090" rtl="0" eaLnBrk="1" latinLnBrk="0" hangingPunct="1">
+      <a:lvl5pPr marL="1295956" indent="-143995" algn="l" defTabSz="575981" rtl="0" eaLnBrk="1" latinLnBrk="0" hangingPunct="1">
         <a:lnSpc>
           <a:spcPct val="90000"/>
         </a:lnSpc>
         <a:spcBef>
-          <a:spcPts val="394"/>
+          <a:spcPts val="315"/>
         </a:spcBef>
         <a:buFont typeface="Arial" panose="020B0604020202020204" pitchFamily="34" charset="0"/>
         <a:buChar char="•"/>
-        <a:defRPr kumimoji="1" sz="1418" kern="1200">
+        <a:defRPr kumimoji="1" sz="1134" kern="1200">
           <a:solidFill>
             <a:schemeClr val="tx1"/>
           </a:solidFill>
@@ -3083,16 +3558,16 @@
           <a:cs typeface="+mn-cs"/>
         </a:defRPr>
       </a:lvl5pPr>
-      <a:lvl6pPr marL="1980248" indent="-180023" algn="l" defTabSz="720090" rtl="0" eaLnBrk="1" latinLnBrk="0" hangingPunct="1">
+      <a:lvl6pPr marL="1583947" indent="-143995" algn="l" defTabSz="575981" rtl="0" eaLnBrk="1" latinLnBrk="0" hangingPunct="1">
         <a:lnSpc>
           <a:spcPct val="90000"/>
         </a:lnSpc>
         <a:spcBef>
-          <a:spcPts val="394"/>
+          <a:spcPts val="315"/>
         </a:spcBef>
         <a:buFont typeface="Arial" panose="020B0604020202020204" pitchFamily="34" charset="0"/>
         <a:buChar char="•"/>
-        <a:defRPr kumimoji="1" sz="1418" kern="1200">
+        <a:defRPr kumimoji="1" sz="1134" kern="1200">
           <a:solidFill>
             <a:schemeClr val="tx1"/>
           </a:solidFill>
@@ -3101,16 +3576,16 @@
           <a:cs typeface="+mn-cs"/>
         </a:defRPr>
       </a:lvl6pPr>
-      <a:lvl7pPr marL="2340293" indent="-180023" algn="l" defTabSz="720090" rtl="0" eaLnBrk="1" latinLnBrk="0" hangingPunct="1">
+      <a:lvl7pPr marL="1871937" indent="-143995" algn="l" defTabSz="575981" rtl="0" eaLnBrk="1" latinLnBrk="0" hangingPunct="1">
         <a:lnSpc>
           <a:spcPct val="90000"/>
         </a:lnSpc>
         <a:spcBef>
-          <a:spcPts val="394"/>
+          <a:spcPts val="315"/>
         </a:spcBef>
         <a:buFont typeface="Arial" panose="020B0604020202020204" pitchFamily="34" charset="0"/>
         <a:buChar char="•"/>
-        <a:defRPr kumimoji="1" sz="1418" kern="1200">
+        <a:defRPr kumimoji="1" sz="1134" kern="1200">
           <a:solidFill>
             <a:schemeClr val="tx1"/>
           </a:solidFill>
@@ -3119,16 +3594,16 @@
           <a:cs typeface="+mn-cs"/>
         </a:defRPr>
       </a:lvl7pPr>
-      <a:lvl8pPr marL="2700338" indent="-180023" algn="l" defTabSz="720090" rtl="0" eaLnBrk="1" latinLnBrk="0" hangingPunct="1">
+      <a:lvl8pPr marL="2159927" indent="-143995" algn="l" defTabSz="575981" rtl="0" eaLnBrk="1" latinLnBrk="0" hangingPunct="1">
         <a:lnSpc>
           <a:spcPct val="90000"/>
         </a:lnSpc>
         <a:spcBef>
-          <a:spcPts val="394"/>
+          <a:spcPts val="315"/>
         </a:spcBef>
         <a:buFont typeface="Arial" panose="020B0604020202020204" pitchFamily="34" charset="0"/>
         <a:buChar char="•"/>
-        <a:defRPr kumimoji="1" sz="1418" kern="1200">
+        <a:defRPr kumimoji="1" sz="1134" kern="1200">
           <a:solidFill>
             <a:schemeClr val="tx1"/>
           </a:solidFill>
@@ -3137,16 +3612,16 @@
           <a:cs typeface="+mn-cs"/>
         </a:defRPr>
       </a:lvl8pPr>
-      <a:lvl9pPr marL="3060383" indent="-180023" algn="l" defTabSz="720090" rtl="0" eaLnBrk="1" latinLnBrk="0" hangingPunct="1">
+      <a:lvl9pPr marL="2447917" indent="-143995" algn="l" defTabSz="575981" rtl="0" eaLnBrk="1" latinLnBrk="0" hangingPunct="1">
         <a:lnSpc>
           <a:spcPct val="90000"/>
         </a:lnSpc>
         <a:spcBef>
-          <a:spcPts val="394"/>
+          <a:spcPts val="315"/>
         </a:spcBef>
         <a:buFont typeface="Arial" panose="020B0604020202020204" pitchFamily="34" charset="0"/>
         <a:buChar char="•"/>
-        <a:defRPr kumimoji="1" sz="1418" kern="1200">
+        <a:defRPr kumimoji="1" sz="1134" kern="1200">
           <a:solidFill>
             <a:schemeClr val="tx1"/>
           </a:solidFill>
@@ -3160,8 +3635,8 @@
       <a:defPPr>
         <a:defRPr lang="en-US"/>
       </a:defPPr>
-      <a:lvl1pPr marL="0" algn="l" defTabSz="720090" rtl="0" eaLnBrk="1" latinLnBrk="0" hangingPunct="1">
-        <a:defRPr kumimoji="1" sz="1418" kern="1200">
+      <a:lvl1pPr marL="0" algn="l" defTabSz="575981" rtl="0" eaLnBrk="1" latinLnBrk="0" hangingPunct="1">
+        <a:defRPr kumimoji="1" sz="1134" kern="1200">
           <a:solidFill>
             <a:schemeClr val="tx1"/>
           </a:solidFill>
@@ -3170,8 +3645,8 @@
           <a:cs typeface="+mn-cs"/>
         </a:defRPr>
       </a:lvl1pPr>
-      <a:lvl2pPr marL="360045" algn="l" defTabSz="720090" rtl="0" eaLnBrk="1" latinLnBrk="0" hangingPunct="1">
-        <a:defRPr kumimoji="1" sz="1418" kern="1200">
+      <a:lvl2pPr marL="287990" algn="l" defTabSz="575981" rtl="0" eaLnBrk="1" latinLnBrk="0" hangingPunct="1">
+        <a:defRPr kumimoji="1" sz="1134" kern="1200">
           <a:solidFill>
             <a:schemeClr val="tx1"/>
           </a:solidFill>
@@ -3180,8 +3655,8 @@
           <a:cs typeface="+mn-cs"/>
         </a:defRPr>
       </a:lvl2pPr>
-      <a:lvl3pPr marL="720090" algn="l" defTabSz="720090" rtl="0" eaLnBrk="1" latinLnBrk="0" hangingPunct="1">
-        <a:defRPr kumimoji="1" sz="1418" kern="1200">
+      <a:lvl3pPr marL="575981" algn="l" defTabSz="575981" rtl="0" eaLnBrk="1" latinLnBrk="0" hangingPunct="1">
+        <a:defRPr kumimoji="1" sz="1134" kern="1200">
           <a:solidFill>
             <a:schemeClr val="tx1"/>
           </a:solidFill>
@@ -3190,8 +3665,8 @@
           <a:cs typeface="+mn-cs"/>
         </a:defRPr>
       </a:lvl3pPr>
-      <a:lvl4pPr marL="1080135" algn="l" defTabSz="720090" rtl="0" eaLnBrk="1" latinLnBrk="0" hangingPunct="1">
-        <a:defRPr kumimoji="1" sz="1418" kern="1200">
+      <a:lvl4pPr marL="863971" algn="l" defTabSz="575981" rtl="0" eaLnBrk="1" latinLnBrk="0" hangingPunct="1">
+        <a:defRPr kumimoji="1" sz="1134" kern="1200">
           <a:solidFill>
             <a:schemeClr val="tx1"/>
           </a:solidFill>
@@ -3200,8 +3675,8 @@
           <a:cs typeface="+mn-cs"/>
         </a:defRPr>
       </a:lvl4pPr>
-      <a:lvl5pPr marL="1440180" algn="l" defTabSz="720090" rtl="0" eaLnBrk="1" latinLnBrk="0" hangingPunct="1">
-        <a:defRPr kumimoji="1" sz="1418" kern="1200">
+      <a:lvl5pPr marL="1151961" algn="l" defTabSz="575981" rtl="0" eaLnBrk="1" latinLnBrk="0" hangingPunct="1">
+        <a:defRPr kumimoji="1" sz="1134" kern="1200">
           <a:solidFill>
             <a:schemeClr val="tx1"/>
           </a:solidFill>
@@ -3210,8 +3685,8 @@
           <a:cs typeface="+mn-cs"/>
         </a:defRPr>
       </a:lvl5pPr>
-      <a:lvl6pPr marL="1800225" algn="l" defTabSz="720090" rtl="0" eaLnBrk="1" latinLnBrk="0" hangingPunct="1">
-        <a:defRPr kumimoji="1" sz="1418" kern="1200">
+      <a:lvl6pPr marL="1439951" algn="l" defTabSz="575981" rtl="0" eaLnBrk="1" latinLnBrk="0" hangingPunct="1">
+        <a:defRPr kumimoji="1" sz="1134" kern="1200">
           <a:solidFill>
             <a:schemeClr val="tx1"/>
           </a:solidFill>
@@ -3220,8 +3695,8 @@
           <a:cs typeface="+mn-cs"/>
         </a:defRPr>
       </a:lvl6pPr>
-      <a:lvl7pPr marL="2160270" algn="l" defTabSz="720090" rtl="0" eaLnBrk="1" latinLnBrk="0" hangingPunct="1">
-        <a:defRPr kumimoji="1" sz="1418" kern="1200">
+      <a:lvl7pPr marL="1727942" algn="l" defTabSz="575981" rtl="0" eaLnBrk="1" latinLnBrk="0" hangingPunct="1">
+        <a:defRPr kumimoji="1" sz="1134" kern="1200">
           <a:solidFill>
             <a:schemeClr val="tx1"/>
           </a:solidFill>
@@ -3230,8 +3705,8 @@
           <a:cs typeface="+mn-cs"/>
         </a:defRPr>
       </a:lvl7pPr>
-      <a:lvl8pPr marL="2520315" algn="l" defTabSz="720090" rtl="0" eaLnBrk="1" latinLnBrk="0" hangingPunct="1">
-        <a:defRPr kumimoji="1" sz="1418" kern="1200">
+      <a:lvl8pPr marL="2015932" algn="l" defTabSz="575981" rtl="0" eaLnBrk="1" latinLnBrk="0" hangingPunct="1">
+        <a:defRPr kumimoji="1" sz="1134" kern="1200">
           <a:solidFill>
             <a:schemeClr val="tx1"/>
           </a:solidFill>
@@ -3240,8 +3715,8 @@
           <a:cs typeface="+mn-cs"/>
         </a:defRPr>
       </a:lvl8pPr>
-      <a:lvl9pPr marL="2880360" algn="l" defTabSz="720090" rtl="0" eaLnBrk="1" latinLnBrk="0" hangingPunct="1">
-        <a:defRPr kumimoji="1" sz="1418" kern="1200">
+      <a:lvl9pPr marL="2303922" algn="l" defTabSz="575981" rtl="0" eaLnBrk="1" latinLnBrk="0" hangingPunct="1">
+        <a:defRPr kumimoji="1" sz="1134" kern="1200">
           <a:solidFill>
             <a:schemeClr val="tx1"/>
           </a:solidFill>
@@ -3274,7 +3749,7 @@
       </p:grpSpPr>
       <p:pic>
         <p:nvPicPr>
-          <p:cNvPr id="313" name="図 312"/>
+          <p:cNvPr id="3" name="図 2"/>
           <p:cNvPicPr>
             <a:picLocks noChangeAspect="1"/>
           </p:cNvPicPr>
@@ -3288,8 +3763,8 @@
         </p:blipFill>
         <p:spPr>
           <a:xfrm>
-            <a:off x="5668410" y="200339"/>
-            <a:ext cx="6705305" cy="4888980"/>
+            <a:off x="53483" y="191122"/>
+            <a:ext cx="4490290" cy="3971931"/>
           </a:xfrm>
           <a:prstGeom prst="rect">
             <a:avLst/>
@@ -3298,28 +3773,28 @@
       </p:pic>
       <p:grpSp>
         <p:nvGrpSpPr>
-          <p:cNvPr id="328" name="グループ化 327"/>
+          <p:cNvPr id="62" name="グループ化 61"/>
           <p:cNvGrpSpPr/>
           <p:nvPr/>
         </p:nvGrpSpPr>
         <p:grpSpPr>
           <a:xfrm>
-            <a:off x="9650574" y="2384477"/>
-            <a:ext cx="1255665" cy="584775"/>
+            <a:off x="9652350" y="1838040"/>
+            <a:ext cx="1436291" cy="666977"/>
             <a:chOff x="420186" y="5214586"/>
-            <a:chExt cx="1255664" cy="584775"/>
+            <a:chExt cx="1538979" cy="714663"/>
           </a:xfrm>
         </p:grpSpPr>
         <p:sp>
           <p:nvSpPr>
-            <p:cNvPr id="329" name="テキスト ボックス 328"/>
+            <p:cNvPr id="63" name="テキスト ボックス 62"/>
             <p:cNvSpPr txBox="1"/>
             <p:nvPr/>
           </p:nvSpPr>
           <p:spPr>
             <a:xfrm>
               <a:off x="420186" y="5214586"/>
-              <a:ext cx="1255664" cy="584775"/>
+              <a:ext cx="1538979" cy="714663"/>
             </a:xfrm>
             <a:prstGeom prst="rect">
               <a:avLst/>
@@ -3333,30 +3808,30 @@
             <a:lstStyle/>
             <a:p>
               <a:r>
-                <a:rPr lang="en-US" altLang="ja-JP" sz="1600" dirty="0"/>
+                <a:rPr lang="en-US" altLang="ja-JP" sz="1867" dirty="0"/>
                 <a:t>Send</a:t>
               </a:r>
               <a:r>
-                <a:rPr lang="ja-JP" altLang="en-US" sz="1600" dirty="0"/>
+                <a:rPr lang="ja-JP" altLang="en-US" sz="1867" dirty="0"/>
                 <a:t> </a:t>
               </a:r>
               <a:r>
-                <a:rPr lang="en-US" altLang="ja-JP" sz="1600" dirty="0"/>
+                <a:rPr lang="en-US" altLang="ja-JP" sz="1867" dirty="0"/>
                 <a:t>latent</a:t>
               </a:r>
             </a:p>
             <a:p>
               <a:r>
-                <a:rPr lang="en-US" altLang="ja-JP" sz="1600" dirty="0"/>
+                <a:rPr lang="en-US" altLang="ja-JP" sz="1867" dirty="0"/>
                 <a:t> variables     .</a:t>
               </a:r>
-              <a:endParaRPr lang="ja-JP" altLang="en-US" sz="1600" dirty="0"/>
+              <a:endParaRPr lang="ja-JP" altLang="en-US" sz="1867" dirty="0"/>
             </a:p>
           </p:txBody>
         </p:sp>
         <p:pic>
           <p:nvPicPr>
-            <p:cNvPr id="330" name="Picture 2" descr="https://latex.codecogs.com/gif.latex?%5Cinline%20%5Cdpi%7B300%7D%20%5Chuge%20%5Cboldsymbol%7Bz%7D_1"/>
+            <p:cNvPr id="64" name="Picture 2" descr="https://latex.codecogs.com/gif.latex?%5Cinline%20%5Cdpi%7B300%7D%20%5Chuge%20%5Cboldsymbol%7Bz%7D_1"/>
             <p:cNvPicPr>
               <a:picLocks noChangeAspect="1" noChangeArrowheads="1"/>
             </p:cNvPicPr>
@@ -3377,8 +3852,8 @@
           </p:blipFill>
           <p:spPr bwMode="auto">
             <a:xfrm>
-              <a:off x="1322938" y="5570088"/>
-              <a:ext cx="198917" cy="144419"/>
+              <a:off x="1546660" y="5658593"/>
+              <a:ext cx="235575" cy="171034"/>
             </a:xfrm>
             <a:prstGeom prst="rect">
               <a:avLst/>
@@ -3398,28 +3873,28 @@
       </p:grpSp>
       <p:grpSp>
         <p:nvGrpSpPr>
-          <p:cNvPr id="331" name="グループ化 330"/>
+          <p:cNvPr id="65" name="グループ化 64"/>
           <p:cNvGrpSpPr/>
           <p:nvPr/>
         </p:nvGrpSpPr>
         <p:grpSpPr>
           <a:xfrm>
-            <a:off x="12313488" y="2384478"/>
-            <a:ext cx="2086725" cy="584775"/>
+            <a:off x="12339241" y="1838040"/>
+            <a:ext cx="2402132" cy="666977"/>
             <a:chOff x="4646631" y="5061726"/>
-            <a:chExt cx="2086726" cy="584775"/>
+            <a:chExt cx="2573876" cy="714663"/>
           </a:xfrm>
         </p:grpSpPr>
         <p:sp>
           <p:nvSpPr>
-            <p:cNvPr id="332" name="テキスト ボックス 331"/>
+            <p:cNvPr id="66" name="テキスト ボックス 65"/>
             <p:cNvSpPr txBox="1"/>
             <p:nvPr/>
           </p:nvSpPr>
           <p:spPr>
             <a:xfrm>
               <a:off x="4646631" y="5061726"/>
-              <a:ext cx="2086726" cy="584775"/>
+              <a:ext cx="2573876" cy="714663"/>
             </a:xfrm>
             <a:prstGeom prst="rect">
               <a:avLst/>
@@ -3433,22 +3908,22 @@
             <a:lstStyle/>
             <a:p>
               <a:r>
-                <a:rPr lang="en-US" altLang="ja-JP" sz="1600" dirty="0"/>
+                <a:rPr lang="en-US" altLang="ja-JP" sz="1867" dirty="0"/>
                 <a:t>Send mean     of</a:t>
               </a:r>
             </a:p>
             <a:p>
               <a:r>
-                <a:rPr lang="en-US" altLang="ja-JP" sz="1600" dirty="0"/>
+                <a:rPr lang="en-US" altLang="ja-JP" sz="1867" dirty="0"/>
                 <a:t> distribution of classes.</a:t>
               </a:r>
-              <a:endParaRPr lang="ja-JP" altLang="en-US" sz="1600" dirty="0"/>
+              <a:endParaRPr lang="ja-JP" altLang="en-US" sz="1867" dirty="0"/>
             </a:p>
           </p:txBody>
         </p:sp>
         <p:pic>
           <p:nvPicPr>
-            <p:cNvPr id="333" name="Picture 2" descr="https://latex.codecogs.com/gif.latex?%5Cdpi%7B300%7D%20%5Chuge%20%5Cboldsymbol%7B%5Cmu%7D"/>
+            <p:cNvPr id="67" name="Picture 2" descr="https://latex.codecogs.com/gif.latex?%5Cdpi%7B300%7D%20%5Chuge%20%5Cboldsymbol%7B%5Cmu%7D"/>
             <p:cNvPicPr>
               <a:picLocks noChangeAspect="1" noChangeArrowheads="1"/>
             </p:cNvPicPr>
@@ -3469,8 +3944,8 @@
           </p:blipFill>
           <p:spPr bwMode="auto">
             <a:xfrm>
-              <a:off x="5717933" y="5191717"/>
-              <a:ext cx="131038" cy="136995"/>
+              <a:off x="5954619" y="5203976"/>
+              <a:ext cx="174224" cy="182145"/>
             </a:xfrm>
             <a:prstGeom prst="rect">
               <a:avLst/>
@@ -3490,28 +3965,28 @@
       </p:grpSp>
       <p:grpSp>
         <p:nvGrpSpPr>
-          <p:cNvPr id="334" name="グループ化 333"/>
+          <p:cNvPr id="68" name="グループ化 67"/>
           <p:cNvGrpSpPr/>
           <p:nvPr/>
         </p:nvGrpSpPr>
         <p:grpSpPr>
           <a:xfrm>
-            <a:off x="8776080" y="4946981"/>
-            <a:ext cx="1438214" cy="338554"/>
+            <a:off x="8196942" y="3861755"/>
+            <a:ext cx="1542410" cy="379656"/>
             <a:chOff x="1120777" y="2587172"/>
-            <a:chExt cx="1438214" cy="338554"/>
+            <a:chExt cx="1652687" cy="406800"/>
           </a:xfrm>
         </p:grpSpPr>
         <p:sp>
           <p:nvSpPr>
-            <p:cNvPr id="335" name="テキスト ボックス 334"/>
+            <p:cNvPr id="69" name="テキスト ボックス 68"/>
             <p:cNvSpPr txBox="1"/>
             <p:nvPr/>
           </p:nvSpPr>
           <p:spPr>
             <a:xfrm>
               <a:off x="1120777" y="2587172"/>
-              <a:ext cx="1438214" cy="338554"/>
+              <a:ext cx="1652687" cy="406800"/>
             </a:xfrm>
             <a:prstGeom prst="rect">
               <a:avLst/>
@@ -3525,24 +4000,28 @@
             <a:lstStyle/>
             <a:p>
               <a:r>
-                <a:rPr kumimoji="1" lang="en-US" altLang="ja-JP" sz="1600" dirty="0"/>
+                <a:rPr kumimoji="1" lang="en-US" altLang="ja-JP" sz="1867" dirty="0"/>
                 <a:t>Send  </a:t>
               </a:r>
               <a:r>
-                <a:rPr kumimoji="1" lang="ja-JP" altLang="en-US" sz="1600" dirty="0"/>
+                <a:rPr kumimoji="1" lang="ja-JP" altLang="en-US" sz="1867" dirty="0"/>
                 <a:t>  </a:t>
               </a:r>
               <a:r>
-                <a:rPr kumimoji="1" lang="en-US" altLang="ja-JP" sz="1600" dirty="0"/>
-                <a:t>             .</a:t>
+                <a:rPr kumimoji="1" lang="en-US" altLang="ja-JP" sz="1867" dirty="0"/>
+                <a:t>           </a:t>
               </a:r>
-              <a:endParaRPr kumimoji="1" lang="ja-JP" altLang="en-US" sz="1600" dirty="0"/>
+              <a:r>
+                <a:rPr kumimoji="1" lang="en-US" altLang="ja-JP" sz="1867" dirty="0"/>
+                <a:t>.</a:t>
+              </a:r>
+              <a:endParaRPr kumimoji="1" lang="ja-JP" altLang="en-US" sz="1867" dirty="0"/>
             </a:p>
           </p:txBody>
         </p:sp>
         <p:pic>
           <p:nvPicPr>
-            <p:cNvPr id="336" name="Picture 10" descr="https://latex.codecogs.com/gif.latex?%5Cinline%20%5Cdpi%7B300%7D%20%5Chuge%20P%28z_%7B2%7D%7C%5Cboldsymbol%7Bz%7D_1%29"/>
+            <p:cNvPr id="70" name="Picture 10" descr="https://latex.codecogs.com/gif.latex?%5Cinline%20%5Cdpi%7B300%7D%20%5Chuge%20P%28z_%7B2%7D%7C%5Cboldsymbol%7Bz%7D_1%29"/>
             <p:cNvPicPr>
               <a:picLocks noChangeAspect="1" noChangeArrowheads="1"/>
             </p:cNvPicPr>
@@ -3563,8 +4042,8 @@
           </p:blipFill>
           <p:spPr bwMode="auto">
             <a:xfrm>
-              <a:off x="1674933" y="2656202"/>
-              <a:ext cx="725937" cy="213803"/>
+              <a:off x="1747323" y="2661344"/>
+              <a:ext cx="844314" cy="248667"/>
             </a:xfrm>
             <a:prstGeom prst="rect">
               <a:avLst/>
@@ -3584,28 +4063,28 @@
       </p:grpSp>
       <p:grpSp>
         <p:nvGrpSpPr>
-          <p:cNvPr id="337" name="グループ化 336"/>
+          <p:cNvPr id="71" name="グループ化 70"/>
           <p:cNvGrpSpPr/>
           <p:nvPr/>
         </p:nvGrpSpPr>
         <p:grpSpPr>
           <a:xfrm>
-            <a:off x="9131925" y="95422"/>
-            <a:ext cx="1624163" cy="338554"/>
+            <a:off x="9279750" y="47320"/>
+            <a:ext cx="1760418" cy="379656"/>
             <a:chOff x="4675673" y="2356003"/>
-            <a:chExt cx="1624163" cy="338554"/>
+            <a:chExt cx="1886281" cy="406800"/>
           </a:xfrm>
         </p:grpSpPr>
         <p:sp>
           <p:nvSpPr>
-            <p:cNvPr id="338" name="テキスト ボックス 337"/>
+            <p:cNvPr id="72" name="テキスト ボックス 71"/>
             <p:cNvSpPr txBox="1"/>
             <p:nvPr/>
           </p:nvSpPr>
           <p:spPr>
             <a:xfrm>
               <a:off x="4675673" y="2356003"/>
-              <a:ext cx="1624163" cy="338554"/>
+              <a:ext cx="1886281" cy="406800"/>
             </a:xfrm>
             <a:prstGeom prst="rect">
               <a:avLst/>
@@ -3619,16 +4098,20 @@
             <a:lstStyle/>
             <a:p>
               <a:r>
-                <a:rPr kumimoji="1" lang="en-US" altLang="ja-JP" sz="1600" dirty="0"/>
-                <a:t>Send                     .</a:t>
+                <a:rPr kumimoji="1" lang="en-US" altLang="ja-JP" sz="1867" dirty="0"/>
+                <a:t>Send                   </a:t>
               </a:r>
-              <a:endParaRPr kumimoji="1" lang="ja-JP" altLang="en-US" sz="1600" dirty="0"/>
+              <a:r>
+                <a:rPr kumimoji="1" lang="en-US" altLang="ja-JP" sz="1867" dirty="0"/>
+                <a:t>.</a:t>
+              </a:r>
+              <a:endParaRPr kumimoji="1" lang="ja-JP" altLang="en-US" sz="1867" dirty="0"/>
             </a:p>
           </p:txBody>
         </p:sp>
         <p:pic>
           <p:nvPicPr>
-            <p:cNvPr id="339" name="Picture 8" descr="https://latex.codecogs.com/gif.latex?%5Cinline%20%5Cdpi%7B300%7D%20%5Chuge%20P%28z_%7B2%7D%7Cz_%7B3%7D%2C%5Cboldsymbol%7Bo%7D_%7B2%7D%29"/>
+            <p:cNvPr id="73" name="Picture 8" descr="https://latex.codecogs.com/gif.latex?%5Cinline%20%5Cdpi%7B300%7D%20%5Chuge%20P%28z_%7B2%7D%7Cz_%7B3%7D%2C%5Cboldsymbol%7Bo%7D_%7B2%7D%29"/>
             <p:cNvPicPr>
               <a:picLocks noChangeAspect="1" noChangeArrowheads="1"/>
             </p:cNvPicPr>
@@ -3649,8 +4132,8 @@
           </p:blipFill>
           <p:spPr bwMode="auto">
             <a:xfrm>
-              <a:off x="5235777" y="2433984"/>
-              <a:ext cx="894368" cy="192289"/>
+              <a:off x="5313547" y="2462688"/>
+              <a:ext cx="1053790" cy="226565"/>
             </a:xfrm>
             <a:prstGeom prst="rect">
               <a:avLst/>
@@ -3670,14 +4153,14 @@
       </p:grpSp>
       <p:sp>
         <p:nvSpPr>
-          <p:cNvPr id="340" name="テキスト ボックス 339"/>
+          <p:cNvPr id="74" name="テキスト ボックス 73"/>
           <p:cNvSpPr txBox="1"/>
           <p:nvPr/>
         </p:nvSpPr>
         <p:spPr>
           <a:xfrm>
-            <a:off x="7569208" y="1908988"/>
-            <a:ext cx="1678536" cy="830997"/>
+            <a:off x="7453697" y="1297778"/>
+            <a:ext cx="1924886" cy="954300"/>
           </a:xfrm>
           <a:prstGeom prst="rect">
             <a:avLst/>
@@ -3691,49 +4174,49 @@
           <a:lstStyle/>
           <a:p>
             <a:r>
-              <a:rPr lang="en-US" altLang="ja-JP" sz="1600" dirty="0"/>
+              <a:rPr lang="en-US" altLang="ja-JP" sz="1867" dirty="0"/>
               <a:t>Send probabilities</a:t>
             </a:r>
           </a:p>
           <a:p>
             <a:r>
-              <a:rPr lang="en-US" altLang="ja-JP" sz="1600" dirty="0"/>
+              <a:rPr lang="en-US" altLang="ja-JP" sz="1867" dirty="0"/>
               <a:t> of considering</a:t>
             </a:r>
           </a:p>
           <a:p>
             <a:r>
-              <a:rPr lang="en-US" altLang="ja-JP" sz="1600" dirty="0"/>
+              <a:rPr lang="en-US" altLang="ja-JP" sz="1867" dirty="0"/>
               <a:t> transition.</a:t>
             </a:r>
-            <a:endParaRPr lang="ja-JP" altLang="en-US" sz="1600" dirty="0"/>
+            <a:endParaRPr lang="ja-JP" altLang="en-US" sz="1867" dirty="0"/>
           </a:p>
         </p:txBody>
       </p:sp>
       <p:grpSp>
         <p:nvGrpSpPr>
-          <p:cNvPr id="341" name="グループ化 340"/>
+          <p:cNvPr id="75" name="グループ化 74"/>
           <p:cNvGrpSpPr/>
           <p:nvPr/>
         </p:nvGrpSpPr>
         <p:grpSpPr>
           <a:xfrm>
-            <a:off x="4879565" y="2345192"/>
-            <a:ext cx="1577676" cy="338554"/>
+            <a:off x="4548141" y="1825973"/>
+            <a:ext cx="1760418" cy="379656"/>
             <a:chOff x="133148" y="2479749"/>
-            <a:chExt cx="1577677" cy="338554"/>
+            <a:chExt cx="1886282" cy="406800"/>
           </a:xfrm>
         </p:grpSpPr>
         <p:sp>
           <p:nvSpPr>
-            <p:cNvPr id="342" name="テキスト ボックス 341"/>
+            <p:cNvPr id="76" name="テキスト ボックス 75"/>
             <p:cNvSpPr txBox="1"/>
             <p:nvPr/>
           </p:nvSpPr>
           <p:spPr>
             <a:xfrm>
               <a:off x="133148" y="2479749"/>
-              <a:ext cx="1577677" cy="338554"/>
+              <a:ext cx="1886282" cy="406800"/>
             </a:xfrm>
             <a:prstGeom prst="rect">
               <a:avLst/>
@@ -3747,24 +4230,28 @@
             <a:lstStyle/>
             <a:p>
               <a:r>
-                <a:rPr kumimoji="1" lang="en-US" altLang="ja-JP" sz="1600" dirty="0"/>
+                <a:rPr kumimoji="1" lang="en-US" altLang="ja-JP" sz="1867" dirty="0"/>
                 <a:t>Send    </a:t>
               </a:r>
               <a:r>
-                <a:rPr kumimoji="1" lang="ja-JP" altLang="en-US" sz="1600" dirty="0"/>
+                <a:rPr kumimoji="1" lang="ja-JP" altLang="en-US" sz="1867" dirty="0"/>
                 <a:t>  </a:t>
               </a:r>
               <a:r>
-                <a:rPr kumimoji="1" lang="en-US" altLang="ja-JP" sz="1600" dirty="0"/>
-                <a:t>              .</a:t>
+                <a:rPr kumimoji="1" lang="en-US" altLang="ja-JP" sz="1867" dirty="0"/>
+                <a:t>             </a:t>
               </a:r>
-              <a:endParaRPr kumimoji="1" lang="ja-JP" altLang="en-US" sz="1600" dirty="0"/>
+              <a:r>
+                <a:rPr kumimoji="1" lang="en-US" altLang="ja-JP" sz="1867" dirty="0"/>
+                <a:t>.</a:t>
+              </a:r>
+              <a:endParaRPr kumimoji="1" lang="ja-JP" altLang="en-US" sz="1867" dirty="0"/>
             </a:p>
           </p:txBody>
         </p:sp>
         <p:pic>
           <p:nvPicPr>
-            <p:cNvPr id="1026" name="Picture 2" descr="https://latex.codecogs.com/gif.latex?%5Cdpi%7B300%7D%20%5Clarge%20P%28z_3%7Cz_2%2C%5Cboldsymbol%7Bo%7D_2%29"/>
+            <p:cNvPr id="77" name="Picture 2" descr="https://latex.codecogs.com/gif.latex?%5Cdpi%7B300%7D%20%5Clarge%20P%28z_3%7Cz_2%2C%5Cboldsymbol%7Bo%7D_2%29"/>
             <p:cNvPicPr>
               <a:picLocks noChangeAspect="1" noChangeArrowheads="1"/>
             </p:cNvPicPr>
@@ -3785,8 +4272,8 @@
           </p:blipFill>
           <p:spPr bwMode="auto">
             <a:xfrm>
-              <a:off x="671698" y="2554137"/>
-              <a:ext cx="883554" cy="189778"/>
+              <a:off x="789808" y="2573499"/>
+              <a:ext cx="1027775" cy="220755"/>
             </a:xfrm>
             <a:prstGeom prst="rect">
               <a:avLst/>
@@ -3804,34 +4291,2039 @@
           </p:spPr>
         </p:pic>
       </p:grpSp>
-      <p:pic>
-        <p:nvPicPr>
-          <p:cNvPr id="3" name="図 2"/>
-          <p:cNvPicPr>
-            <a:picLocks noChangeAspect="1"/>
-          </p:cNvPicPr>
+      <p:grpSp>
+        <p:nvGrpSpPr>
+          <p:cNvPr id="2" name="グループ化 1"/>
+          <p:cNvGrpSpPr/>
           <p:nvPr/>
-        </p:nvPicPr>
-        <p:blipFill>
-          <a:blip r:embed="rId8"/>
-          <a:stretch>
-            <a:fillRect/>
-          </a:stretch>
-        </p:blipFill>
+        </p:nvGrpSpPr>
+        <p:grpSpPr>
+          <a:xfrm>
+            <a:off x="5605153" y="130300"/>
+            <a:ext cx="6745216" cy="3860587"/>
+            <a:chOff x="5298057" y="525740"/>
+            <a:chExt cx="7227472" cy="4136604"/>
+          </a:xfrm>
+        </p:grpSpPr>
+        <p:grpSp>
+          <p:nvGrpSpPr>
+            <p:cNvPr id="20" name="グループ化 19"/>
+            <p:cNvGrpSpPr/>
+            <p:nvPr/>
+          </p:nvGrpSpPr>
+          <p:grpSpPr>
+            <a:xfrm>
+              <a:off x="5298057" y="525740"/>
+              <a:ext cx="7227472" cy="4136604"/>
+              <a:chOff x="-2717227" y="68256"/>
+              <a:chExt cx="8760213" cy="5013858"/>
+            </a:xfrm>
+          </p:grpSpPr>
+          <p:grpSp>
+            <p:nvGrpSpPr>
+              <p:cNvPr id="21" name="グループ化 20"/>
+              <p:cNvGrpSpPr/>
+              <p:nvPr/>
+            </p:nvGrpSpPr>
+            <p:grpSpPr>
+              <a:xfrm>
+                <a:off x="-2717227" y="68256"/>
+                <a:ext cx="8760213" cy="5013858"/>
+                <a:chOff x="-3680059" y="5631618"/>
+                <a:chExt cx="10565174" cy="6046918"/>
+              </a:xfrm>
+            </p:grpSpPr>
+            <p:grpSp>
+              <p:nvGrpSpPr>
+                <p:cNvPr id="23" name="グループ化 22"/>
+                <p:cNvGrpSpPr/>
+                <p:nvPr/>
+              </p:nvGrpSpPr>
+              <p:grpSpPr>
+                <a:xfrm>
+                  <a:off x="-3680059" y="5631618"/>
+                  <a:ext cx="10565174" cy="6046918"/>
+                  <a:chOff x="-7442723" y="3512561"/>
+                  <a:chExt cx="10565174" cy="6046918"/>
+                </a:xfrm>
+              </p:grpSpPr>
+              <p:grpSp>
+                <p:nvGrpSpPr>
+                  <p:cNvPr id="25" name="グループ化 24"/>
+                  <p:cNvGrpSpPr/>
+                  <p:nvPr/>
+                </p:nvGrpSpPr>
+                <p:grpSpPr>
+                  <a:xfrm>
+                    <a:off x="-7442723" y="6730709"/>
+                    <a:ext cx="3922806" cy="2828767"/>
+                    <a:chOff x="-2527629" y="4610518"/>
+                    <a:chExt cx="2712864" cy="1956269"/>
+                  </a:xfrm>
+                </p:grpSpPr>
+                <p:sp>
+                  <p:nvSpPr>
+                    <p:cNvPr id="53" name="円/楕円 52"/>
+                    <p:cNvSpPr/>
+                    <p:nvPr/>
+                  </p:nvSpPr>
+                  <p:spPr>
+                    <a:xfrm>
+                      <a:off x="-1418412" y="4811165"/>
+                      <a:ext cx="545351" cy="545351"/>
+                    </a:xfrm>
+                    <a:prstGeom prst="ellipse">
+                      <a:avLst/>
+                    </a:prstGeom>
+                    <a:noFill/>
+                    <a:ln w="3175">
+                      <a:solidFill>
+                        <a:schemeClr val="tx1"/>
+                      </a:solidFill>
+                    </a:ln>
+                  </p:spPr>
+                  <p:style>
+                    <a:lnRef idx="2">
+                      <a:schemeClr val="accent1">
+                        <a:shade val="50000"/>
+                      </a:schemeClr>
+                    </a:lnRef>
+                    <a:fillRef idx="1">
+                      <a:schemeClr val="accent1"/>
+                    </a:fillRef>
+                    <a:effectRef idx="0">
+                      <a:schemeClr val="accent1"/>
+                    </a:effectRef>
+                    <a:fontRef idx="minor">
+                      <a:schemeClr val="lt1"/>
+                    </a:fontRef>
+                  </p:style>
+                  <p:txBody>
+                    <a:bodyPr rtlCol="0" anchor="ctr"/>
+                    <a:lstStyle/>
+                    <a:p>
+                      <a:pPr algn="ctr"/>
+                      <a:endParaRPr lang="ja-JP" altLang="en-US" sz="535" dirty="0">
+                        <a:solidFill>
+                          <a:schemeClr val="tx1"/>
+                        </a:solidFill>
+                      </a:endParaRPr>
+                    </a:p>
+                  </p:txBody>
+                </p:sp>
+                <p:sp>
+                  <p:nvSpPr>
+                    <p:cNvPr id="54" name="円/楕円 53"/>
+                    <p:cNvSpPr/>
+                    <p:nvPr/>
+                  </p:nvSpPr>
+                  <p:spPr>
+                    <a:xfrm>
+                      <a:off x="-2329764" y="5899487"/>
+                      <a:ext cx="545351" cy="545351"/>
+                    </a:xfrm>
+                    <a:prstGeom prst="ellipse">
+                      <a:avLst/>
+                    </a:prstGeom>
+                    <a:solidFill>
+                      <a:schemeClr val="bg1">
+                        <a:lumMod val="75000"/>
+                      </a:schemeClr>
+                    </a:solidFill>
+                    <a:ln w="3175">
+                      <a:solidFill>
+                        <a:schemeClr val="tx1"/>
+                      </a:solidFill>
+                    </a:ln>
+                  </p:spPr>
+                  <p:style>
+                    <a:lnRef idx="2">
+                      <a:schemeClr val="accent1">
+                        <a:shade val="50000"/>
+                      </a:schemeClr>
+                    </a:lnRef>
+                    <a:fillRef idx="1">
+                      <a:schemeClr val="accent1"/>
+                    </a:fillRef>
+                    <a:effectRef idx="0">
+                      <a:schemeClr val="accent1"/>
+                    </a:effectRef>
+                    <a:fontRef idx="minor">
+                      <a:schemeClr val="lt1"/>
+                    </a:fontRef>
+                  </p:style>
+                  <p:txBody>
+                    <a:bodyPr rtlCol="0" anchor="ctr"/>
+                    <a:lstStyle/>
+                    <a:p>
+                      <a:pPr marL="78409" algn="ctr"/>
+                      <a:endParaRPr lang="ja-JP" altLang="en-US" sz="535" dirty="0">
+                        <a:solidFill>
+                          <a:schemeClr val="tx1"/>
+                        </a:solidFill>
+                      </a:endParaRPr>
+                    </a:p>
+                  </p:txBody>
+                </p:sp>
+                <p:sp>
+                  <p:nvSpPr>
+                    <p:cNvPr id="55" name="円/楕円 54"/>
+                    <p:cNvSpPr/>
+                    <p:nvPr/>
+                  </p:nvSpPr>
+                  <p:spPr>
+                    <a:xfrm>
+                      <a:off x="-483017" y="5899485"/>
+                      <a:ext cx="545351" cy="545351"/>
+                    </a:xfrm>
+                    <a:prstGeom prst="ellipse">
+                      <a:avLst/>
+                    </a:prstGeom>
+                    <a:noFill/>
+                    <a:ln w="3175">
+                      <a:solidFill>
+                        <a:schemeClr val="tx1"/>
+                      </a:solidFill>
+                    </a:ln>
+                  </p:spPr>
+                  <p:style>
+                    <a:lnRef idx="2">
+                      <a:schemeClr val="accent1">
+                        <a:shade val="50000"/>
+                      </a:schemeClr>
+                    </a:lnRef>
+                    <a:fillRef idx="1">
+                      <a:schemeClr val="accent1"/>
+                    </a:fillRef>
+                    <a:effectRef idx="0">
+                      <a:schemeClr val="accent1"/>
+                    </a:effectRef>
+                    <a:fontRef idx="minor">
+                      <a:schemeClr val="lt1"/>
+                    </a:fontRef>
+                  </p:style>
+                  <p:txBody>
+                    <a:bodyPr rtlCol="0" anchor="ctr"/>
+                    <a:lstStyle/>
+                    <a:p>
+                      <a:pPr marL="78409" algn="ctr"/>
+                      <a:endParaRPr lang="ja-JP" altLang="en-US" sz="535" dirty="0">
+                        <a:solidFill>
+                          <a:schemeClr val="tx1"/>
+                        </a:solidFill>
+                      </a:endParaRPr>
+                    </a:p>
+                  </p:txBody>
+                </p:sp>
+                <p:cxnSp>
+                  <p:nvCxnSpPr>
+                    <p:cNvPr id="56" name="カギ線コネクタ 55"/>
+                    <p:cNvCxnSpPr>
+                      <a:stCxn id="53" idx="4"/>
+                      <a:endCxn id="54" idx="0"/>
+                    </p:cNvCxnSpPr>
+                    <p:nvPr/>
+                  </p:nvCxnSpPr>
+                  <p:spPr>
+                    <a:xfrm rot="5400000">
+                      <a:off x="-1872897" y="5172326"/>
+                      <a:ext cx="542971" cy="911351"/>
+                    </a:xfrm>
+                    <a:prstGeom prst="bentConnector3">
+                      <a:avLst>
+                        <a:gd name="adj1" fmla="val 50000"/>
+                      </a:avLst>
+                    </a:prstGeom>
+                    <a:ln w="3175">
+                      <a:solidFill>
+                        <a:schemeClr val="tx1"/>
+                      </a:solidFill>
+                      <a:headEnd type="none" w="med" len="med"/>
+                      <a:tailEnd type="arrow" w="med" len="med"/>
+                    </a:ln>
+                  </p:spPr>
+                  <p:style>
+                    <a:lnRef idx="1">
+                      <a:schemeClr val="accent1"/>
+                    </a:lnRef>
+                    <a:fillRef idx="0">
+                      <a:schemeClr val="accent1"/>
+                    </a:fillRef>
+                    <a:effectRef idx="0">
+                      <a:schemeClr val="accent1"/>
+                    </a:effectRef>
+                    <a:fontRef idx="minor">
+                      <a:schemeClr val="tx1"/>
+                    </a:fontRef>
+                  </p:style>
+                </p:cxnSp>
+                <p:cxnSp>
+                  <p:nvCxnSpPr>
+                    <p:cNvPr id="57" name="カギ線コネクタ 56"/>
+                    <p:cNvCxnSpPr>
+                      <a:stCxn id="53" idx="4"/>
+                      <a:endCxn id="55" idx="0"/>
+                    </p:cNvCxnSpPr>
+                    <p:nvPr/>
+                  </p:nvCxnSpPr>
+                  <p:spPr>
+                    <a:xfrm rot="16200000" flipH="1">
+                      <a:off x="-949524" y="5160303"/>
+                      <a:ext cx="542969" cy="935394"/>
+                    </a:xfrm>
+                    <a:prstGeom prst="bentConnector3">
+                      <a:avLst>
+                        <a:gd name="adj1" fmla="val 50000"/>
+                      </a:avLst>
+                    </a:prstGeom>
+                    <a:ln w="3175">
+                      <a:solidFill>
+                        <a:schemeClr val="tx1"/>
+                      </a:solidFill>
+                      <a:headEnd type="none" w="med" len="med"/>
+                      <a:tailEnd type="arrow" w="med" len="med"/>
+                    </a:ln>
+                  </p:spPr>
+                  <p:style>
+                    <a:lnRef idx="1">
+                      <a:schemeClr val="accent1"/>
+                    </a:lnRef>
+                    <a:fillRef idx="0">
+                      <a:schemeClr val="accent1"/>
+                    </a:fillRef>
+                    <a:effectRef idx="0">
+                      <a:schemeClr val="accent1"/>
+                    </a:effectRef>
+                    <a:fontRef idx="minor">
+                      <a:schemeClr val="tx1"/>
+                    </a:fontRef>
+                  </p:style>
+                </p:cxnSp>
+                <p:pic>
+                  <p:nvPicPr>
+                    <p:cNvPr id="58" name="図 57" descr="%pptTeX&#10;\begin{document}&#10;\input{contents}&#10;\begin{align*}&#10;o_2&#10;\end{align*}&#10;\end{document}"/>
+                    <p:cNvPicPr>
+                      <a:picLocks noChangeAspect="1"/>
+                    </p:cNvPicPr>
+                    <p:nvPr/>
+                  </p:nvPicPr>
+                  <p:blipFill>
+                    <a:blip r:embed="rId8" cstate="print">
+                      <a:extLst>
+                        <a:ext uri="{28A0092B-C50C-407E-A947-70E740481C1C}">
+                          <a14:useLocalDpi xmlns:a14="http://schemas.microsoft.com/office/drawing/2010/main" val="0"/>
+                        </a:ext>
+                      </a:extLst>
+                    </a:blip>
+                    <a:stretch>
+                      <a:fillRect/>
+                    </a:stretch>
+                  </p:blipFill>
+                  <p:spPr>
+                    <a:xfrm>
+                      <a:off x="-2180716" y="6097397"/>
+                      <a:ext cx="247255" cy="192226"/>
+                    </a:xfrm>
+                    <a:prstGeom prst="rect">
+                      <a:avLst/>
+                    </a:prstGeom>
+                  </p:spPr>
+                </p:pic>
+                <p:sp>
+                  <p:nvSpPr>
+                    <p:cNvPr id="59" name="正方形/長方形 58"/>
+                    <p:cNvSpPr/>
+                    <p:nvPr/>
+                  </p:nvSpPr>
+                  <p:spPr>
+                    <a:xfrm>
+                      <a:off x="-2480906" y="4674343"/>
+                      <a:ext cx="2666141" cy="1892444"/>
+                    </a:xfrm>
+                    <a:prstGeom prst="rect">
+                      <a:avLst/>
+                    </a:prstGeom>
+                    <a:noFill/>
+                    <a:ln w="3175">
+                      <a:solidFill>
+                        <a:schemeClr val="tx1"/>
+                      </a:solidFill>
+                    </a:ln>
+                  </p:spPr>
+                  <p:style>
+                    <a:lnRef idx="2">
+                      <a:schemeClr val="accent1">
+                        <a:shade val="50000"/>
+                      </a:schemeClr>
+                    </a:lnRef>
+                    <a:fillRef idx="1">
+                      <a:schemeClr val="accent1"/>
+                    </a:fillRef>
+                    <a:effectRef idx="0">
+                      <a:schemeClr val="accent1"/>
+                    </a:effectRef>
+                    <a:fontRef idx="minor">
+                      <a:schemeClr val="lt1"/>
+                    </a:fontRef>
+                  </p:style>
+                  <p:txBody>
+                    <a:bodyPr rtlCol="0" anchor="ctr"/>
+                    <a:lstStyle/>
+                    <a:p>
+                      <a:pPr algn="ctr"/>
+                      <a:endParaRPr lang="ja-JP" altLang="en-US" sz="1195"/>
+                    </a:p>
+                  </p:txBody>
+                </p:sp>
+                <p:sp>
+                  <p:nvSpPr>
+                    <p:cNvPr id="60" name="テキスト ボックス 59"/>
+                    <p:cNvSpPr txBox="1"/>
+                    <p:nvPr/>
+                  </p:nvSpPr>
+                  <p:spPr>
+                    <a:xfrm>
+                      <a:off x="-2527629" y="4610518"/>
+                      <a:ext cx="887641" cy="380060"/>
+                    </a:xfrm>
+                    <a:prstGeom prst="rect">
+                      <a:avLst/>
+                    </a:prstGeom>
+                    <a:noFill/>
+                  </p:spPr>
+                  <p:txBody>
+                    <a:bodyPr wrap="none" rtlCol="0">
+                      <a:spAutoFit/>
+                    </a:bodyPr>
+                    <a:lstStyle/>
+                    <a:p>
+                      <a:r>
+                        <a:rPr lang="en-US" altLang="ja-JP" sz="1680" dirty="0">
+                          <a:latin typeface="Times New Roman" panose="02020603050405020304" pitchFamily="18" charset="0"/>
+                          <a:cs typeface="Times New Roman" panose="02020603050405020304" pitchFamily="18" charset="0"/>
+                        </a:rPr>
+                        <a:t>MLDA</a:t>
+                      </a:r>
+                      <a:endParaRPr lang="ja-JP" altLang="en-US" sz="1680" dirty="0">
+                        <a:latin typeface="Times New Roman" panose="02020603050405020304" pitchFamily="18" charset="0"/>
+                        <a:cs typeface="Times New Roman" panose="02020603050405020304" pitchFamily="18" charset="0"/>
+                      </a:endParaRPr>
+                    </a:p>
+                  </p:txBody>
+                </p:sp>
+                <p:sp>
+                  <p:nvSpPr>
+                    <p:cNvPr id="61" name="正方形/長方形 60"/>
+                    <p:cNvSpPr/>
+                    <p:nvPr/>
+                  </p:nvSpPr>
+                  <p:spPr>
+                    <a:xfrm>
+                      <a:off x="-2329764" y="5532889"/>
+                      <a:ext cx="2348200" cy="168687"/>
+                    </a:xfrm>
+                    <a:prstGeom prst="rect">
+                      <a:avLst/>
+                    </a:prstGeom>
+                    <a:solidFill>
+                      <a:schemeClr val="bg1"/>
+                    </a:solidFill>
+                    <a:ln w="3175">
+                      <a:solidFill>
+                        <a:schemeClr val="tx1"/>
+                      </a:solidFill>
+                    </a:ln>
+                  </p:spPr>
+                  <p:style>
+                    <a:lnRef idx="2">
+                      <a:schemeClr val="accent1">
+                        <a:shade val="50000"/>
+                      </a:schemeClr>
+                    </a:lnRef>
+                    <a:fillRef idx="1">
+                      <a:schemeClr val="accent1"/>
+                    </a:fillRef>
+                    <a:effectRef idx="0">
+                      <a:schemeClr val="accent1"/>
+                    </a:effectRef>
+                    <a:fontRef idx="minor">
+                      <a:schemeClr val="lt1"/>
+                    </a:fontRef>
+                  </p:style>
+                  <p:txBody>
+                    <a:bodyPr rtlCol="0" anchor="ctr"/>
+                    <a:lstStyle/>
+                    <a:p>
+                      <a:pPr algn="ctr"/>
+                      <a:endParaRPr lang="ja-JP" altLang="en-US" sz="1195"/>
+                    </a:p>
+                  </p:txBody>
+                </p:sp>
+              </p:grpSp>
+              <p:grpSp>
+                <p:nvGrpSpPr>
+                  <p:cNvPr id="26" name="グループ化 25"/>
+                  <p:cNvGrpSpPr/>
+                  <p:nvPr/>
+                </p:nvGrpSpPr>
+                <p:grpSpPr>
+                  <a:xfrm>
+                    <a:off x="932387" y="3512561"/>
+                    <a:ext cx="2190064" cy="6046918"/>
+                    <a:chOff x="-2238467" y="3271046"/>
+                    <a:chExt cx="2149464" cy="5934822"/>
+                  </a:xfrm>
+                </p:grpSpPr>
+                <p:grpSp>
+                  <p:nvGrpSpPr>
+                    <p:cNvPr id="35" name="グループ化 34"/>
+                    <p:cNvGrpSpPr/>
+                    <p:nvPr/>
+                  </p:nvGrpSpPr>
+                  <p:grpSpPr>
+                    <a:xfrm>
+                      <a:off x="-2238467" y="3271046"/>
+                      <a:ext cx="2149464" cy="5934822"/>
+                      <a:chOff x="-5973572" y="3317375"/>
+                      <a:chExt cx="2149464" cy="5934822"/>
+                    </a:xfrm>
+                  </p:grpSpPr>
+                  <p:cxnSp>
+                    <p:nvCxnSpPr>
+                      <p:cNvPr id="37" name="直線矢印コネクタ 36"/>
+                      <p:cNvCxnSpPr>
+                        <a:stCxn id="40" idx="6"/>
+                        <a:endCxn id="45" idx="2"/>
+                      </p:cNvCxnSpPr>
+                      <p:nvPr/>
+                    </p:nvCxnSpPr>
+                    <p:spPr>
+                      <a:xfrm flipH="1">
+                        <a:off x="-4807356" y="6128945"/>
+                        <a:ext cx="1" cy="601819"/>
+                      </a:xfrm>
+                      <a:prstGeom prst="straightConnector1">
+                        <a:avLst/>
+                      </a:prstGeom>
+                      <a:ln>
+                        <a:solidFill>
+                          <a:schemeClr val="tx1"/>
+                        </a:solidFill>
+                        <a:prstDash val="lgDash"/>
+                        <a:headEnd type="none" w="med" len="med"/>
+                        <a:tailEnd type="arrow" w="med" len="med"/>
+                      </a:ln>
+                    </p:spPr>
+                    <p:style>
+                      <a:lnRef idx="1">
+                        <a:schemeClr val="accent1"/>
+                      </a:lnRef>
+                      <a:fillRef idx="0">
+                        <a:schemeClr val="accent1"/>
+                      </a:fillRef>
+                      <a:effectRef idx="0">
+                        <a:schemeClr val="accent1"/>
+                      </a:effectRef>
+                      <a:fontRef idx="minor">
+                        <a:schemeClr val="tx1"/>
+                      </a:fontRef>
+                    </p:style>
+                  </p:cxnSp>
+                  <p:sp>
+                    <p:nvSpPr>
+                      <p:cNvPr id="38" name="円/楕円 37"/>
+                      <p:cNvSpPr/>
+                      <p:nvPr/>
+                    </p:nvSpPr>
+                    <p:spPr>
+                      <a:xfrm rot="5400000">
+                        <a:off x="-5172872" y="3733701"/>
+                        <a:ext cx="731030" cy="731030"/>
+                      </a:xfrm>
+                      <a:prstGeom prst="ellipse">
+                        <a:avLst/>
+                      </a:prstGeom>
+                      <a:noFill/>
+                      <a:ln w="3175">
+                        <a:solidFill>
+                          <a:schemeClr val="tx1"/>
+                        </a:solidFill>
+                      </a:ln>
+                    </p:spPr>
+                    <p:style>
+                      <a:lnRef idx="2">
+                        <a:schemeClr val="accent1">
+                          <a:shade val="50000"/>
+                        </a:schemeClr>
+                      </a:lnRef>
+                      <a:fillRef idx="1">
+                        <a:schemeClr val="accent1"/>
+                      </a:fillRef>
+                      <a:effectRef idx="0">
+                        <a:schemeClr val="accent1"/>
+                      </a:effectRef>
+                      <a:fontRef idx="minor">
+                        <a:schemeClr val="lt1"/>
+                      </a:fontRef>
+                    </p:style>
+                    <p:txBody>
+                      <a:bodyPr rtlCol="0" anchor="ctr"/>
+                      <a:lstStyle/>
+                      <a:p>
+                        <a:pPr algn="ctr"/>
+                        <a:endParaRPr lang="ja-JP" altLang="en-US" sz="553" dirty="0">
+                          <a:solidFill>
+                            <a:schemeClr val="tx1"/>
+                          </a:solidFill>
+                        </a:endParaRPr>
+                      </a:p>
+                    </p:txBody>
+                  </p:sp>
+                  <p:sp>
+                    <p:nvSpPr>
+                      <p:cNvPr id="39" name="正方形/長方形 38"/>
+                      <p:cNvSpPr/>
+                      <p:nvPr/>
+                    </p:nvSpPr>
+                    <p:spPr>
+                      <a:xfrm rot="5400000">
+                        <a:off x="-6314822" y="3822938"/>
+                        <a:ext cx="2931586" cy="2049842"/>
+                      </a:xfrm>
+                      <a:prstGeom prst="rect">
+                        <a:avLst/>
+                      </a:prstGeom>
+                      <a:noFill/>
+                      <a:ln w="3175">
+                        <a:solidFill>
+                          <a:schemeClr val="tx1"/>
+                        </a:solidFill>
+                      </a:ln>
+                    </p:spPr>
+                    <p:style>
+                      <a:lnRef idx="2">
+                        <a:schemeClr val="accent1">
+                          <a:shade val="50000"/>
+                        </a:schemeClr>
+                      </a:lnRef>
+                      <a:fillRef idx="1">
+                        <a:schemeClr val="accent1"/>
+                      </a:fillRef>
+                      <a:effectRef idx="0">
+                        <a:schemeClr val="accent1"/>
+                      </a:effectRef>
+                      <a:fontRef idx="minor">
+                        <a:schemeClr val="lt1"/>
+                      </a:fontRef>
+                    </p:style>
+                    <p:txBody>
+                      <a:bodyPr rtlCol="0" anchor="ctr"/>
+                      <a:lstStyle/>
+                      <a:p>
+                        <a:pPr algn="ctr"/>
+                        <a:endParaRPr lang="ja-JP" altLang="en-US" sz="386"/>
+                      </a:p>
+                    </p:txBody>
+                  </p:sp>
+                  <p:sp>
+                    <p:nvSpPr>
+                      <p:cNvPr id="40" name="円/楕円 39"/>
+                      <p:cNvSpPr/>
+                      <p:nvPr/>
+                    </p:nvSpPr>
+                    <p:spPr>
+                      <a:xfrm rot="5400000">
+                        <a:off x="-5172872" y="5397916"/>
+                        <a:ext cx="731030" cy="731030"/>
+                      </a:xfrm>
+                      <a:prstGeom prst="ellipse">
+                        <a:avLst/>
+                      </a:prstGeom>
+                      <a:noFill/>
+                      <a:ln w="3175">
+                        <a:solidFill>
+                          <a:schemeClr val="tx1"/>
+                        </a:solidFill>
+                      </a:ln>
+                    </p:spPr>
+                    <p:style>
+                      <a:lnRef idx="2">
+                        <a:schemeClr val="accent1">
+                          <a:shade val="50000"/>
+                        </a:schemeClr>
+                      </a:lnRef>
+                      <a:fillRef idx="1">
+                        <a:schemeClr val="accent1"/>
+                      </a:fillRef>
+                      <a:effectRef idx="0">
+                        <a:schemeClr val="accent1"/>
+                      </a:effectRef>
+                      <a:fontRef idx="minor">
+                        <a:schemeClr val="lt1"/>
+                      </a:fontRef>
+                    </p:style>
+                    <p:txBody>
+                      <a:bodyPr rtlCol="0" anchor="ctr"/>
+                      <a:lstStyle/>
+                      <a:p>
+                        <a:pPr marL="77273" algn="ctr"/>
+                        <a:endParaRPr lang="ja-JP" altLang="en-US" sz="553" dirty="0">
+                          <a:solidFill>
+                            <a:schemeClr val="tx1"/>
+                          </a:solidFill>
+                        </a:endParaRPr>
+                      </a:p>
+                    </p:txBody>
+                  </p:sp>
+                  <p:pic>
+                    <p:nvPicPr>
+                      <p:cNvPr id="41" name="図 40" descr="%pptTeX&#10; \begin{document}&#10;\input{contents}&#10;\begin{align*}&#10;z_1&#10;\end{align*}&#10;\end{document}"/>
+                      <p:cNvPicPr>
+                        <a:picLocks noChangeAspect="1"/>
+                      </p:cNvPicPr>
+                      <p:nvPr/>
+                    </p:nvPicPr>
+                    <p:blipFill>
+                      <a:blip r:embed="rId9" cstate="print">
+                        <a:extLst>
+                          <a:ext uri="{28A0092B-C50C-407E-A947-70E740481C1C}">
+                            <a14:useLocalDpi xmlns:a14="http://schemas.microsoft.com/office/drawing/2010/main" val="0"/>
+                          </a:ext>
+                        </a:extLst>
+                      </a:blip>
+                      <a:stretch>
+                        <a:fillRect/>
+                      </a:stretch>
+                    </p:blipFill>
+                    <p:spPr>
+                      <a:xfrm>
+                        <a:off x="-4974963" y="5615342"/>
+                        <a:ext cx="355872" cy="291874"/>
+                      </a:xfrm>
+                      <a:prstGeom prst="rect">
+                        <a:avLst/>
+                      </a:prstGeom>
+                    </p:spPr>
+                  </p:pic>
+                  <p:pic>
+                    <p:nvPicPr>
+                      <p:cNvPr id="42" name="図 41" descr="%pptTeX&#10; \begin{document}&#10;\input{contents}&#10;\begin{align*}&#10;z_2&#10;\end{align*}&#10;\end{document}"/>
+                      <p:cNvPicPr>
+                        <a:picLocks noChangeAspect="1"/>
+                      </p:cNvPicPr>
+                      <p:nvPr/>
+                    </p:nvPicPr>
+                    <p:blipFill>
+                      <a:blip r:embed="rId10" cstate="print">
+                        <a:extLst>
+                          <a:ext uri="{28A0092B-C50C-407E-A947-70E740481C1C}">
+                            <a14:useLocalDpi xmlns:a14="http://schemas.microsoft.com/office/drawing/2010/main" val="0"/>
+                          </a:ext>
+                        </a:extLst>
+                      </a:blip>
+                      <a:stretch>
+                        <a:fillRect/>
+                      </a:stretch>
+                    </p:blipFill>
+                    <p:spPr>
+                      <a:xfrm>
+                        <a:off x="-4985292" y="3940805"/>
+                        <a:ext cx="365648" cy="291874"/>
+                      </a:xfrm>
+                      <a:prstGeom prst="rect">
+                        <a:avLst/>
+                      </a:prstGeom>
+                    </p:spPr>
+                  </p:pic>
+                  <p:cxnSp>
+                    <p:nvCxnSpPr>
+                      <p:cNvPr id="43" name="直線矢印コネクタ 42"/>
+                      <p:cNvCxnSpPr>
+                        <a:stCxn id="38" idx="6"/>
+                        <a:endCxn id="40" idx="2"/>
+                      </p:cNvCxnSpPr>
+                      <p:nvPr/>
+                    </p:nvCxnSpPr>
+                    <p:spPr>
+                      <a:xfrm>
+                        <a:off x="-4807358" y="4464731"/>
+                        <a:ext cx="0" cy="933185"/>
+                      </a:xfrm>
+                      <a:prstGeom prst="straightConnector1">
+                        <a:avLst/>
+                      </a:prstGeom>
+                      <a:ln>
+                        <a:solidFill>
+                          <a:schemeClr val="tx1"/>
+                        </a:solidFill>
+                        <a:headEnd type="none" w="med" len="med"/>
+                        <a:tailEnd type="arrow" w="med" len="med"/>
+                      </a:ln>
+                    </p:spPr>
+                    <p:style>
+                      <a:lnRef idx="1">
+                        <a:schemeClr val="accent1"/>
+                      </a:lnRef>
+                      <a:fillRef idx="0">
+                        <a:schemeClr val="accent1"/>
+                      </a:fillRef>
+                      <a:effectRef idx="0">
+                        <a:schemeClr val="accent1"/>
+                      </a:effectRef>
+                      <a:fontRef idx="minor">
+                        <a:schemeClr val="tx1"/>
+                      </a:fontRef>
+                    </p:style>
+                  </p:cxnSp>
+                  <p:sp>
+                    <p:nvSpPr>
+                      <p:cNvPr id="44" name="正方形/長方形 43"/>
+                      <p:cNvSpPr/>
+                      <p:nvPr/>
+                    </p:nvSpPr>
+                    <p:spPr>
+                      <a:xfrm>
+                        <a:off x="-5702201" y="4753155"/>
+                        <a:ext cx="1724430" cy="391212"/>
+                      </a:xfrm>
+                      <a:prstGeom prst="rect">
+                        <a:avLst/>
+                      </a:prstGeom>
+                      <a:solidFill>
+                        <a:schemeClr val="bg1"/>
+                      </a:solidFill>
+                      <a:ln w="3175">
+                        <a:solidFill>
+                          <a:schemeClr val="tx1"/>
+                        </a:solidFill>
+                      </a:ln>
+                    </p:spPr>
+                    <p:style>
+                      <a:lnRef idx="2">
+                        <a:schemeClr val="accent1">
+                          <a:shade val="50000"/>
+                        </a:schemeClr>
+                      </a:lnRef>
+                      <a:fillRef idx="1">
+                        <a:schemeClr val="accent1"/>
+                      </a:fillRef>
+                      <a:effectRef idx="0">
+                        <a:schemeClr val="accent1"/>
+                      </a:effectRef>
+                      <a:fontRef idx="minor">
+                        <a:schemeClr val="lt1"/>
+                      </a:fontRef>
+                    </p:style>
+                    <p:txBody>
+                      <a:bodyPr rtlCol="0" anchor="ctr"/>
+                      <a:lstStyle/>
+                      <a:p>
+                        <a:pPr algn="ctr"/>
+                        <a:endParaRPr lang="ja-JP" altLang="en-US" sz="773" dirty="0">
+                          <a:solidFill>
+                            <a:schemeClr val="tx1"/>
+                          </a:solidFill>
+                          <a:latin typeface="ＭＳ 明朝" panose="02020609040205080304" pitchFamily="17" charset="-128"/>
+                          <a:ea typeface="ＭＳ 明朝" panose="02020609040205080304" pitchFamily="17" charset="-128"/>
+                          <a:cs typeface="Times New Roman" panose="02020603050405020304" pitchFamily="18" charset="0"/>
+                        </a:endParaRPr>
+                      </a:p>
+                    </p:txBody>
+                  </p:sp>
+                  <p:sp>
+                    <p:nvSpPr>
+                      <p:cNvPr id="45" name="円/楕円 44"/>
+                      <p:cNvSpPr/>
+                      <p:nvPr/>
+                    </p:nvSpPr>
+                    <p:spPr>
+                      <a:xfrm rot="5400000">
+                        <a:off x="-5172873" y="6730764"/>
+                        <a:ext cx="731030" cy="731030"/>
+                      </a:xfrm>
+                      <a:prstGeom prst="ellipse">
+                        <a:avLst/>
+                      </a:prstGeom>
+                      <a:noFill/>
+                      <a:ln w="3175">
+                        <a:solidFill>
+                          <a:schemeClr val="tx1"/>
+                        </a:solidFill>
+                      </a:ln>
+                    </p:spPr>
+                    <p:style>
+                      <a:lnRef idx="2">
+                        <a:schemeClr val="accent1">
+                          <a:shade val="50000"/>
+                        </a:schemeClr>
+                      </a:lnRef>
+                      <a:fillRef idx="1">
+                        <a:schemeClr val="accent1"/>
+                      </a:fillRef>
+                      <a:effectRef idx="0">
+                        <a:schemeClr val="accent1"/>
+                      </a:effectRef>
+                      <a:fontRef idx="minor">
+                        <a:schemeClr val="lt1"/>
+                      </a:fontRef>
+                    </p:style>
+                    <p:txBody>
+                      <a:bodyPr rtlCol="0" anchor="ctr"/>
+                      <a:lstStyle/>
+                      <a:p>
+                        <a:pPr algn="ctr"/>
+                        <a:endParaRPr lang="ja-JP" altLang="en-US" sz="553" dirty="0">
+                          <a:solidFill>
+                            <a:schemeClr val="tx1"/>
+                          </a:solidFill>
+                        </a:endParaRPr>
+                      </a:p>
+                    </p:txBody>
+                  </p:sp>
+                  <p:sp>
+                    <p:nvSpPr>
+                      <p:cNvPr id="46" name="テキスト ボックス 45"/>
+                      <p:cNvSpPr txBox="1"/>
+                      <p:nvPr/>
+                    </p:nvSpPr>
+                    <p:spPr>
+                      <a:xfrm>
+                        <a:off x="-5962112" y="6484357"/>
+                        <a:ext cx="921342" cy="539379"/>
+                      </a:xfrm>
+                      <a:prstGeom prst="rect">
+                        <a:avLst/>
+                      </a:prstGeom>
+                      <a:noFill/>
+                    </p:spPr>
+                    <p:txBody>
+                      <a:bodyPr wrap="none" rtlCol="0">
+                        <a:spAutoFit/>
+                      </a:bodyPr>
+                      <a:lstStyle/>
+                      <a:p>
+                        <a:pPr algn="ctr"/>
+                        <a:r>
+                          <a:rPr lang="en-US" altLang="ja-JP" sz="1680" dirty="0">
+                            <a:latin typeface="Times New Roman" panose="02020603050405020304" pitchFamily="18" charset="0"/>
+                            <a:ea typeface="ＭＳ 明朝" panose="02020609040205080304" pitchFamily="17" charset="-128"/>
+                            <a:cs typeface="Times New Roman" panose="02020603050405020304" pitchFamily="18" charset="0"/>
+                          </a:rPr>
+                          <a:t>VAE</a:t>
+                        </a:r>
+                        <a:endParaRPr lang="ja-JP" altLang="en-US" sz="1680" dirty="0">
+                          <a:latin typeface="Times New Roman" panose="02020603050405020304" pitchFamily="18" charset="0"/>
+                          <a:cs typeface="Times New Roman" panose="02020603050405020304" pitchFamily="18" charset="0"/>
+                        </a:endParaRPr>
+                      </a:p>
+                    </p:txBody>
+                  </p:sp>
+                  <p:sp>
+                    <p:nvSpPr>
+                      <p:cNvPr id="47" name="正方形/長方形 46"/>
+                      <p:cNvSpPr/>
+                      <p:nvPr/>
+                    </p:nvSpPr>
+                    <p:spPr>
+                      <a:xfrm rot="5400000">
+                        <a:off x="-6191525" y="6884779"/>
+                        <a:ext cx="2684994" cy="2049841"/>
+                      </a:xfrm>
+                      <a:prstGeom prst="rect">
+                        <a:avLst/>
+                      </a:prstGeom>
+                      <a:noFill/>
+                      <a:ln w="3175">
+                        <a:solidFill>
+                          <a:schemeClr val="tx1"/>
+                        </a:solidFill>
+                      </a:ln>
+                    </p:spPr>
+                    <p:style>
+                      <a:lnRef idx="2">
+                        <a:schemeClr val="accent1">
+                          <a:shade val="50000"/>
+                        </a:schemeClr>
+                      </a:lnRef>
+                      <a:fillRef idx="1">
+                        <a:schemeClr val="accent1"/>
+                      </a:fillRef>
+                      <a:effectRef idx="0">
+                        <a:schemeClr val="accent1"/>
+                      </a:effectRef>
+                      <a:fontRef idx="minor">
+                        <a:schemeClr val="lt1"/>
+                      </a:fontRef>
+                    </p:style>
+                    <p:txBody>
+                      <a:bodyPr rtlCol="0" anchor="ctr"/>
+                      <a:lstStyle/>
+                      <a:p>
+                        <a:pPr algn="ctr"/>
+                        <a:endParaRPr lang="ja-JP" altLang="en-US" sz="386"/>
+                      </a:p>
+                    </p:txBody>
+                  </p:sp>
+                  <p:sp>
+                    <p:nvSpPr>
+                      <p:cNvPr id="48" name="円/楕円 47"/>
+                      <p:cNvSpPr/>
+                      <p:nvPr/>
+                    </p:nvSpPr>
+                    <p:spPr>
+                      <a:xfrm rot="5400000">
+                        <a:off x="-5172873" y="8394979"/>
+                        <a:ext cx="731030" cy="731030"/>
+                      </a:xfrm>
+                      <a:prstGeom prst="ellipse">
+                        <a:avLst/>
+                      </a:prstGeom>
+                      <a:solidFill>
+                        <a:schemeClr val="bg1">
+                          <a:lumMod val="75000"/>
+                        </a:schemeClr>
+                      </a:solidFill>
+                      <a:ln w="3175">
+                        <a:solidFill>
+                          <a:schemeClr val="tx1"/>
+                        </a:solidFill>
+                      </a:ln>
+                    </p:spPr>
+                    <p:style>
+                      <a:lnRef idx="2">
+                        <a:schemeClr val="accent1">
+                          <a:shade val="50000"/>
+                        </a:schemeClr>
+                      </a:lnRef>
+                      <a:fillRef idx="1">
+                        <a:schemeClr val="accent1"/>
+                      </a:fillRef>
+                      <a:effectRef idx="0">
+                        <a:schemeClr val="accent1"/>
+                      </a:effectRef>
+                      <a:fontRef idx="minor">
+                        <a:schemeClr val="lt1"/>
+                      </a:fontRef>
+                    </p:style>
+                    <p:txBody>
+                      <a:bodyPr rtlCol="0" anchor="ctr"/>
+                      <a:lstStyle/>
+                      <a:p>
+                        <a:pPr marL="77273" algn="ctr"/>
+                        <a:endParaRPr lang="ja-JP" altLang="en-US" sz="553" dirty="0">
+                          <a:solidFill>
+                            <a:schemeClr val="tx1"/>
+                          </a:solidFill>
+                        </a:endParaRPr>
+                      </a:p>
+                    </p:txBody>
+                  </p:sp>
+                  <p:cxnSp>
+                    <p:nvCxnSpPr>
+                      <p:cNvPr id="49" name="直線矢印コネクタ 48"/>
+                      <p:cNvCxnSpPr>
+                        <a:stCxn id="45" idx="6"/>
+                        <a:endCxn id="48" idx="2"/>
+                      </p:cNvCxnSpPr>
+                      <p:nvPr/>
+                    </p:nvCxnSpPr>
+                    <p:spPr>
+                      <a:xfrm>
+                        <a:off x="-4807359" y="7461795"/>
+                        <a:ext cx="0" cy="933185"/>
+                      </a:xfrm>
+                      <a:prstGeom prst="straightConnector1">
+                        <a:avLst/>
+                      </a:prstGeom>
+                      <a:ln>
+                        <a:solidFill>
+                          <a:schemeClr val="tx1"/>
+                        </a:solidFill>
+                        <a:headEnd type="none" w="med" len="med"/>
+                        <a:tailEnd type="arrow" w="med" len="med"/>
+                      </a:ln>
+                    </p:spPr>
+                    <p:style>
+                      <a:lnRef idx="1">
+                        <a:schemeClr val="accent1"/>
+                      </a:lnRef>
+                      <a:fillRef idx="0">
+                        <a:schemeClr val="accent1"/>
+                      </a:fillRef>
+                      <a:effectRef idx="0">
+                        <a:schemeClr val="accent1"/>
+                      </a:effectRef>
+                      <a:fontRef idx="minor">
+                        <a:schemeClr val="tx1"/>
+                      </a:fontRef>
+                    </p:style>
+                  </p:cxnSp>
+                  <p:pic>
+                    <p:nvPicPr>
+                      <p:cNvPr id="50" name="図 49" descr="%pptTeX&#10; \begin{document}&#10;\input{contents}&#10;\begin{align*}&#10;z_1&#10;\end{align*}&#10;\end{document}"/>
+                      <p:cNvPicPr>
+                        <a:picLocks noChangeAspect="1"/>
+                      </p:cNvPicPr>
+                      <p:nvPr/>
+                    </p:nvPicPr>
+                    <p:blipFill>
+                      <a:blip r:embed="rId9" cstate="print">
+                        <a:extLst>
+                          <a:ext uri="{28A0092B-C50C-407E-A947-70E740481C1C}">
+                            <a14:useLocalDpi xmlns:a14="http://schemas.microsoft.com/office/drawing/2010/main" val="0"/>
+                          </a:ext>
+                        </a:extLst>
+                      </a:blip>
+                      <a:stretch>
+                        <a:fillRect/>
+                      </a:stretch>
+                    </p:blipFill>
+                    <p:spPr>
+                      <a:xfrm>
+                        <a:off x="-4985294" y="6937869"/>
+                        <a:ext cx="355872" cy="291874"/>
+                      </a:xfrm>
+                      <a:prstGeom prst="rect">
+                        <a:avLst/>
+                      </a:prstGeom>
+                    </p:spPr>
+                  </p:pic>
+                  <p:sp>
+                    <p:nvSpPr>
+                      <p:cNvPr id="51" name="正方形/長方形 50">
+                        <a:extLst>
+                          <a:ext uri="{FF2B5EF4-FFF2-40B4-BE49-F238E27FC236}">
+                            <a16:creationId xmlns="" xmlns:a16="http://schemas.microsoft.com/office/drawing/2014/main" id="{438BD5F7-339D-4946-92E2-23C8E841E0C6}"/>
+                          </a:ext>
+                        </a:extLst>
+                      </p:cNvPr>
+                      <p:cNvSpPr/>
+                      <p:nvPr/>
+                    </p:nvSpPr>
+                    <p:spPr>
+                      <a:xfrm>
+                        <a:off x="-5702201" y="7728094"/>
+                        <a:ext cx="1724430" cy="391212"/>
+                      </a:xfrm>
+                      <a:prstGeom prst="rect">
+                        <a:avLst/>
+                      </a:prstGeom>
+                      <a:solidFill>
+                        <a:schemeClr val="bg1"/>
+                      </a:solidFill>
+                      <a:ln w="3175">
+                        <a:solidFill>
+                          <a:schemeClr val="tx1"/>
+                        </a:solidFill>
+                      </a:ln>
+                    </p:spPr>
+                    <p:style>
+                      <a:lnRef idx="2">
+                        <a:schemeClr val="accent1">
+                          <a:shade val="50000"/>
+                        </a:schemeClr>
+                      </a:lnRef>
+                      <a:fillRef idx="1">
+                        <a:schemeClr val="accent1"/>
+                      </a:fillRef>
+                      <a:effectRef idx="0">
+                        <a:schemeClr val="accent1"/>
+                      </a:effectRef>
+                      <a:fontRef idx="minor">
+                        <a:schemeClr val="lt1"/>
+                      </a:fontRef>
+                    </p:style>
+                    <p:txBody>
+                      <a:bodyPr rtlCol="0" anchor="ctr"/>
+                      <a:lstStyle/>
+                      <a:p>
+                        <a:pPr algn="ctr"/>
+                        <a:endParaRPr lang="ja-JP" altLang="en-US" sz="773" dirty="0">
+                          <a:solidFill>
+                            <a:schemeClr val="tx1"/>
+                          </a:solidFill>
+                          <a:latin typeface="ＭＳ 明朝" panose="02020609040205080304" pitchFamily="17" charset="-128"/>
+                          <a:ea typeface="ＭＳ 明朝" panose="02020609040205080304" pitchFamily="17" charset="-128"/>
+                          <a:cs typeface="Times New Roman" panose="02020603050405020304" pitchFamily="18" charset="0"/>
+                        </a:endParaRPr>
+                      </a:p>
+                    </p:txBody>
+                  </p:sp>
+                  <p:sp>
+                    <p:nvSpPr>
+                      <p:cNvPr id="52" name="テキスト ボックス 51"/>
+                      <p:cNvSpPr txBox="1"/>
+                      <p:nvPr/>
+                    </p:nvSpPr>
+                    <p:spPr>
+                      <a:xfrm>
+                        <a:off x="-5973572" y="3317375"/>
+                        <a:ext cx="1114343" cy="539379"/>
+                      </a:xfrm>
+                      <a:prstGeom prst="rect">
+                        <a:avLst/>
+                      </a:prstGeom>
+                      <a:noFill/>
+                    </p:spPr>
+                    <p:txBody>
+                      <a:bodyPr wrap="none" rtlCol="0">
+                        <a:spAutoFit/>
+                      </a:bodyPr>
+                      <a:lstStyle/>
+                      <a:p>
+                        <a:pPr algn="ctr"/>
+                        <a:r>
+                          <a:rPr lang="en-US" altLang="ja-JP" sz="1680" dirty="0">
+                            <a:latin typeface="Times New Roman" panose="02020603050405020304" pitchFamily="18" charset="0"/>
+                            <a:ea typeface="ＭＳ 明朝" panose="02020609040205080304" pitchFamily="17" charset="-128"/>
+                            <a:cs typeface="Times New Roman" panose="02020603050405020304" pitchFamily="18" charset="0"/>
+                          </a:rPr>
+                          <a:t>GMM</a:t>
+                        </a:r>
+                        <a:endParaRPr lang="ja-JP" altLang="en-US" sz="1680" dirty="0">
+                          <a:latin typeface="Times New Roman" panose="02020603050405020304" pitchFamily="18" charset="0"/>
+                          <a:cs typeface="Times New Roman" panose="02020603050405020304" pitchFamily="18" charset="0"/>
+                        </a:endParaRPr>
+                      </a:p>
+                    </p:txBody>
+                  </p:sp>
+                </p:grpSp>
+                <p:pic>
+                  <p:nvPicPr>
+                    <p:cNvPr id="36" name="図 35" descr="%pptTeX&#10;\begin{document}&#10;\input{contents}&#10;\begin{align*}&#10;o_1&#10;\end{align*}&#10;\end{document}"/>
+                    <p:cNvPicPr>
+                      <a:picLocks noChangeAspect="1"/>
+                    </p:cNvPicPr>
+                    <p:nvPr/>
+                  </p:nvPicPr>
+                  <p:blipFill>
+                    <a:blip r:embed="rId11" cstate="print">
+                      <a:extLst>
+                        <a:ext uri="{28A0092B-C50C-407E-A947-70E740481C1C}">
+                          <a14:useLocalDpi xmlns:a14="http://schemas.microsoft.com/office/drawing/2010/main" val="0"/>
+                        </a:ext>
+                      </a:extLst>
+                    </a:blip>
+                    <a:stretch>
+                      <a:fillRect/>
+                    </a:stretch>
+                  </p:blipFill>
+                  <p:spPr>
+                    <a:xfrm>
+                      <a:off x="-1222531" y="8614951"/>
+                      <a:ext cx="343481" cy="274177"/>
+                    </a:xfrm>
+                    <a:prstGeom prst="rect">
+                      <a:avLst/>
+                    </a:prstGeom>
+                  </p:spPr>
+                </p:pic>
+              </p:grpSp>
+              <p:pic>
+                <p:nvPicPr>
+                  <p:cNvPr id="27" name="図 26" descr="%pptTeX&#10; \begin{document}&#10;\input{contents}&#10;\begin{align*}&#10;z_2&#10;\end{align*}&#10;\end{document}"/>
+                  <p:cNvPicPr>
+                    <a:picLocks noChangeAspect="1"/>
+                  </p:cNvPicPr>
+                  <p:nvPr/>
+                </p:nvPicPr>
+                <p:blipFill>
+                  <a:blip r:embed="rId10" cstate="print">
+                    <a:extLst>
+                      <a:ext uri="{28A0092B-C50C-407E-A947-70E740481C1C}">
+                        <a14:useLocalDpi xmlns:a14="http://schemas.microsoft.com/office/drawing/2010/main" val="0"/>
+                      </a:ext>
+                    </a:extLst>
+                  </a:blip>
+                  <a:stretch>
+                    <a:fillRect/>
+                  </a:stretch>
+                </p:blipFill>
+                <p:spPr>
+                  <a:xfrm>
+                    <a:off x="-4255630" y="8857959"/>
+                    <a:ext cx="357541" cy="285403"/>
+                  </a:xfrm>
+                  <a:prstGeom prst="rect">
+                    <a:avLst/>
+                  </a:prstGeom>
+                </p:spPr>
+              </p:pic>
+              <p:grpSp>
+                <p:nvGrpSpPr>
+                  <p:cNvPr id="28" name="グループ化 27"/>
+                  <p:cNvGrpSpPr/>
+                  <p:nvPr/>
+                </p:nvGrpSpPr>
+                <p:grpSpPr>
+                  <a:xfrm>
+                    <a:off x="-6462001" y="4710290"/>
+                    <a:ext cx="2030088" cy="2310556"/>
+                    <a:chOff x="-10676911" y="10371891"/>
+                    <a:chExt cx="2030088" cy="2310556"/>
+                  </a:xfrm>
+                </p:grpSpPr>
+                <p:cxnSp>
+                  <p:nvCxnSpPr>
+                    <p:cNvPr id="31" name="直線矢印コネクタ 30"/>
+                    <p:cNvCxnSpPr>
+                      <a:stCxn id="33" idx="6"/>
+                      <a:endCxn id="53" idx="0"/>
+                    </p:cNvCxnSpPr>
+                    <p:nvPr/>
+                  </p:nvCxnSpPr>
+                  <p:spPr>
+                    <a:xfrm flipH="1">
+                      <a:off x="-9659411" y="11993595"/>
+                      <a:ext cx="6466" cy="688852"/>
+                    </a:xfrm>
+                    <a:prstGeom prst="straightConnector1">
+                      <a:avLst/>
+                    </a:prstGeom>
+                    <a:ln>
+                      <a:solidFill>
+                        <a:schemeClr val="tx1"/>
+                      </a:solidFill>
+                      <a:prstDash val="lgDash"/>
+                      <a:headEnd type="none" w="med" len="med"/>
+                      <a:tailEnd type="arrow" w="med" len="med"/>
+                    </a:ln>
+                  </p:spPr>
+                  <p:style>
+                    <a:lnRef idx="1">
+                      <a:schemeClr val="accent1"/>
+                    </a:lnRef>
+                    <a:fillRef idx="0">
+                      <a:schemeClr val="accent1"/>
+                    </a:fillRef>
+                    <a:effectRef idx="0">
+                      <a:schemeClr val="accent1"/>
+                    </a:effectRef>
+                    <a:fontRef idx="minor">
+                      <a:schemeClr val="tx1"/>
+                    </a:fontRef>
+                  </p:style>
+                </p:cxnSp>
+                <p:sp>
+                  <p:nvSpPr>
+                    <p:cNvPr id="32" name="正方形/長方形 31"/>
+                    <p:cNvSpPr/>
+                    <p:nvPr/>
+                  </p:nvSpPr>
+                  <p:spPr>
+                    <a:xfrm rot="5400000">
+                      <a:off x="-10525953" y="10347907"/>
+                      <a:ext cx="1783952" cy="1974308"/>
+                    </a:xfrm>
+                    <a:prstGeom prst="rect">
+                      <a:avLst/>
+                    </a:prstGeom>
+                    <a:noFill/>
+                    <a:ln w="3175">
+                      <a:solidFill>
+                        <a:schemeClr val="tx1"/>
+                      </a:solidFill>
+                    </a:ln>
+                  </p:spPr>
+                  <p:style>
+                    <a:lnRef idx="2">
+                      <a:schemeClr val="accent1">
+                        <a:shade val="50000"/>
+                      </a:schemeClr>
+                    </a:lnRef>
+                    <a:fillRef idx="1">
+                      <a:schemeClr val="accent1"/>
+                    </a:fillRef>
+                    <a:effectRef idx="0">
+                      <a:schemeClr val="accent1"/>
+                    </a:effectRef>
+                    <a:fontRef idx="minor">
+                      <a:schemeClr val="lt1"/>
+                    </a:fontRef>
+                  </p:style>
+                  <p:txBody>
+                    <a:bodyPr rtlCol="0" anchor="ctr"/>
+                    <a:lstStyle/>
+                    <a:p>
+                      <a:pPr algn="ctr"/>
+                      <a:endParaRPr lang="ja-JP" altLang="en-US" sz="386"/>
+                    </a:p>
+                  </p:txBody>
+                </p:sp>
+                <p:sp>
+                  <p:nvSpPr>
+                    <p:cNvPr id="33" name="円/楕円 32"/>
+                    <p:cNvSpPr/>
+                    <p:nvPr/>
+                  </p:nvSpPr>
+                  <p:spPr>
+                    <a:xfrm rot="5400000">
+                      <a:off x="-10018463" y="11262566"/>
+                      <a:ext cx="731029" cy="731030"/>
+                    </a:xfrm>
+                    <a:prstGeom prst="ellipse">
+                      <a:avLst/>
+                    </a:prstGeom>
+                    <a:noFill/>
+                    <a:ln w="3175">
+                      <a:solidFill>
+                        <a:schemeClr val="tx1"/>
+                      </a:solidFill>
+                    </a:ln>
+                  </p:spPr>
+                  <p:style>
+                    <a:lnRef idx="2">
+                      <a:schemeClr val="accent1">
+                        <a:shade val="50000"/>
+                      </a:schemeClr>
+                    </a:lnRef>
+                    <a:fillRef idx="1">
+                      <a:schemeClr val="accent1"/>
+                    </a:fillRef>
+                    <a:effectRef idx="0">
+                      <a:schemeClr val="accent1"/>
+                    </a:effectRef>
+                    <a:fontRef idx="minor">
+                      <a:schemeClr val="lt1"/>
+                    </a:fontRef>
+                  </p:style>
+                  <p:txBody>
+                    <a:bodyPr rtlCol="0" anchor="ctr"/>
+                    <a:lstStyle/>
+                    <a:p>
+                      <a:pPr marL="77273" algn="ctr"/>
+                      <a:endParaRPr lang="ja-JP" altLang="en-US" sz="553" dirty="0">
+                        <a:solidFill>
+                          <a:schemeClr val="tx1"/>
+                        </a:solidFill>
+                      </a:endParaRPr>
+                    </a:p>
+                  </p:txBody>
+                </p:sp>
+                <p:sp>
+                  <p:nvSpPr>
+                    <p:cNvPr id="34" name="テキスト ボックス 33"/>
+                    <p:cNvSpPr txBox="1"/>
+                    <p:nvPr/>
+                  </p:nvSpPr>
+                  <p:spPr>
+                    <a:xfrm>
+                      <a:off x="-10676911" y="10371891"/>
+                      <a:ext cx="891843" cy="549567"/>
+                    </a:xfrm>
+                    <a:prstGeom prst="rect">
+                      <a:avLst/>
+                    </a:prstGeom>
+                    <a:noFill/>
+                  </p:spPr>
+                  <p:txBody>
+                    <a:bodyPr wrap="none" rtlCol="0">
+                      <a:spAutoFit/>
+                    </a:bodyPr>
+                    <a:lstStyle/>
+                    <a:p>
+                      <a:pPr algn="ctr"/>
+                      <a:r>
+                        <a:rPr lang="en-US" altLang="ja-JP" sz="1680" dirty="0">
+                          <a:latin typeface="Times New Roman" panose="02020603050405020304" pitchFamily="18" charset="0"/>
+                          <a:ea typeface="ＭＳ 明朝" panose="02020609040205080304" pitchFamily="17" charset="-128"/>
+                          <a:cs typeface="Times New Roman" panose="02020603050405020304" pitchFamily="18" charset="0"/>
+                        </a:rPr>
+                        <a:t>MM</a:t>
+                      </a:r>
+                      <a:endParaRPr lang="ja-JP" altLang="en-US" sz="1680" dirty="0">
+                        <a:latin typeface="Times New Roman" panose="02020603050405020304" pitchFamily="18" charset="0"/>
+                        <a:cs typeface="Times New Roman" panose="02020603050405020304" pitchFamily="18" charset="0"/>
+                      </a:endParaRPr>
+                    </a:p>
+                  </p:txBody>
+                </p:sp>
+              </p:grpSp>
+              <p:pic>
+                <p:nvPicPr>
+                  <p:cNvPr id="29" name="図 28"/>
+                  <p:cNvPicPr>
+                    <a:picLocks noChangeAspect="1"/>
+                  </p:cNvPicPr>
+                  <p:nvPr/>
+                </p:nvPicPr>
+                <p:blipFill>
+                  <a:blip r:embed="rId12"/>
+                  <a:stretch>
+                    <a:fillRect/>
+                  </a:stretch>
+                </p:blipFill>
+                <p:spPr>
+                  <a:xfrm>
+                    <a:off x="-5640397" y="5825149"/>
+                    <a:ext cx="425374" cy="348879"/>
+                  </a:xfrm>
+                  <a:prstGeom prst="rect">
+                    <a:avLst/>
+                  </a:prstGeom>
+                </p:spPr>
+              </p:pic>
+              <p:pic>
+                <p:nvPicPr>
+                  <p:cNvPr id="30" name="図 29"/>
+                  <p:cNvPicPr>
+                    <a:picLocks noChangeAspect="1"/>
+                  </p:cNvPicPr>
+                  <p:nvPr/>
+                </p:nvPicPr>
+                <p:blipFill>
+                  <a:blip r:embed="rId12"/>
+                  <a:stretch>
+                    <a:fillRect/>
+                  </a:stretch>
+                </p:blipFill>
+                <p:spPr>
+                  <a:xfrm>
+                    <a:off x="-5671547" y="7275882"/>
+                    <a:ext cx="425376" cy="348879"/>
+                  </a:xfrm>
+                  <a:prstGeom prst="rect">
+                    <a:avLst/>
+                  </a:prstGeom>
+                </p:spPr>
+              </p:pic>
+            </p:grpSp>
+            <p:cxnSp>
+              <p:nvCxnSpPr>
+                <p:cNvPr id="24" name="カギ線コネクタ 23"/>
+                <p:cNvCxnSpPr>
+                  <a:stCxn id="55" idx="6"/>
+                  <a:endCxn id="38" idx="4"/>
+                </p:cNvCxnSpPr>
+                <p:nvPr/>
+              </p:nvCxnSpPr>
+              <p:spPr>
+                <a:xfrm flipV="1">
+                  <a:off x="65032" y="6428225"/>
+                  <a:ext cx="5445843" cy="4679677"/>
+                </a:xfrm>
+                <a:prstGeom prst="bentConnector3">
+                  <a:avLst>
+                    <a:gd name="adj1" fmla="val 42637"/>
+                  </a:avLst>
+                </a:prstGeom>
+                <a:ln>
+                  <a:solidFill>
+                    <a:schemeClr val="tx1"/>
+                  </a:solidFill>
+                  <a:prstDash val="lgDash"/>
+                  <a:tailEnd type="triangle"/>
+                </a:ln>
+              </p:spPr>
+              <p:style>
+                <a:lnRef idx="1">
+                  <a:schemeClr val="accent1"/>
+                </a:lnRef>
+                <a:fillRef idx="0">
+                  <a:schemeClr val="accent1"/>
+                </a:fillRef>
+                <a:effectRef idx="0">
+                  <a:schemeClr val="accent1"/>
+                </a:effectRef>
+                <a:fontRef idx="minor">
+                  <a:schemeClr val="tx1"/>
+                </a:fontRef>
+              </p:style>
+            </p:cxnSp>
+          </p:grpSp>
+          <p:cxnSp>
+            <p:nvCxnSpPr>
+              <p:cNvPr id="22" name="曲線コネクタ 12">
+                <a:extLst>
+                  <a:ext uri="{FF2B5EF4-FFF2-40B4-BE49-F238E27FC236}">
+                    <a16:creationId xmlns="" xmlns:a16="http://schemas.microsoft.com/office/drawing/2014/main" id="{E08517D8-14D6-4B15-BAB0-4902032035FF}"/>
+                  </a:ext>
+                </a:extLst>
+              </p:cNvPr>
+              <p:cNvCxnSpPr>
+                <a:cxnSpLocks/>
+                <a:stCxn id="33" idx="3"/>
+                <a:endCxn id="33" idx="1"/>
+              </p:cNvCxnSpPr>
+              <p:nvPr/>
+            </p:nvCxnSpPr>
+            <p:spPr>
+              <a:xfrm rot="10800000" flipH="1">
+                <a:off x="-1269326" y="1888642"/>
+                <a:ext cx="428605" cy="12700"/>
+              </a:xfrm>
+              <a:prstGeom prst="curvedConnector5">
+                <a:avLst>
+                  <a:gd name="adj1" fmla="val -19935"/>
+                  <a:gd name="adj2" fmla="val 4055707"/>
+                  <a:gd name="adj3" fmla="val 122090"/>
+                </a:avLst>
+              </a:prstGeom>
+              <a:ln>
+                <a:solidFill>
+                  <a:schemeClr val="tx1"/>
+                </a:solidFill>
+                <a:headEnd type="none" w="med" len="med"/>
+                <a:tailEnd type="arrow" w="med" len="med"/>
+              </a:ln>
+            </p:spPr>
+            <p:style>
+              <a:lnRef idx="1">
+                <a:schemeClr val="accent1"/>
+              </a:lnRef>
+              <a:fillRef idx="0">
+                <a:schemeClr val="accent1"/>
+              </a:fillRef>
+              <a:effectRef idx="0">
+                <a:schemeClr val="accent1"/>
+              </a:effectRef>
+              <a:fontRef idx="minor">
+                <a:schemeClr val="tx1"/>
+              </a:fontRef>
+            </p:style>
+          </p:cxnSp>
+        </p:grpSp>
+        <p:cxnSp>
+          <p:nvCxnSpPr>
+            <p:cNvPr id="78" name="直線コネクタ 77"/>
+            <p:cNvCxnSpPr>
+              <a:stCxn id="55" idx="5"/>
+            </p:cNvCxnSpPr>
+            <p:nvPr/>
+          </p:nvCxnSpPr>
+          <p:spPr>
+            <a:xfrm>
+              <a:off x="7781015" y="4462707"/>
+              <a:ext cx="1841520" cy="0"/>
+            </a:xfrm>
+            <a:prstGeom prst="line">
+              <a:avLst/>
+            </a:prstGeom>
+            <a:ln w="19050">
+              <a:solidFill>
+                <a:srgbClr val="FF0000"/>
+              </a:solidFill>
+              <a:prstDash val="dash"/>
+              <a:headEnd type="arrow" w="med" len="med"/>
+              <a:tailEnd type="none" w="med" len="med"/>
+            </a:ln>
+          </p:spPr>
+          <p:style>
+            <a:lnRef idx="1">
+              <a:schemeClr val="accent1"/>
+            </a:lnRef>
+            <a:fillRef idx="0">
+              <a:schemeClr val="accent1"/>
+            </a:fillRef>
+            <a:effectRef idx="0">
+              <a:schemeClr val="accent1"/>
+            </a:effectRef>
+            <a:fontRef idx="minor">
+              <a:schemeClr val="tx1"/>
+            </a:fontRef>
+          </p:style>
+        </p:cxnSp>
+        <p:cxnSp>
+          <p:nvCxnSpPr>
+            <p:cNvPr id="79" name="直線コネクタ 78"/>
+            <p:cNvCxnSpPr>
+              <a:stCxn id="55" idx="7"/>
+            </p:cNvCxnSpPr>
+            <p:nvPr/>
+          </p:nvCxnSpPr>
+          <p:spPr>
+            <a:xfrm flipV="1">
+              <a:off x="7781015" y="4075272"/>
+              <a:ext cx="1483348" cy="5983"/>
+            </a:xfrm>
+            <a:prstGeom prst="line">
+              <a:avLst/>
+            </a:prstGeom>
+            <a:ln w="19050">
+              <a:solidFill>
+                <a:srgbClr val="FF0000"/>
+              </a:solidFill>
+              <a:prstDash val="dash"/>
+              <a:headEnd type="none" w="med" len="med"/>
+              <a:tailEnd type="none" w="med" len="med"/>
+            </a:ln>
+          </p:spPr>
+          <p:style>
+            <a:lnRef idx="1">
+              <a:schemeClr val="accent1"/>
+            </a:lnRef>
+            <a:fillRef idx="0">
+              <a:schemeClr val="accent1"/>
+            </a:fillRef>
+            <a:effectRef idx="0">
+              <a:schemeClr val="accent1"/>
+            </a:effectRef>
+            <a:fontRef idx="minor">
+              <a:schemeClr val="tx1"/>
+            </a:fontRef>
+          </p:style>
+        </p:cxnSp>
+        <p:cxnSp>
+          <p:nvCxnSpPr>
+            <p:cNvPr id="80" name="直線コネクタ 79"/>
+            <p:cNvCxnSpPr/>
+            <p:nvPr/>
+          </p:nvCxnSpPr>
+          <p:spPr>
+            <a:xfrm flipV="1">
+              <a:off x="9268916" y="885636"/>
+              <a:ext cx="1" cy="3201294"/>
+            </a:xfrm>
+            <a:prstGeom prst="line">
+              <a:avLst/>
+            </a:prstGeom>
+            <a:ln w="19050">
+              <a:solidFill>
+                <a:srgbClr val="FF0000"/>
+              </a:solidFill>
+              <a:prstDash val="dash"/>
+            </a:ln>
+          </p:spPr>
+          <p:style>
+            <a:lnRef idx="1">
+              <a:schemeClr val="accent1"/>
+            </a:lnRef>
+            <a:fillRef idx="0">
+              <a:schemeClr val="accent1"/>
+            </a:fillRef>
+            <a:effectRef idx="0">
+              <a:schemeClr val="accent1"/>
+            </a:effectRef>
+            <a:fontRef idx="minor">
+              <a:schemeClr val="tx1"/>
+            </a:fontRef>
+          </p:style>
+        </p:cxnSp>
+        <p:cxnSp>
+          <p:nvCxnSpPr>
+            <p:cNvPr id="81" name="直線コネクタ 80"/>
+            <p:cNvCxnSpPr/>
+            <p:nvPr/>
+          </p:nvCxnSpPr>
+          <p:spPr>
+            <a:xfrm flipH="1" flipV="1">
+              <a:off x="9622535" y="1250833"/>
+              <a:ext cx="1" cy="3206199"/>
+            </a:xfrm>
+            <a:prstGeom prst="line">
+              <a:avLst/>
+            </a:prstGeom>
+            <a:ln w="19050">
+              <a:solidFill>
+                <a:srgbClr val="FF0000"/>
+              </a:solidFill>
+              <a:prstDash val="dash"/>
+            </a:ln>
+          </p:spPr>
+          <p:style>
+            <a:lnRef idx="1">
+              <a:schemeClr val="accent1"/>
+            </a:lnRef>
+            <a:fillRef idx="0">
+              <a:schemeClr val="accent1"/>
+            </a:fillRef>
+            <a:effectRef idx="0">
+              <a:schemeClr val="accent1"/>
+            </a:effectRef>
+            <a:fontRef idx="minor">
+              <a:schemeClr val="tx1"/>
+            </a:fontRef>
+          </p:style>
+        </p:cxnSp>
+        <p:cxnSp>
+          <p:nvCxnSpPr>
+            <p:cNvPr id="82" name="直線コネクタ 81"/>
+            <p:cNvCxnSpPr>
+              <a:endCxn id="38" idx="5"/>
+            </p:cNvCxnSpPr>
+            <p:nvPr/>
+          </p:nvCxnSpPr>
+          <p:spPr>
+            <a:xfrm>
+              <a:off x="9622535" y="1250833"/>
+              <a:ext cx="2037517" cy="0"/>
+            </a:xfrm>
+            <a:prstGeom prst="line">
+              <a:avLst/>
+            </a:prstGeom>
+            <a:ln w="19050">
+              <a:solidFill>
+                <a:srgbClr val="FF0000"/>
+              </a:solidFill>
+              <a:prstDash val="dash"/>
+              <a:headEnd type="none" w="med" len="med"/>
+              <a:tailEnd type="none" w="med" len="med"/>
+            </a:ln>
+          </p:spPr>
+          <p:style>
+            <a:lnRef idx="1">
+              <a:schemeClr val="accent1"/>
+            </a:lnRef>
+            <a:fillRef idx="0">
+              <a:schemeClr val="accent1"/>
+            </a:fillRef>
+            <a:effectRef idx="0">
+              <a:schemeClr val="accent1"/>
+            </a:effectRef>
+            <a:fontRef idx="minor">
+              <a:schemeClr val="tx1"/>
+            </a:fontRef>
+          </p:style>
+        </p:cxnSp>
+        <p:cxnSp>
+          <p:nvCxnSpPr>
+            <p:cNvPr id="83" name="直線コネクタ 82"/>
+            <p:cNvCxnSpPr>
+              <a:endCxn id="38" idx="3"/>
+            </p:cNvCxnSpPr>
+            <p:nvPr/>
+          </p:nvCxnSpPr>
+          <p:spPr>
+            <a:xfrm>
+              <a:off x="9264365" y="888954"/>
+              <a:ext cx="2395687" cy="1585"/>
+            </a:xfrm>
+            <a:prstGeom prst="line">
+              <a:avLst/>
+            </a:prstGeom>
+            <a:ln w="19050">
+              <a:solidFill>
+                <a:srgbClr val="FF0000"/>
+              </a:solidFill>
+              <a:prstDash val="dash"/>
+              <a:headEnd type="none" w="med" len="med"/>
+              <a:tailEnd type="arrow" w="med" len="med"/>
+            </a:ln>
+          </p:spPr>
+          <p:style>
+            <a:lnRef idx="1">
+              <a:schemeClr val="accent1"/>
+            </a:lnRef>
+            <a:fillRef idx="0">
+              <a:schemeClr val="accent1"/>
+            </a:fillRef>
+            <a:effectRef idx="0">
+              <a:schemeClr val="accent1"/>
+            </a:effectRef>
+            <a:fontRef idx="minor">
+              <a:schemeClr val="tx1"/>
+            </a:fontRef>
+          </p:style>
+        </p:cxnSp>
+      </p:grpSp>
+      <p:cxnSp>
+        <p:nvCxnSpPr>
+          <p:cNvPr id="84" name="曲線コネクタ 83"/>
+          <p:cNvCxnSpPr>
+            <a:stCxn id="53" idx="1"/>
+            <a:endCxn id="33" idx="5"/>
+          </p:cNvCxnSpPr>
+          <p:nvPr/>
+        </p:nvCxnSpPr>
+        <p:spPr>
+          <a:xfrm rot="5400000" flipH="1" flipV="1">
+            <a:off x="6420521" y="2144360"/>
+            <a:ext cx="581868" cy="17118"/>
+          </a:xfrm>
+          <a:prstGeom prst="curvedConnector4">
+            <a:avLst>
+              <a:gd name="adj1" fmla="val 208"/>
+              <a:gd name="adj2" fmla="val -87973"/>
+            </a:avLst>
+          </a:prstGeom>
+          <a:ln w="19050">
+            <a:solidFill>
+              <a:srgbClr val="FF0000"/>
+            </a:solidFill>
+            <a:prstDash val="dash"/>
+            <a:headEnd type="none" w="med" len="med"/>
+            <a:tailEnd type="arrow" w="med" len="med"/>
+          </a:ln>
+        </p:spPr>
+        <p:style>
+          <a:lnRef idx="1">
+            <a:schemeClr val="accent1"/>
+          </a:lnRef>
+          <a:fillRef idx="0">
+            <a:schemeClr val="accent1"/>
+          </a:fillRef>
+          <a:effectRef idx="0">
+            <a:schemeClr val="accent1"/>
+          </a:effectRef>
+          <a:fontRef idx="minor">
+            <a:schemeClr val="tx1"/>
+          </a:fontRef>
+        </p:style>
+      </p:cxnSp>
+      <p:cxnSp>
+        <p:nvCxnSpPr>
+          <p:cNvPr id="85" name="曲線コネクタ 84"/>
+          <p:cNvCxnSpPr>
+            <a:stCxn id="33" idx="7"/>
+            <a:endCxn id="53" idx="7"/>
+          </p:cNvCxnSpPr>
+          <p:nvPr/>
+        </p:nvCxnSpPr>
         <p:spPr>
           <a:xfrm>
-            <a:off x="68237" y="668182"/>
-            <a:ext cx="4811328" cy="4255908"/>
+            <a:off x="7050031" y="1861985"/>
+            <a:ext cx="8862" cy="581868"/>
           </a:xfrm>
-          <a:prstGeom prst="rect">
-            <a:avLst/>
+          <a:prstGeom prst="curvedConnector4">
+            <a:avLst>
+              <a:gd name="adj1" fmla="val 320977"/>
+              <a:gd name="adj2" fmla="val 96592"/>
+            </a:avLst>
           </a:prstGeom>
+          <a:ln w="19050">
+            <a:solidFill>
+              <a:srgbClr val="FF0000"/>
+            </a:solidFill>
+            <a:prstDash val="dash"/>
+            <a:headEnd type="none" w="med" len="med"/>
+            <a:tailEnd type="arrow" w="med" len="med"/>
+          </a:ln>
         </p:spPr>
-      </p:pic>
+        <p:style>
+          <a:lnRef idx="1">
+            <a:schemeClr val="accent1"/>
+          </a:lnRef>
+          <a:fillRef idx="0">
+            <a:schemeClr val="accent1"/>
+          </a:fillRef>
+          <a:effectRef idx="0">
+            <a:schemeClr val="accent1"/>
+          </a:effectRef>
+          <a:fontRef idx="minor">
+            <a:schemeClr val="tx1"/>
+          </a:fontRef>
+        </p:style>
+      </p:cxnSp>
+      <p:cxnSp>
+        <p:nvCxnSpPr>
+          <p:cNvPr id="86" name="曲線コネクタ 85"/>
+          <p:cNvCxnSpPr>
+            <a:stCxn id="40" idx="7"/>
+            <a:endCxn id="45" idx="1"/>
+          </p:cNvCxnSpPr>
+          <p:nvPr/>
+        </p:nvCxnSpPr>
+        <p:spPr>
+          <a:xfrm flipH="1">
+            <a:off x="11878897" y="1889580"/>
+            <a:ext cx="1" cy="530761"/>
+          </a:xfrm>
+          <a:prstGeom prst="curvedConnector3">
+            <a:avLst>
+              <a:gd name="adj1" fmla="val -2147483647"/>
+            </a:avLst>
+          </a:prstGeom>
+          <a:ln w="19050">
+            <a:solidFill>
+              <a:srgbClr val="FF0000"/>
+            </a:solidFill>
+            <a:prstDash val="dash"/>
+            <a:headEnd type="none" w="med" len="med"/>
+            <a:tailEnd type="arrow" w="med" len="med"/>
+          </a:ln>
+        </p:spPr>
+        <p:style>
+          <a:lnRef idx="1">
+            <a:schemeClr val="accent1"/>
+          </a:lnRef>
+          <a:fillRef idx="0">
+            <a:schemeClr val="accent1"/>
+          </a:fillRef>
+          <a:effectRef idx="0">
+            <a:schemeClr val="accent1"/>
+          </a:effectRef>
+          <a:fontRef idx="minor">
+            <a:schemeClr val="tx1"/>
+          </a:fontRef>
+        </p:style>
+      </p:cxnSp>
+      <p:cxnSp>
+        <p:nvCxnSpPr>
+          <p:cNvPr id="87" name="曲線コネクタ 86"/>
+          <p:cNvCxnSpPr>
+            <a:stCxn id="45" idx="3"/>
+            <a:endCxn id="40" idx="5"/>
+          </p:cNvCxnSpPr>
+          <p:nvPr/>
+        </p:nvCxnSpPr>
+        <p:spPr>
+          <a:xfrm rot="10800000" flipH="1">
+            <a:off x="11542643" y="1889580"/>
+            <a:ext cx="1" cy="530761"/>
+          </a:xfrm>
+          <a:prstGeom prst="curvedConnector3">
+            <a:avLst>
+              <a:gd name="adj1" fmla="val -2147483647"/>
+            </a:avLst>
+          </a:prstGeom>
+          <a:ln w="19050">
+            <a:solidFill>
+              <a:srgbClr val="FF0000"/>
+            </a:solidFill>
+            <a:prstDash val="dash"/>
+            <a:headEnd type="none" w="med" len="med"/>
+            <a:tailEnd type="arrow" w="med" len="med"/>
+          </a:ln>
+        </p:spPr>
+        <p:style>
+          <a:lnRef idx="1">
+            <a:schemeClr val="accent1"/>
+          </a:lnRef>
+          <a:fillRef idx="0">
+            <a:schemeClr val="accent1"/>
+          </a:fillRef>
+          <a:effectRef idx="0">
+            <a:schemeClr val="accent1"/>
+          </a:effectRef>
+          <a:fontRef idx="minor">
+            <a:schemeClr val="tx1"/>
+          </a:fontRef>
+        </p:style>
+      </p:cxnSp>
     </p:spTree>
     <p:extLst>
       <p:ext uri="{BB962C8B-B14F-4D97-AF65-F5344CB8AC3E}">
         <p14:creationId xmlns:p14="http://schemas.microsoft.com/office/powerpoint/2010/main" val="657199346"/>
+      </p:ext>
+    </p:extLst>
+  </p:cSld>
+  <p:clrMapOvr>
+    <a:masterClrMapping/>
+  </p:clrMapOvr>
+</p:sld>
+</file>
+
+<file path=ppt/slides/slide2.xml><?xml version="1.0" encoding="utf-8"?>
+<p:sld xmlns:a="http://schemas.openxmlformats.org/drawingml/2006/main" xmlns:r="http://schemas.openxmlformats.org/officeDocument/2006/relationships" xmlns:p="http://schemas.openxmlformats.org/presentationml/2006/main">
+  <p:cSld>
+    <p:spTree>
+      <p:nvGrpSpPr>
+        <p:cNvPr id="1" name=""/>
+        <p:cNvGrpSpPr/>
+        <p:nvPr/>
+      </p:nvGrpSpPr>
+      <p:grpSpPr>
+        <a:xfrm>
+          <a:off x="0" y="0"/>
+          <a:ext cx="0" cy="0"/>
+          <a:chOff x="0" y="0"/>
+          <a:chExt cx="0" cy="0"/>
+        </a:xfrm>
+      </p:grpSpPr>
+    </p:spTree>
+    <p:extLst>
+      <p:ext uri="{BB962C8B-B14F-4D97-AF65-F5344CB8AC3E}">
+        <p14:creationId xmlns:p14="http://schemas.microsoft.com/office/powerpoint/2010/main" val="1967132961"/>
       </p:ext>
     </p:extLst>
   </p:cSld>
@@ -4100,4 +6592,265 @@
     </a:ext>
   </a:extLst>
 </a:theme>
+</file>
+
+<file path=ppt/theme/theme2.xml><?xml version="1.0" encoding="utf-8"?>
+<a:theme xmlns:a="http://schemas.openxmlformats.org/drawingml/2006/main" name="Office テーマ">
+  <a:themeElements>
+    <a:clrScheme name="Office">
+      <a:dk1>
+        <a:sysClr val="windowText" lastClr="000000"/>
+      </a:dk1>
+      <a:lt1>
+        <a:sysClr val="window" lastClr="FFFFFF"/>
+      </a:lt1>
+      <a:dk2>
+        <a:srgbClr val="44546A"/>
+      </a:dk2>
+      <a:lt2>
+        <a:srgbClr val="E7E6E6"/>
+      </a:lt2>
+      <a:accent1>
+        <a:srgbClr val="5B9BD5"/>
+      </a:accent1>
+      <a:accent2>
+        <a:srgbClr val="ED7D31"/>
+      </a:accent2>
+      <a:accent3>
+        <a:srgbClr val="A5A5A5"/>
+      </a:accent3>
+      <a:accent4>
+        <a:srgbClr val="FFC000"/>
+      </a:accent4>
+      <a:accent5>
+        <a:srgbClr val="4472C4"/>
+      </a:accent5>
+      <a:accent6>
+        <a:srgbClr val="70AD47"/>
+      </a:accent6>
+      <a:hlink>
+        <a:srgbClr val="0563C1"/>
+      </a:hlink>
+      <a:folHlink>
+        <a:srgbClr val="954F72"/>
+      </a:folHlink>
+    </a:clrScheme>
+    <a:fontScheme name="Office">
+      <a:majorFont>
+        <a:latin typeface="Calibri Light" panose="020F0302020204030204"/>
+        <a:ea typeface=""/>
+        <a:cs typeface=""/>
+        <a:font script="Jpan" typeface="ＭＳ Ｐゴシック"/>
+        <a:font script="Hang" typeface="맑은 고딕"/>
+        <a:font script="Hans" typeface="宋体"/>
+        <a:font script="Hant" typeface="新細明體"/>
+        <a:font script="Arab" typeface="Times New Roman"/>
+        <a:font script="Hebr" typeface="Times New Roman"/>
+        <a:font script="Thai" typeface="Angsana New"/>
+        <a:font script="Ethi" typeface="Nyala"/>
+        <a:font script="Beng" typeface="Vrinda"/>
+        <a:font script="Gujr" typeface="Shruti"/>
+        <a:font script="Khmr" typeface="MoolBoran"/>
+        <a:font script="Knda" typeface="Tunga"/>
+        <a:font script="Guru" typeface="Raavi"/>
+        <a:font script="Cans" typeface="Euphemia"/>
+        <a:font script="Cher" typeface="Plantagenet Cherokee"/>
+        <a:font script="Yiii" typeface="Microsoft Yi Baiti"/>
+        <a:font script="Tibt" typeface="Microsoft Himalaya"/>
+        <a:font script="Thaa" typeface="MV Boli"/>
+        <a:font script="Deva" typeface="Mangal"/>
+        <a:font script="Telu" typeface="Gautami"/>
+        <a:font script="Taml" typeface="Latha"/>
+        <a:font script="Syrc" typeface="Estrangelo Edessa"/>
+        <a:font script="Orya" typeface="Kalinga"/>
+        <a:font script="Mlym" typeface="Kartika"/>
+        <a:font script="Laoo" typeface="DokChampa"/>
+        <a:font script="Sinh" typeface="Iskoola Pota"/>
+        <a:font script="Mong" typeface="Mongolian Baiti"/>
+        <a:font script="Viet" typeface="Times New Roman"/>
+        <a:font script="Uigh" typeface="Microsoft Uighur"/>
+        <a:font script="Geor" typeface="Sylfaen"/>
+      </a:majorFont>
+      <a:minorFont>
+        <a:latin typeface="Calibri" panose="020F0502020204030204"/>
+        <a:ea typeface=""/>
+        <a:cs typeface=""/>
+        <a:font script="Jpan" typeface="ＭＳ Ｐゴシック"/>
+        <a:font script="Hang" typeface="맑은 고딕"/>
+        <a:font script="Hans" typeface="宋体"/>
+        <a:font script="Hant" typeface="新細明體"/>
+        <a:font script="Arab" typeface="Arial"/>
+        <a:font script="Hebr" typeface="Arial"/>
+        <a:font script="Thai" typeface="Cordia New"/>
+        <a:font script="Ethi" typeface="Nyala"/>
+        <a:font script="Beng" typeface="Vrinda"/>
+        <a:font script="Gujr" typeface="Shruti"/>
+        <a:font script="Khmr" typeface="DaunPenh"/>
+        <a:font script="Knda" typeface="Tunga"/>
+        <a:font script="Guru" typeface="Raavi"/>
+        <a:font script="Cans" typeface="Euphemia"/>
+        <a:font script="Cher" typeface="Plantagenet Cherokee"/>
+        <a:font script="Yiii" typeface="Microsoft Yi Baiti"/>
+        <a:font script="Tibt" typeface="Microsoft Himalaya"/>
+        <a:font script="Thaa" typeface="MV Boli"/>
+        <a:font script="Deva" typeface="Mangal"/>
+        <a:font script="Telu" typeface="Gautami"/>
+        <a:font script="Taml" typeface="Latha"/>
+        <a:font script="Syrc" typeface="Estrangelo Edessa"/>
+        <a:font script="Orya" typeface="Kalinga"/>
+        <a:font script="Mlym" typeface="Kartika"/>
+        <a:font script="Laoo" typeface="DokChampa"/>
+        <a:font script="Sinh" typeface="Iskoola Pota"/>
+        <a:font script="Mong" typeface="Mongolian Baiti"/>
+        <a:font script="Viet" typeface="Arial"/>
+        <a:font script="Uigh" typeface="Microsoft Uighur"/>
+        <a:font script="Geor" typeface="Sylfaen"/>
+      </a:minorFont>
+    </a:fontScheme>
+    <a:fmtScheme name="Office">
+      <a:fillStyleLst>
+        <a:solidFill>
+          <a:schemeClr val="phClr"/>
+        </a:solidFill>
+        <a:gradFill rotWithShape="1">
+          <a:gsLst>
+            <a:gs pos="0">
+              <a:schemeClr val="phClr">
+                <a:lumMod val="110000"/>
+                <a:satMod val="105000"/>
+                <a:tint val="67000"/>
+              </a:schemeClr>
+            </a:gs>
+            <a:gs pos="50000">
+              <a:schemeClr val="phClr">
+                <a:lumMod val="105000"/>
+                <a:satMod val="103000"/>
+                <a:tint val="73000"/>
+              </a:schemeClr>
+            </a:gs>
+            <a:gs pos="100000">
+              <a:schemeClr val="phClr">
+                <a:lumMod val="105000"/>
+                <a:satMod val="109000"/>
+                <a:tint val="81000"/>
+              </a:schemeClr>
+            </a:gs>
+          </a:gsLst>
+          <a:lin ang="5400000" scaled="0"/>
+        </a:gradFill>
+        <a:gradFill rotWithShape="1">
+          <a:gsLst>
+            <a:gs pos="0">
+              <a:schemeClr val="phClr">
+                <a:satMod val="103000"/>
+                <a:lumMod val="102000"/>
+                <a:tint val="94000"/>
+              </a:schemeClr>
+            </a:gs>
+            <a:gs pos="50000">
+              <a:schemeClr val="phClr">
+                <a:satMod val="110000"/>
+                <a:lumMod val="100000"/>
+                <a:shade val="100000"/>
+              </a:schemeClr>
+            </a:gs>
+            <a:gs pos="100000">
+              <a:schemeClr val="phClr">
+                <a:lumMod val="99000"/>
+                <a:satMod val="120000"/>
+                <a:shade val="78000"/>
+              </a:schemeClr>
+            </a:gs>
+          </a:gsLst>
+          <a:lin ang="5400000" scaled="0"/>
+        </a:gradFill>
+      </a:fillStyleLst>
+      <a:lnStyleLst>
+        <a:ln w="6350" cap="flat" cmpd="sng" algn="ctr">
+          <a:solidFill>
+            <a:schemeClr val="phClr"/>
+          </a:solidFill>
+          <a:prstDash val="solid"/>
+          <a:miter lim="800000"/>
+        </a:ln>
+        <a:ln w="12700" cap="flat" cmpd="sng" algn="ctr">
+          <a:solidFill>
+            <a:schemeClr val="phClr"/>
+          </a:solidFill>
+          <a:prstDash val="solid"/>
+          <a:miter lim="800000"/>
+        </a:ln>
+        <a:ln w="19050" cap="flat" cmpd="sng" algn="ctr">
+          <a:solidFill>
+            <a:schemeClr val="phClr"/>
+          </a:solidFill>
+          <a:prstDash val="solid"/>
+          <a:miter lim="800000"/>
+        </a:ln>
+      </a:lnStyleLst>
+      <a:effectStyleLst>
+        <a:effectStyle>
+          <a:effectLst/>
+        </a:effectStyle>
+        <a:effectStyle>
+          <a:effectLst/>
+        </a:effectStyle>
+        <a:effectStyle>
+          <a:effectLst>
+            <a:outerShdw blurRad="57150" dist="19050" dir="5400000" algn="ctr" rotWithShape="0">
+              <a:srgbClr val="000000">
+                <a:alpha val="63000"/>
+              </a:srgbClr>
+            </a:outerShdw>
+          </a:effectLst>
+        </a:effectStyle>
+      </a:effectStyleLst>
+      <a:bgFillStyleLst>
+        <a:solidFill>
+          <a:schemeClr val="phClr"/>
+        </a:solidFill>
+        <a:solidFill>
+          <a:schemeClr val="phClr">
+            <a:tint val="95000"/>
+            <a:satMod val="170000"/>
+          </a:schemeClr>
+        </a:solidFill>
+        <a:gradFill rotWithShape="1">
+          <a:gsLst>
+            <a:gs pos="0">
+              <a:schemeClr val="phClr">
+                <a:tint val="93000"/>
+                <a:satMod val="150000"/>
+                <a:shade val="98000"/>
+                <a:lumMod val="102000"/>
+              </a:schemeClr>
+            </a:gs>
+            <a:gs pos="50000">
+              <a:schemeClr val="phClr">
+                <a:tint val="98000"/>
+                <a:satMod val="130000"/>
+                <a:shade val="90000"/>
+                <a:lumMod val="103000"/>
+              </a:schemeClr>
+            </a:gs>
+            <a:gs pos="100000">
+              <a:schemeClr val="phClr">
+                <a:shade val="63000"/>
+                <a:satMod val="120000"/>
+              </a:schemeClr>
+            </a:gs>
+          </a:gsLst>
+          <a:lin ang="5400000" scaled="0"/>
+        </a:gradFill>
+      </a:bgFillStyleLst>
+    </a:fmtScheme>
+  </a:themeElements>
+  <a:objectDefaults/>
+  <a:extraClrSchemeLst/>
+  <a:extLst>
+    <a:ext uri="{05A4C25C-085E-4340-85A3-A5531E510DB2}">
+      <thm15:themeFamily xmlns:thm15="http://schemas.microsoft.com/office/thememl/2012/main" name="Office Theme" id="{62F939B6-93AF-4DB8-9C6B-D6C7DFDC589F}" vid="{4A3C46E8-61CC-4603-A589-7422A47A8E4A}"/>
+    </a:ext>
+  </a:extLst>
+</a:theme>
 </file>